--- a/risk_parity_mpe_risco.pptx
+++ b/risk_parity_mpe_risco.pptx
@@ -7,14 +7,13 @@
   <p:sldIdLst>
     <p:sldId id="256" r:id="rId2"/>
     <p:sldId id="261" r:id="rId3"/>
-    <p:sldId id="257" r:id="rId4"/>
-    <p:sldId id="259" r:id="rId5"/>
-    <p:sldId id="260" r:id="rId6"/>
-    <p:sldId id="262" r:id="rId7"/>
-    <p:sldId id="263" r:id="rId8"/>
-    <p:sldId id="258" r:id="rId9"/>
-    <p:sldId id="265" r:id="rId10"/>
-    <p:sldId id="264" r:id="rId11"/>
+    <p:sldId id="262" r:id="rId4"/>
+    <p:sldId id="257" r:id="rId5"/>
+    <p:sldId id="259" r:id="rId6"/>
+    <p:sldId id="260" r:id="rId7"/>
+    <p:sldId id="258" r:id="rId8"/>
+    <p:sldId id="263" r:id="rId9"/>
+    <p:sldId id="264" r:id="rId10"/>
   </p:sldIdLst>
   <p:sldSz cx="12192000" cy="6858000"/>
   <p:notesSz cx="6858000" cy="9144000"/>
@@ -113,6 +112,11 @@
       </a:defRPr>
     </a:lvl9pPr>
   </p:defaultTextStyle>
+  <p:extLst>
+    <p:ext uri="{EFAFB233-063F-42B5-8137-9DF3F51BA10A}">
+      <p15:sldGuideLst xmlns:p15="http://schemas.microsoft.com/office/powerpoint/2012/main"/>
+    </p:ext>
+  </p:extLst>
 </p:presentation>
 </file>
 
@@ -265,7 +269,7 @@
           <a:p>
             <a:fld id="{789574A4-DB28-6D43-BB5F-1FAC94751D73}" type="datetimeFigureOut">
               <a:rPr lang="en-US" smtClean="0"/>
-              <a:t>12/3/20</a:t>
+              <a:t>12/8/2020</a:t>
             </a:fld>
             <a:endParaRPr lang="en-US"/>
           </a:p>
@@ -319,7 +323,7 @@
           <a:p>
             <a:fld id="{68AE07A1-28B8-B444-A707-E0B655E8040C}" type="slidenum">
               <a:rPr lang="en-US" smtClean="0"/>
-              <a:t>‹#›</a:t>
+              <a:t>‹nº›</a:t>
             </a:fld>
             <a:endParaRPr lang="en-US"/>
           </a:p>
@@ -465,7 +469,7 @@
           <a:p>
             <a:fld id="{789574A4-DB28-6D43-BB5F-1FAC94751D73}" type="datetimeFigureOut">
               <a:rPr lang="en-US" smtClean="0"/>
-              <a:t>12/3/20</a:t>
+              <a:t>12/8/2020</a:t>
             </a:fld>
             <a:endParaRPr lang="en-US"/>
           </a:p>
@@ -519,7 +523,7 @@
           <a:p>
             <a:fld id="{68AE07A1-28B8-B444-A707-E0B655E8040C}" type="slidenum">
               <a:rPr lang="en-US" smtClean="0"/>
-              <a:t>‹#›</a:t>
+              <a:t>‹nº›</a:t>
             </a:fld>
             <a:endParaRPr lang="en-US"/>
           </a:p>
@@ -675,7 +679,7 @@
           <a:p>
             <a:fld id="{789574A4-DB28-6D43-BB5F-1FAC94751D73}" type="datetimeFigureOut">
               <a:rPr lang="en-US" smtClean="0"/>
-              <a:t>12/3/20</a:t>
+              <a:t>12/8/2020</a:t>
             </a:fld>
             <a:endParaRPr lang="en-US"/>
           </a:p>
@@ -729,7 +733,7 @@
           <a:p>
             <a:fld id="{68AE07A1-28B8-B444-A707-E0B655E8040C}" type="slidenum">
               <a:rPr lang="en-US" smtClean="0"/>
-              <a:t>‹#›</a:t>
+              <a:t>‹nº›</a:t>
             </a:fld>
             <a:endParaRPr lang="en-US"/>
           </a:p>
@@ -875,7 +879,7 @@
           <a:p>
             <a:fld id="{789574A4-DB28-6D43-BB5F-1FAC94751D73}" type="datetimeFigureOut">
               <a:rPr lang="en-US" smtClean="0"/>
-              <a:t>12/3/20</a:t>
+              <a:t>12/8/2020</a:t>
             </a:fld>
             <a:endParaRPr lang="en-US"/>
           </a:p>
@@ -929,7 +933,7 @@
           <a:p>
             <a:fld id="{68AE07A1-28B8-B444-A707-E0B655E8040C}" type="slidenum">
               <a:rPr lang="en-US" smtClean="0"/>
-              <a:t>‹#›</a:t>
+              <a:t>‹nº›</a:t>
             </a:fld>
             <a:endParaRPr lang="en-US"/>
           </a:p>
@@ -1151,7 +1155,7 @@
           <a:p>
             <a:fld id="{789574A4-DB28-6D43-BB5F-1FAC94751D73}" type="datetimeFigureOut">
               <a:rPr lang="en-US" smtClean="0"/>
-              <a:t>12/3/20</a:t>
+              <a:t>12/8/2020</a:t>
             </a:fld>
             <a:endParaRPr lang="en-US"/>
           </a:p>
@@ -1205,7 +1209,7 @@
           <a:p>
             <a:fld id="{68AE07A1-28B8-B444-A707-E0B655E8040C}" type="slidenum">
               <a:rPr lang="en-US" smtClean="0"/>
-              <a:t>‹#›</a:t>
+              <a:t>‹nº›</a:t>
             </a:fld>
             <a:endParaRPr lang="en-US"/>
           </a:p>
@@ -1419,7 +1423,7 @@
           <a:p>
             <a:fld id="{789574A4-DB28-6D43-BB5F-1FAC94751D73}" type="datetimeFigureOut">
               <a:rPr lang="en-US" smtClean="0"/>
-              <a:t>12/3/20</a:t>
+              <a:t>12/8/2020</a:t>
             </a:fld>
             <a:endParaRPr lang="en-US"/>
           </a:p>
@@ -1473,7 +1477,7 @@
           <a:p>
             <a:fld id="{68AE07A1-28B8-B444-A707-E0B655E8040C}" type="slidenum">
               <a:rPr lang="en-US" smtClean="0"/>
-              <a:t>‹#›</a:t>
+              <a:t>‹nº›</a:t>
             </a:fld>
             <a:endParaRPr lang="en-US"/>
           </a:p>
@@ -1834,7 +1838,7 @@
           <a:p>
             <a:fld id="{789574A4-DB28-6D43-BB5F-1FAC94751D73}" type="datetimeFigureOut">
               <a:rPr lang="en-US" smtClean="0"/>
-              <a:t>12/3/20</a:t>
+              <a:t>12/8/2020</a:t>
             </a:fld>
             <a:endParaRPr lang="en-US"/>
           </a:p>
@@ -1888,7 +1892,7 @@
           <a:p>
             <a:fld id="{68AE07A1-28B8-B444-A707-E0B655E8040C}" type="slidenum">
               <a:rPr lang="en-US" smtClean="0"/>
-              <a:t>‹#›</a:t>
+              <a:t>‹nº›</a:t>
             </a:fld>
             <a:endParaRPr lang="en-US"/>
           </a:p>
@@ -1976,7 +1980,7 @@
           <a:p>
             <a:fld id="{789574A4-DB28-6D43-BB5F-1FAC94751D73}" type="datetimeFigureOut">
               <a:rPr lang="en-US" smtClean="0"/>
-              <a:t>12/3/20</a:t>
+              <a:t>12/8/2020</a:t>
             </a:fld>
             <a:endParaRPr lang="en-US"/>
           </a:p>
@@ -2030,7 +2034,7 @@
           <a:p>
             <a:fld id="{68AE07A1-28B8-B444-A707-E0B655E8040C}" type="slidenum">
               <a:rPr lang="en-US" smtClean="0"/>
-              <a:t>‹#›</a:t>
+              <a:t>‹nº›</a:t>
             </a:fld>
             <a:endParaRPr lang="en-US"/>
           </a:p>
@@ -2089,7 +2093,7 @@
           <a:p>
             <a:fld id="{789574A4-DB28-6D43-BB5F-1FAC94751D73}" type="datetimeFigureOut">
               <a:rPr lang="en-US" smtClean="0"/>
-              <a:t>12/3/20</a:t>
+              <a:t>12/8/2020</a:t>
             </a:fld>
             <a:endParaRPr lang="en-US"/>
           </a:p>
@@ -2143,7 +2147,7 @@
           <a:p>
             <a:fld id="{68AE07A1-28B8-B444-A707-E0B655E8040C}" type="slidenum">
               <a:rPr lang="en-US" smtClean="0"/>
-              <a:t>‹#›</a:t>
+              <a:t>‹nº›</a:t>
             </a:fld>
             <a:endParaRPr lang="en-US"/>
           </a:p>
@@ -2402,7 +2406,7 @@
           <a:p>
             <a:fld id="{789574A4-DB28-6D43-BB5F-1FAC94751D73}" type="datetimeFigureOut">
               <a:rPr lang="en-US" smtClean="0"/>
-              <a:t>12/3/20</a:t>
+              <a:t>12/8/2020</a:t>
             </a:fld>
             <a:endParaRPr lang="en-US"/>
           </a:p>
@@ -2456,7 +2460,7 @@
           <a:p>
             <a:fld id="{68AE07A1-28B8-B444-A707-E0B655E8040C}" type="slidenum">
               <a:rPr lang="en-US" smtClean="0"/>
-              <a:t>‹#›</a:t>
+              <a:t>‹nº›</a:t>
             </a:fld>
             <a:endParaRPr lang="en-US"/>
           </a:p>
@@ -2691,7 +2695,7 @@
           <a:p>
             <a:fld id="{789574A4-DB28-6D43-BB5F-1FAC94751D73}" type="datetimeFigureOut">
               <a:rPr lang="en-US" smtClean="0"/>
-              <a:t>12/3/20</a:t>
+              <a:t>12/8/2020</a:t>
             </a:fld>
             <a:endParaRPr lang="en-US"/>
           </a:p>
@@ -2745,7 +2749,7 @@
           <a:p>
             <a:fld id="{68AE07A1-28B8-B444-A707-E0B655E8040C}" type="slidenum">
               <a:rPr lang="en-US" smtClean="0"/>
-              <a:t>‹#›</a:t>
+              <a:t>‹nº›</a:t>
             </a:fld>
             <a:endParaRPr lang="en-US"/>
           </a:p>
@@ -2934,7 +2938,7 @@
           <a:p>
             <a:fld id="{789574A4-DB28-6D43-BB5F-1FAC94751D73}" type="datetimeFigureOut">
               <a:rPr lang="en-US" smtClean="0"/>
-              <a:t>12/3/20</a:t>
+              <a:t>12/8/2020</a:t>
             </a:fld>
             <a:endParaRPr lang="en-US"/>
           </a:p>
@@ -3024,7 +3028,7 @@
           <a:p>
             <a:fld id="{68AE07A1-28B8-B444-A707-E0B655E8040C}" type="slidenum">
               <a:rPr lang="en-US" smtClean="0"/>
-              <a:t>‹#›</a:t>
+              <a:t>‹nº›</a:t>
             </a:fld>
             <a:endParaRPr lang="en-US"/>
           </a:p>
@@ -3369,8 +3373,8 @@
         </p:nvSpPr>
         <p:spPr>
           <a:xfrm>
-            <a:off x="1524000" y="1660633"/>
-            <a:ext cx="9144000" cy="1849329"/>
+            <a:off x="1524000" y="1755585"/>
+            <a:ext cx="9144000" cy="1299422"/>
           </a:xfrm>
         </p:spPr>
         <p:txBody>
@@ -3379,14 +3383,7 @@
           <a:p>
             <a:r>
               <a:rPr lang="en-US" dirty="0"/>
-              <a:t>Risk-Parity Allocation:</a:t>
-            </a:r>
-            <a:br>
-              <a:rPr lang="en-US" dirty="0"/>
-            </a:br>
-            <a:r>
-              <a:rPr lang="en-US" dirty="0"/>
-              <a:t> A tree-based approach</a:t>
+              <a:t>Risk-Parity Allocation</a:t>
             </a:r>
           </a:p>
         </p:txBody>
@@ -3409,7 +3406,7 @@
         </p:nvSpPr>
         <p:spPr>
           <a:xfrm>
-            <a:off x="1524000" y="4053983"/>
+            <a:off x="1524000" y="3802994"/>
             <a:ext cx="9144000" cy="454955"/>
           </a:xfrm>
         </p:spPr>
@@ -3419,13 +3416,8 @@
           <a:p>
             <a:r>
               <a:rPr lang="en-US" dirty="0"/>
-              <a:t>Antônio </a:t>
-            </a:r>
-            <a:r>
-              <a:rPr lang="en-US" dirty="0" err="1"/>
-              <a:t>Salomão</a:t>
-            </a:r>
-            <a:endParaRPr lang="en-US" dirty="0"/>
+              <a:t>Antônio Salomão</a:t>
+            </a:r>
           </a:p>
         </p:txBody>
       </p:sp>
@@ -3433,1236 +3425,6 @@
     <p:extLst>
       <p:ext uri="{BB962C8B-B14F-4D97-AF65-F5344CB8AC3E}">
         <p14:creationId xmlns:p14="http://schemas.microsoft.com/office/powerpoint/2010/main" val="1871788189"/>
-      </p:ext>
-    </p:extLst>
-  </p:cSld>
-  <p:clrMapOvr>
-    <a:masterClrMapping/>
-  </p:clrMapOvr>
-</p:sld>
-</file>
-
-<file path=ppt/slides/slide10.xml><?xml version="1.0" encoding="utf-8"?>
-<p:sld xmlns:a="http://schemas.openxmlformats.org/drawingml/2006/main" xmlns:r="http://schemas.openxmlformats.org/officeDocument/2006/relationships" xmlns:p="http://schemas.openxmlformats.org/presentationml/2006/main">
-  <p:cSld>
-    <p:spTree>
-      <p:nvGrpSpPr>
-        <p:cNvPr id="1" name=""/>
-        <p:cNvGrpSpPr/>
-        <p:nvPr/>
-      </p:nvGrpSpPr>
-      <p:grpSpPr>
-        <a:xfrm>
-          <a:off x="0" y="0"/>
-          <a:ext cx="0" cy="0"/>
-          <a:chOff x="0" y="0"/>
-          <a:chExt cx="0" cy="0"/>
-        </a:xfrm>
-      </p:grpSpPr>
-      <p:sp>
-        <p:nvSpPr>
-          <p:cNvPr id="2" name="Title 1">
-            <a:extLst>
-              <a:ext uri="{FF2B5EF4-FFF2-40B4-BE49-F238E27FC236}">
-                <a16:creationId xmlns:a16="http://schemas.microsoft.com/office/drawing/2014/main" id="{9822095D-03EA-744F-B6B2-AC48C94F7C1E}"/>
-              </a:ext>
-            </a:extLst>
-          </p:cNvPr>
-          <p:cNvSpPr>
-            <a:spLocks noGrp="1"/>
-          </p:cNvSpPr>
-          <p:nvPr>
-            <p:ph type="title"/>
-          </p:nvPr>
-        </p:nvSpPr>
-        <p:spPr>
-          <a:xfrm>
-            <a:off x="0" y="0"/>
-            <a:ext cx="10500360" cy="925195"/>
-          </a:xfrm>
-        </p:spPr>
-        <p:txBody>
-          <a:bodyPr/>
-          <a:lstStyle/>
-          <a:p>
-            <a:r>
-              <a:rPr lang="en-US" dirty="0"/>
-              <a:t>Code snippet</a:t>
-            </a:r>
-          </a:p>
-        </p:txBody>
-      </p:sp>
-      <p:sp>
-        <p:nvSpPr>
-          <p:cNvPr id="6" name="Rectangle 5">
-            <a:extLst>
-              <a:ext uri="{FF2B5EF4-FFF2-40B4-BE49-F238E27FC236}">
-                <a16:creationId xmlns:a16="http://schemas.microsoft.com/office/drawing/2014/main" id="{8701E3E6-BBD1-C443-9D37-8F9444B26949}"/>
-              </a:ext>
-            </a:extLst>
-          </p:cNvPr>
-          <p:cNvSpPr/>
-          <p:nvPr/>
-        </p:nvSpPr>
-        <p:spPr>
-          <a:xfrm>
-            <a:off x="162560" y="925195"/>
-            <a:ext cx="11206479" cy="5016758"/>
-          </a:xfrm>
-          <a:prstGeom prst="rect">
-            <a:avLst/>
-          </a:prstGeom>
-        </p:spPr>
-        <p:txBody>
-          <a:bodyPr wrap="square">
-            <a:spAutoFit/>
-          </a:bodyPr>
-          <a:lstStyle/>
-          <a:p>
-            <a:r>
-              <a:rPr lang="en-GB" sz="1600" b="0" dirty="0">
-                <a:solidFill>
-                  <a:srgbClr val="008000"/>
-                </a:solidFill>
-                <a:effectLst/>
-                <a:latin typeface="Menlo" panose="020B0609030804020204" pitchFamily="49" charset="0"/>
-              </a:rPr>
-              <a:t># Long-Only Formulation (</a:t>
-            </a:r>
-            <a:r>
-              <a:rPr lang="en-GB" sz="1600" b="0" dirty="0" err="1">
-                <a:solidFill>
-                  <a:srgbClr val="008000"/>
-                </a:solidFill>
-                <a:effectLst/>
-                <a:latin typeface="Menlo" panose="020B0609030804020204" pitchFamily="49" charset="0"/>
-              </a:rPr>
-              <a:t>Karush</a:t>
-            </a:r>
-            <a:r>
-              <a:rPr lang="en-GB" sz="1600" b="0" dirty="0">
-                <a:solidFill>
-                  <a:srgbClr val="008000"/>
-                </a:solidFill>
-                <a:effectLst/>
-                <a:latin typeface="Menlo" panose="020B0609030804020204" pitchFamily="49" charset="0"/>
-              </a:rPr>
-              <a:t>-</a:t>
-            </a:r>
-            <a:r>
-              <a:rPr lang="en-GB" sz="1600" b="0" dirty="0" err="1">
-                <a:solidFill>
-                  <a:srgbClr val="008000"/>
-                </a:solidFill>
-                <a:effectLst/>
-                <a:latin typeface="Menlo" panose="020B0609030804020204" pitchFamily="49" charset="0"/>
-              </a:rPr>
-              <a:t>Khun</a:t>
-            </a:r>
-            <a:r>
-              <a:rPr lang="en-GB" sz="1600" b="0" dirty="0">
-                <a:solidFill>
-                  <a:srgbClr val="008000"/>
-                </a:solidFill>
-                <a:effectLst/>
-                <a:latin typeface="Menlo" panose="020B0609030804020204" pitchFamily="49" charset="0"/>
-              </a:rPr>
-              <a:t>-Tucker conditions ... )</a:t>
-            </a:r>
-          </a:p>
-          <a:p>
-            <a:endParaRPr lang="en-GB" sz="1600" b="0" dirty="0">
-              <a:solidFill>
-                <a:srgbClr val="000000"/>
-              </a:solidFill>
-              <a:effectLst/>
-              <a:latin typeface="Menlo" panose="020B0609030804020204" pitchFamily="49" charset="0"/>
-            </a:endParaRPr>
-          </a:p>
-          <a:p>
-            <a:r>
-              <a:rPr lang="en-GB" sz="1600" b="0" dirty="0" err="1">
-                <a:solidFill>
-                  <a:srgbClr val="000000"/>
-                </a:solidFill>
-                <a:effectLst/>
-                <a:latin typeface="Menlo" panose="020B0609030804020204" pitchFamily="49" charset="0"/>
-              </a:rPr>
-              <a:t>obj_fun_rp_weights</a:t>
-            </a:r>
-            <a:r>
-              <a:rPr lang="en-GB" sz="1600" b="0" dirty="0">
-                <a:solidFill>
-                  <a:srgbClr val="000000"/>
-                </a:solidFill>
-                <a:effectLst/>
-                <a:latin typeface="Menlo" panose="020B0609030804020204" pitchFamily="49" charset="0"/>
-              </a:rPr>
-              <a:t> = []</a:t>
-            </a:r>
-          </a:p>
-          <a:p>
-            <a:r>
-              <a:rPr lang="en-GB" sz="1600" b="0" dirty="0" err="1">
-                <a:solidFill>
-                  <a:srgbClr val="000000"/>
-                </a:solidFill>
-                <a:effectLst/>
-                <a:latin typeface="Menlo" panose="020B0609030804020204" pitchFamily="49" charset="0"/>
-              </a:rPr>
-              <a:t>n_trials</a:t>
-            </a:r>
-            <a:r>
-              <a:rPr lang="en-GB" sz="1600" b="0" dirty="0">
-                <a:solidFill>
-                  <a:srgbClr val="000000"/>
-                </a:solidFill>
-                <a:effectLst/>
-                <a:latin typeface="Menlo" panose="020B0609030804020204" pitchFamily="49" charset="0"/>
-              </a:rPr>
-              <a:t> = </a:t>
-            </a:r>
-            <a:r>
-              <a:rPr lang="en-GB" sz="1600" b="0" dirty="0">
-                <a:solidFill>
-                  <a:srgbClr val="098658"/>
-                </a:solidFill>
-                <a:effectLst/>
-                <a:latin typeface="Menlo" panose="020B0609030804020204" pitchFamily="49" charset="0"/>
-              </a:rPr>
-              <a:t>100</a:t>
-            </a:r>
-            <a:endParaRPr lang="en-GB" sz="1600" b="0" dirty="0">
-              <a:solidFill>
-                <a:srgbClr val="000000"/>
-              </a:solidFill>
-              <a:effectLst/>
-              <a:latin typeface="Menlo" panose="020B0609030804020204" pitchFamily="49" charset="0"/>
-            </a:endParaRPr>
-          </a:p>
-          <a:p>
-            <a:r>
-              <a:rPr lang="en-GB" sz="1600" b="0" dirty="0" err="1">
-                <a:solidFill>
-                  <a:srgbClr val="000000"/>
-                </a:solidFill>
-                <a:effectLst/>
-                <a:latin typeface="Menlo" panose="020B0609030804020204" pitchFamily="49" charset="0"/>
-              </a:rPr>
-              <a:t>ln_constraint</a:t>
-            </a:r>
-            <a:r>
-              <a:rPr lang="en-GB" sz="1600" b="0" dirty="0">
-                <a:solidFill>
-                  <a:srgbClr val="000000"/>
-                </a:solidFill>
-                <a:effectLst/>
-                <a:latin typeface="Menlo" panose="020B0609030804020204" pitchFamily="49" charset="0"/>
-              </a:rPr>
-              <a:t> = {</a:t>
-            </a:r>
-            <a:r>
-              <a:rPr lang="en-GB" sz="1600" b="0" dirty="0">
-                <a:solidFill>
-                  <a:srgbClr val="A31515"/>
-                </a:solidFill>
-                <a:effectLst/>
-                <a:latin typeface="Menlo" panose="020B0609030804020204" pitchFamily="49" charset="0"/>
-              </a:rPr>
-              <a:t>'type'</a:t>
-            </a:r>
-            <a:r>
-              <a:rPr lang="en-GB" sz="1600" b="0" dirty="0">
-                <a:solidFill>
-                  <a:srgbClr val="000000"/>
-                </a:solidFill>
-                <a:effectLst/>
-                <a:latin typeface="Menlo" panose="020B0609030804020204" pitchFamily="49" charset="0"/>
-              </a:rPr>
-              <a:t>: </a:t>
-            </a:r>
-            <a:r>
-              <a:rPr lang="en-GB" sz="1600" b="0" dirty="0">
-                <a:solidFill>
-                  <a:srgbClr val="A31515"/>
-                </a:solidFill>
-                <a:effectLst/>
-                <a:latin typeface="Menlo" panose="020B0609030804020204" pitchFamily="49" charset="0"/>
-              </a:rPr>
-              <a:t>‘</a:t>
-            </a:r>
-            <a:r>
-              <a:rPr lang="en-GB" sz="1600" b="0" dirty="0" err="1">
-                <a:solidFill>
-                  <a:srgbClr val="A31515"/>
-                </a:solidFill>
-                <a:effectLst/>
-                <a:latin typeface="Menlo" panose="020B0609030804020204" pitchFamily="49" charset="0"/>
-              </a:rPr>
-              <a:t>eq</a:t>
-            </a:r>
-            <a:r>
-              <a:rPr lang="en-GB" sz="1600" b="0" dirty="0">
-                <a:solidFill>
-                  <a:srgbClr val="A31515"/>
-                </a:solidFill>
-                <a:effectLst/>
-                <a:latin typeface="Menlo" panose="020B0609030804020204" pitchFamily="49" charset="0"/>
-              </a:rPr>
-              <a:t>'</a:t>
-            </a:r>
-            <a:r>
-              <a:rPr lang="en-GB" sz="1600" b="0" dirty="0">
-                <a:solidFill>
-                  <a:srgbClr val="000000"/>
-                </a:solidFill>
-                <a:effectLst/>
-                <a:latin typeface="Menlo" panose="020B0609030804020204" pitchFamily="49" charset="0"/>
-              </a:rPr>
-              <a:t>, </a:t>
-            </a:r>
-            <a:r>
-              <a:rPr lang="en-GB" sz="1600" b="0" dirty="0">
-                <a:solidFill>
-                  <a:srgbClr val="A31515"/>
-                </a:solidFill>
-                <a:effectLst/>
-                <a:latin typeface="Menlo" panose="020B0609030804020204" pitchFamily="49" charset="0"/>
-              </a:rPr>
-              <a:t>'fun'</a:t>
-            </a:r>
-            <a:r>
-              <a:rPr lang="en-GB" sz="1600" b="0" dirty="0">
-                <a:solidFill>
-                  <a:srgbClr val="000000"/>
-                </a:solidFill>
-                <a:effectLst/>
-                <a:latin typeface="Menlo" panose="020B0609030804020204" pitchFamily="49" charset="0"/>
-              </a:rPr>
-              <a:t>: </a:t>
-            </a:r>
-            <a:r>
-              <a:rPr lang="en-GB" sz="1600" b="0" dirty="0">
-                <a:solidFill>
-                  <a:srgbClr val="0000FF"/>
-                </a:solidFill>
-                <a:effectLst/>
-                <a:latin typeface="Menlo" panose="020B0609030804020204" pitchFamily="49" charset="0"/>
-              </a:rPr>
-              <a:t>lambda</a:t>
-            </a:r>
-            <a:r>
-              <a:rPr lang="en-GB" sz="1600" b="0" dirty="0">
-                <a:solidFill>
-                  <a:srgbClr val="000000"/>
-                </a:solidFill>
-                <a:effectLst/>
-                <a:latin typeface="Menlo" panose="020B0609030804020204" pitchFamily="49" charset="0"/>
-              </a:rPr>
-              <a:t> y: </a:t>
-            </a:r>
-            <a:r>
-              <a:rPr lang="en-GB" sz="1600" b="0" dirty="0" err="1">
-                <a:solidFill>
-                  <a:srgbClr val="000000"/>
-                </a:solidFill>
-                <a:effectLst/>
-                <a:latin typeface="Menlo" panose="020B0609030804020204" pitchFamily="49" charset="0"/>
-              </a:rPr>
-              <a:t>np.sum</a:t>
-            </a:r>
-            <a:r>
-              <a:rPr lang="en-GB" sz="1600" b="0" dirty="0">
-                <a:solidFill>
-                  <a:srgbClr val="000000"/>
-                </a:solidFill>
-                <a:effectLst/>
-                <a:latin typeface="Menlo" panose="020B0609030804020204" pitchFamily="49" charset="0"/>
-              </a:rPr>
-              <a:t>(</a:t>
-            </a:r>
-            <a:r>
-              <a:rPr lang="en-GB" sz="1600" b="0" dirty="0" err="1">
-                <a:solidFill>
-                  <a:srgbClr val="000000"/>
-                </a:solidFill>
-                <a:effectLst/>
-                <a:latin typeface="Menlo" panose="020B0609030804020204" pitchFamily="49" charset="0"/>
-              </a:rPr>
-              <a:t>np.log</a:t>
-            </a:r>
-            <a:r>
-              <a:rPr lang="en-GB" sz="1600" b="0" dirty="0">
-                <a:solidFill>
-                  <a:srgbClr val="000000"/>
-                </a:solidFill>
-                <a:effectLst/>
-                <a:latin typeface="Menlo" panose="020B0609030804020204" pitchFamily="49" charset="0"/>
-              </a:rPr>
-              <a:t>(y)) - </a:t>
-            </a:r>
-            <a:r>
-              <a:rPr lang="en-GB" sz="1600" b="0" dirty="0">
-                <a:solidFill>
-                  <a:srgbClr val="098658"/>
-                </a:solidFill>
-                <a:effectLst/>
-                <a:latin typeface="Menlo" panose="020B0609030804020204" pitchFamily="49" charset="0"/>
-              </a:rPr>
-              <a:t>1</a:t>
-            </a:r>
-            <a:r>
-              <a:rPr lang="en-GB" sz="1600" b="0" dirty="0">
-                <a:solidFill>
-                  <a:srgbClr val="000000"/>
-                </a:solidFill>
-                <a:effectLst/>
-                <a:latin typeface="Menlo" panose="020B0609030804020204" pitchFamily="49" charset="0"/>
-              </a:rPr>
-              <a:t>}</a:t>
-            </a:r>
-          </a:p>
-          <a:p>
-            <a:endParaRPr lang="en-GB" sz="1600" b="0" dirty="0">
-              <a:solidFill>
-                <a:srgbClr val="000000"/>
-              </a:solidFill>
-              <a:effectLst/>
-              <a:latin typeface="Menlo" panose="020B0609030804020204" pitchFamily="49" charset="0"/>
-            </a:endParaRPr>
-          </a:p>
-          <a:p>
-            <a:r>
-              <a:rPr lang="en-GB" sz="1600" b="0" dirty="0">
-                <a:solidFill>
-                  <a:srgbClr val="0000FF"/>
-                </a:solidFill>
-                <a:effectLst/>
-                <a:latin typeface="Menlo" panose="020B0609030804020204" pitchFamily="49" charset="0"/>
-              </a:rPr>
-              <a:t>for</a:t>
-            </a:r>
-            <a:r>
-              <a:rPr lang="en-GB" sz="1600" b="0" dirty="0">
-                <a:solidFill>
-                  <a:srgbClr val="000000"/>
-                </a:solidFill>
-                <a:effectLst/>
-                <a:latin typeface="Menlo" panose="020B0609030804020204" pitchFamily="49" charset="0"/>
-              </a:rPr>
-              <a:t> </a:t>
-            </a:r>
-            <a:r>
-              <a:rPr lang="en-GB" sz="1600" b="0" dirty="0" err="1">
-                <a:solidFill>
-                  <a:srgbClr val="000000"/>
-                </a:solidFill>
-                <a:effectLst/>
-                <a:latin typeface="Menlo" panose="020B0609030804020204" pitchFamily="49" charset="0"/>
-              </a:rPr>
-              <a:t>i</a:t>
-            </a:r>
-            <a:r>
-              <a:rPr lang="en-GB" sz="1600" b="0" dirty="0">
-                <a:solidFill>
-                  <a:srgbClr val="000000"/>
-                </a:solidFill>
-                <a:effectLst/>
-                <a:latin typeface="Menlo" panose="020B0609030804020204" pitchFamily="49" charset="0"/>
-              </a:rPr>
-              <a:t> </a:t>
-            </a:r>
-            <a:r>
-              <a:rPr lang="en-GB" sz="1600" b="0" dirty="0">
-                <a:solidFill>
-                  <a:srgbClr val="0000FF"/>
-                </a:solidFill>
-                <a:effectLst/>
-                <a:latin typeface="Menlo" panose="020B0609030804020204" pitchFamily="49" charset="0"/>
-              </a:rPr>
-              <a:t>in</a:t>
-            </a:r>
-            <a:r>
-              <a:rPr lang="en-GB" sz="1600" b="0" dirty="0">
-                <a:solidFill>
-                  <a:srgbClr val="000000"/>
-                </a:solidFill>
-                <a:effectLst/>
-                <a:latin typeface="Menlo" panose="020B0609030804020204" pitchFamily="49" charset="0"/>
-              </a:rPr>
-              <a:t> range(</a:t>
-            </a:r>
-            <a:r>
-              <a:rPr lang="en-GB" sz="1600" b="0" dirty="0" err="1">
-                <a:solidFill>
-                  <a:srgbClr val="000000"/>
-                </a:solidFill>
-                <a:effectLst/>
-                <a:latin typeface="Menlo" panose="020B0609030804020204" pitchFamily="49" charset="0"/>
-              </a:rPr>
-              <a:t>n_trials</a:t>
-            </a:r>
-            <a:r>
-              <a:rPr lang="en-GB" sz="1600" b="0" dirty="0">
-                <a:solidFill>
-                  <a:srgbClr val="000000"/>
-                </a:solidFill>
-                <a:effectLst/>
-                <a:latin typeface="Menlo" panose="020B0609030804020204" pitchFamily="49" charset="0"/>
-              </a:rPr>
-              <a:t>):</a:t>
-            </a:r>
-          </a:p>
-          <a:p>
-            <a:br>
-              <a:rPr lang="en-GB" sz="1600" b="0" dirty="0">
-                <a:solidFill>
-                  <a:srgbClr val="000000"/>
-                </a:solidFill>
-                <a:effectLst/>
-                <a:latin typeface="Menlo" panose="020B0609030804020204" pitchFamily="49" charset="0"/>
-              </a:rPr>
-            </a:br>
-            <a:r>
-              <a:rPr lang="en-GB" sz="1600" b="0" dirty="0" err="1">
-                <a:solidFill>
-                  <a:srgbClr val="000000"/>
-                </a:solidFill>
-                <a:effectLst/>
-                <a:latin typeface="Menlo" panose="020B0609030804020204" pitchFamily="49" charset="0"/>
-              </a:rPr>
-              <a:t>initial_guess_rp</a:t>
-            </a:r>
-            <a:r>
-              <a:rPr lang="en-GB" sz="1600" b="0" dirty="0">
-                <a:solidFill>
-                  <a:srgbClr val="000000"/>
-                </a:solidFill>
-                <a:effectLst/>
-                <a:latin typeface="Menlo" panose="020B0609030804020204" pitchFamily="49" charset="0"/>
-              </a:rPr>
-              <a:t> = </a:t>
-            </a:r>
-            <a:r>
-              <a:rPr lang="en-GB" sz="1600" b="0" dirty="0" err="1">
-                <a:solidFill>
-                  <a:srgbClr val="000000"/>
-                </a:solidFill>
-                <a:effectLst/>
-                <a:latin typeface="Menlo" panose="020B0609030804020204" pitchFamily="49" charset="0"/>
-              </a:rPr>
-              <a:t>np.random.uniform</a:t>
-            </a:r>
-            <a:r>
-              <a:rPr lang="en-GB" sz="1600" b="0" dirty="0">
-                <a:solidFill>
-                  <a:srgbClr val="000000"/>
-                </a:solidFill>
-                <a:effectLst/>
-                <a:latin typeface="Menlo" panose="020B0609030804020204" pitchFamily="49" charset="0"/>
-              </a:rPr>
-              <a:t>(low=</a:t>
-            </a:r>
-            <a:r>
-              <a:rPr lang="en-GB" sz="1600" b="0" dirty="0">
-                <a:solidFill>
-                  <a:srgbClr val="098658"/>
-                </a:solidFill>
-                <a:effectLst/>
-                <a:latin typeface="Menlo" panose="020B0609030804020204" pitchFamily="49" charset="0"/>
-              </a:rPr>
-              <a:t>0.01</a:t>
-            </a:r>
-            <a:r>
-              <a:rPr lang="en-GB" sz="1600" b="0" dirty="0">
-                <a:solidFill>
-                  <a:srgbClr val="000000"/>
-                </a:solidFill>
-                <a:effectLst/>
-                <a:latin typeface="Menlo" panose="020B0609030804020204" pitchFamily="49" charset="0"/>
-              </a:rPr>
-              <a:t>, high=</a:t>
-            </a:r>
-            <a:r>
-              <a:rPr lang="en-GB" sz="1600" b="0" dirty="0">
-                <a:solidFill>
-                  <a:srgbClr val="098658"/>
-                </a:solidFill>
-                <a:effectLst/>
-                <a:latin typeface="Menlo" panose="020B0609030804020204" pitchFamily="49" charset="0"/>
-              </a:rPr>
-              <a:t>5</a:t>
-            </a:r>
-            <a:r>
-              <a:rPr lang="en-GB" sz="1600" b="0" dirty="0">
-                <a:solidFill>
-                  <a:srgbClr val="000000"/>
-                </a:solidFill>
-                <a:effectLst/>
-                <a:latin typeface="Menlo" panose="020B0609030804020204" pitchFamily="49" charset="0"/>
-              </a:rPr>
-              <a:t>, size=(</a:t>
-            </a:r>
-            <a:r>
-              <a:rPr lang="en-GB" sz="1600" b="0" dirty="0" err="1">
-                <a:solidFill>
-                  <a:srgbClr val="000000"/>
-                </a:solidFill>
-                <a:effectLst/>
-                <a:latin typeface="Menlo" panose="020B0609030804020204" pitchFamily="49" charset="0"/>
-              </a:rPr>
-              <a:t>len</a:t>
-            </a:r>
-            <a:r>
-              <a:rPr lang="en-GB" sz="1600" b="0" dirty="0">
-                <a:solidFill>
-                  <a:srgbClr val="000000"/>
-                </a:solidFill>
-                <a:effectLst/>
-                <a:latin typeface="Menlo" panose="020B0609030804020204" pitchFamily="49" charset="0"/>
-              </a:rPr>
-              <a:t>(</a:t>
-            </a:r>
-            <a:r>
-              <a:rPr lang="en-GB" sz="1600" b="0" dirty="0" err="1">
-                <a:solidFill>
-                  <a:srgbClr val="000000"/>
-                </a:solidFill>
-                <a:effectLst/>
-                <a:latin typeface="Menlo" panose="020B0609030804020204" pitchFamily="49" charset="0"/>
-              </a:rPr>
-              <a:t>eq_univ</a:t>
-            </a:r>
-            <a:r>
-              <a:rPr lang="en-GB" sz="1600" b="0" dirty="0">
-                <a:solidFill>
-                  <a:srgbClr val="000000"/>
-                </a:solidFill>
-                <a:effectLst/>
-                <a:latin typeface="Menlo" panose="020B0609030804020204" pitchFamily="49" charset="0"/>
-              </a:rPr>
-              <a:t>)))</a:t>
-            </a:r>
-          </a:p>
-          <a:p>
-            <a:r>
-              <a:rPr lang="en-GB" sz="1600" b="0" dirty="0" err="1">
-                <a:solidFill>
-                  <a:srgbClr val="000000"/>
-                </a:solidFill>
-                <a:effectLst/>
-                <a:latin typeface="Menlo" panose="020B0609030804020204" pitchFamily="49" charset="0"/>
-              </a:rPr>
-              <a:t>G_bounds_rp</a:t>
-            </a:r>
-            <a:r>
-              <a:rPr lang="en-GB" sz="1600" b="0" dirty="0">
-                <a:solidFill>
-                  <a:srgbClr val="000000"/>
-                </a:solidFill>
-                <a:effectLst/>
-                <a:latin typeface="Menlo" panose="020B0609030804020204" pitchFamily="49" charset="0"/>
-              </a:rPr>
-              <a:t> = </a:t>
-            </a:r>
-            <a:r>
-              <a:rPr lang="en-GB" sz="1600" b="0" dirty="0" err="1">
-                <a:solidFill>
-                  <a:srgbClr val="000000"/>
-                </a:solidFill>
-                <a:effectLst/>
-                <a:latin typeface="Menlo" panose="020B0609030804020204" pitchFamily="49" charset="0"/>
-              </a:rPr>
-              <a:t>get_bounds</a:t>
-            </a:r>
-            <a:r>
-              <a:rPr lang="en-GB" sz="1600" b="0" dirty="0">
-                <a:solidFill>
-                  <a:srgbClr val="000000"/>
-                </a:solidFill>
-                <a:effectLst/>
-                <a:latin typeface="Menlo" panose="020B0609030804020204" pitchFamily="49" charset="0"/>
-              </a:rPr>
-              <a:t>(weights=</a:t>
-            </a:r>
-            <a:r>
-              <a:rPr lang="en-GB" sz="1600" b="0" dirty="0" err="1">
-                <a:solidFill>
-                  <a:srgbClr val="000000"/>
-                </a:solidFill>
-                <a:effectLst/>
-                <a:latin typeface="Menlo" panose="020B0609030804020204" pitchFamily="49" charset="0"/>
-              </a:rPr>
-              <a:t>initial_guess_rp</a:t>
-            </a:r>
-            <a:r>
-              <a:rPr lang="en-GB" sz="1600" b="0" dirty="0">
-                <a:solidFill>
-                  <a:srgbClr val="000000"/>
-                </a:solidFill>
-                <a:effectLst/>
-                <a:latin typeface="Menlo" panose="020B0609030804020204" pitchFamily="49" charset="0"/>
-              </a:rPr>
-              <a:t>, LB=</a:t>
-            </a:r>
-            <a:r>
-              <a:rPr lang="en-GB" sz="1600" b="0" dirty="0">
-                <a:solidFill>
-                  <a:srgbClr val="098658"/>
-                </a:solidFill>
-                <a:effectLst/>
-                <a:latin typeface="Menlo" panose="020B0609030804020204" pitchFamily="49" charset="0"/>
-              </a:rPr>
-              <a:t>0.01</a:t>
-            </a:r>
-            <a:r>
-              <a:rPr lang="en-GB" sz="1600" b="0" dirty="0">
-                <a:solidFill>
-                  <a:srgbClr val="000000"/>
-                </a:solidFill>
-                <a:effectLst/>
-                <a:latin typeface="Menlo" panose="020B0609030804020204" pitchFamily="49" charset="0"/>
-              </a:rPr>
-              <a:t>, UB=</a:t>
-            </a:r>
-            <a:r>
-              <a:rPr lang="en-GB" sz="1600" b="0" dirty="0">
-                <a:solidFill>
-                  <a:srgbClr val="098658"/>
-                </a:solidFill>
-                <a:effectLst/>
-                <a:latin typeface="Menlo" panose="020B0609030804020204" pitchFamily="49" charset="0"/>
-              </a:rPr>
-              <a:t>5</a:t>
-            </a:r>
-            <a:r>
-              <a:rPr lang="en-GB" sz="1600" b="0" dirty="0">
-                <a:solidFill>
-                  <a:srgbClr val="000000"/>
-                </a:solidFill>
-                <a:effectLst/>
-                <a:latin typeface="Menlo" panose="020B0609030804020204" pitchFamily="49" charset="0"/>
-              </a:rPr>
-              <a:t>)</a:t>
-            </a:r>
-          </a:p>
-          <a:p>
-            <a:br>
-              <a:rPr lang="en-GB" sz="1600" b="0" dirty="0">
-                <a:solidFill>
-                  <a:srgbClr val="000000"/>
-                </a:solidFill>
-                <a:effectLst/>
-                <a:latin typeface="Menlo" panose="020B0609030804020204" pitchFamily="49" charset="0"/>
-              </a:rPr>
-            </a:br>
-            <a:r>
-              <a:rPr lang="en-GB" sz="1600" b="0" dirty="0" err="1">
-                <a:solidFill>
-                  <a:srgbClr val="000000"/>
-                </a:solidFill>
-                <a:effectLst/>
-                <a:latin typeface="Menlo" panose="020B0609030804020204" pitchFamily="49" charset="0"/>
-              </a:rPr>
-              <a:t>rp_opt_dict</a:t>
-            </a:r>
-            <a:r>
-              <a:rPr lang="en-GB" sz="1600" b="0" dirty="0">
-                <a:solidFill>
-                  <a:srgbClr val="000000"/>
-                </a:solidFill>
-                <a:effectLst/>
-                <a:latin typeface="Menlo" panose="020B0609030804020204" pitchFamily="49" charset="0"/>
-              </a:rPr>
-              <a:t> = { </a:t>
-            </a:r>
-            <a:r>
-              <a:rPr lang="en-GB" sz="1600" b="0" dirty="0">
-                <a:solidFill>
-                  <a:srgbClr val="A31515"/>
-                </a:solidFill>
-                <a:effectLst/>
-                <a:latin typeface="Menlo" panose="020B0609030804020204" pitchFamily="49" charset="0"/>
-              </a:rPr>
-              <a:t>'fun'</a:t>
-            </a:r>
-            <a:r>
-              <a:rPr lang="en-GB" sz="1600" b="0" dirty="0">
-                <a:solidFill>
-                  <a:srgbClr val="000000"/>
-                </a:solidFill>
-                <a:effectLst/>
-                <a:latin typeface="Menlo" panose="020B0609030804020204" pitchFamily="49" charset="0"/>
-              </a:rPr>
-              <a:t>: </a:t>
-            </a:r>
-            <a:r>
-              <a:rPr lang="en-GB" sz="1600" b="0" dirty="0">
-                <a:solidFill>
-                  <a:srgbClr val="0000FF"/>
-                </a:solidFill>
-                <a:effectLst/>
-                <a:latin typeface="Menlo" panose="020B0609030804020204" pitchFamily="49" charset="0"/>
-              </a:rPr>
-              <a:t>lambda</a:t>
-            </a:r>
-            <a:r>
-              <a:rPr lang="en-GB" sz="1600" b="0" dirty="0">
-                <a:solidFill>
-                  <a:srgbClr val="000000"/>
-                </a:solidFill>
-                <a:effectLst/>
-                <a:latin typeface="Menlo" panose="020B0609030804020204" pitchFamily="49" charset="0"/>
-              </a:rPr>
-              <a:t> y: </a:t>
-            </a:r>
-            <a:r>
-              <a:rPr lang="en-GB" sz="1600" b="0" dirty="0" err="1">
-                <a:solidFill>
-                  <a:srgbClr val="000000"/>
-                </a:solidFill>
-                <a:effectLst/>
-                <a:latin typeface="Menlo" panose="020B0609030804020204" pitchFamily="49" charset="0"/>
-              </a:rPr>
-              <a:t>math.pow</a:t>
-            </a:r>
-            <a:r>
-              <a:rPr lang="en-GB" sz="1600" b="0" dirty="0">
-                <a:solidFill>
-                  <a:srgbClr val="000000"/>
-                </a:solidFill>
-                <a:effectLst/>
-                <a:latin typeface="Menlo" panose="020B0609030804020204" pitchFamily="49" charset="0"/>
-              </a:rPr>
-              <a:t>((</a:t>
-            </a:r>
-            <a:r>
-              <a:rPr lang="en-GB" sz="1600" b="0" dirty="0" err="1">
-                <a:solidFill>
-                  <a:srgbClr val="000000"/>
-                </a:solidFill>
-                <a:effectLst/>
-                <a:latin typeface="Menlo" panose="020B0609030804020204" pitchFamily="49" charset="0"/>
-              </a:rPr>
-              <a:t>y.T@covar_numpy@y</a:t>
-            </a:r>
-            <a:r>
-              <a:rPr lang="en-GB" sz="1600" b="0" dirty="0">
-                <a:solidFill>
-                  <a:srgbClr val="000000"/>
-                </a:solidFill>
-                <a:effectLst/>
-                <a:latin typeface="Menlo" panose="020B0609030804020204" pitchFamily="49" charset="0"/>
-              </a:rPr>
-              <a:t>*</a:t>
-            </a:r>
-            <a:r>
-              <a:rPr lang="en-GB" sz="1600" b="0" dirty="0">
-                <a:solidFill>
-                  <a:srgbClr val="098658"/>
-                </a:solidFill>
-                <a:effectLst/>
-                <a:latin typeface="Menlo" panose="020B0609030804020204" pitchFamily="49" charset="0"/>
-              </a:rPr>
-              <a:t>252</a:t>
-            </a:r>
-            <a:r>
-              <a:rPr lang="en-GB" sz="1600" b="0" dirty="0">
-                <a:solidFill>
-                  <a:srgbClr val="000000"/>
-                </a:solidFill>
-                <a:effectLst/>
-                <a:latin typeface="Menlo" panose="020B0609030804020204" pitchFamily="49" charset="0"/>
-              </a:rPr>
-              <a:t>), </a:t>
-            </a:r>
-            <a:r>
-              <a:rPr lang="en-GB" sz="1600" b="0" dirty="0">
-                <a:solidFill>
-                  <a:srgbClr val="098658"/>
-                </a:solidFill>
-                <a:effectLst/>
-                <a:latin typeface="Menlo" panose="020B0609030804020204" pitchFamily="49" charset="0"/>
-              </a:rPr>
-              <a:t>0.5</a:t>
-            </a:r>
-            <a:r>
-              <a:rPr lang="en-GB" sz="1600" b="0" dirty="0">
-                <a:solidFill>
-                  <a:srgbClr val="000000"/>
-                </a:solidFill>
-                <a:effectLst/>
-                <a:latin typeface="Menlo" panose="020B0609030804020204" pitchFamily="49" charset="0"/>
-              </a:rPr>
-              <a:t>),</a:t>
-            </a:r>
-          </a:p>
-          <a:p>
-            <a:r>
-              <a:rPr lang="en-GB" sz="1600" b="0" dirty="0">
-                <a:solidFill>
-                  <a:srgbClr val="A31515"/>
-                </a:solidFill>
-                <a:effectLst/>
-                <a:latin typeface="Menlo" panose="020B0609030804020204" pitchFamily="49" charset="0"/>
-              </a:rPr>
-              <a:t>		  'x0'</a:t>
-            </a:r>
-            <a:r>
-              <a:rPr lang="en-GB" sz="1600" b="0" dirty="0">
-                <a:solidFill>
-                  <a:srgbClr val="000000"/>
-                </a:solidFill>
-                <a:effectLst/>
-                <a:latin typeface="Menlo" panose="020B0609030804020204" pitchFamily="49" charset="0"/>
-              </a:rPr>
-              <a:t>: </a:t>
-            </a:r>
-            <a:r>
-              <a:rPr lang="en-GB" sz="1600" b="0" dirty="0" err="1">
-                <a:solidFill>
-                  <a:srgbClr val="000000"/>
-                </a:solidFill>
-                <a:effectLst/>
-                <a:latin typeface="Menlo" panose="020B0609030804020204" pitchFamily="49" charset="0"/>
-              </a:rPr>
-              <a:t>initial_guess_rp</a:t>
-            </a:r>
-            <a:r>
-              <a:rPr lang="en-GB" sz="1600" b="0" dirty="0">
-                <a:solidFill>
-                  <a:srgbClr val="000000"/>
-                </a:solidFill>
-                <a:effectLst/>
-                <a:latin typeface="Menlo" panose="020B0609030804020204" pitchFamily="49" charset="0"/>
-              </a:rPr>
-              <a:t>,</a:t>
-            </a:r>
-          </a:p>
-          <a:p>
-            <a:r>
-              <a:rPr lang="en-GB" sz="1600" b="0" dirty="0">
-                <a:solidFill>
-                  <a:srgbClr val="A31515"/>
-                </a:solidFill>
-                <a:effectLst/>
-                <a:latin typeface="Menlo" panose="020B0609030804020204" pitchFamily="49" charset="0"/>
-              </a:rPr>
-              <a:t>	      'bounds'</a:t>
-            </a:r>
-            <a:r>
-              <a:rPr lang="en-GB" sz="1600" b="0" dirty="0">
-                <a:solidFill>
-                  <a:srgbClr val="000000"/>
-                </a:solidFill>
-                <a:effectLst/>
-                <a:latin typeface="Menlo" panose="020B0609030804020204" pitchFamily="49" charset="0"/>
-              </a:rPr>
-              <a:t>: </a:t>
-            </a:r>
-            <a:r>
-              <a:rPr lang="en-GB" sz="1600" b="0" dirty="0" err="1">
-                <a:solidFill>
-                  <a:srgbClr val="000000"/>
-                </a:solidFill>
-                <a:effectLst/>
-                <a:latin typeface="Menlo" panose="020B0609030804020204" pitchFamily="49" charset="0"/>
-              </a:rPr>
-              <a:t>G_bounds_rp</a:t>
-            </a:r>
-            <a:r>
-              <a:rPr lang="en-GB" sz="1600" b="0" dirty="0">
-                <a:solidFill>
-                  <a:srgbClr val="000000"/>
-                </a:solidFill>
-                <a:effectLst/>
-                <a:latin typeface="Menlo" panose="020B0609030804020204" pitchFamily="49" charset="0"/>
-              </a:rPr>
-              <a:t>,</a:t>
-            </a:r>
-          </a:p>
-          <a:p>
-            <a:r>
-              <a:rPr lang="en-GB" sz="1600" b="0" dirty="0">
-                <a:solidFill>
-                  <a:srgbClr val="A31515"/>
-                </a:solidFill>
-                <a:effectLst/>
-                <a:latin typeface="Menlo" panose="020B0609030804020204" pitchFamily="49" charset="0"/>
-              </a:rPr>
-              <a:t>        'constraints'</a:t>
-            </a:r>
-            <a:r>
-              <a:rPr lang="en-GB" sz="1600" b="0" dirty="0">
-                <a:solidFill>
-                  <a:srgbClr val="000000"/>
-                </a:solidFill>
-                <a:effectLst/>
-                <a:latin typeface="Menlo" panose="020B0609030804020204" pitchFamily="49" charset="0"/>
-              </a:rPr>
-              <a:t>: [</a:t>
-            </a:r>
-            <a:r>
-              <a:rPr lang="en-GB" sz="1600" b="0" dirty="0" err="1">
-                <a:solidFill>
-                  <a:srgbClr val="000000"/>
-                </a:solidFill>
-                <a:effectLst/>
-                <a:latin typeface="Menlo" panose="020B0609030804020204" pitchFamily="49" charset="0"/>
-              </a:rPr>
-              <a:t>ln_constraint</a:t>
-            </a:r>
-            <a:r>
-              <a:rPr lang="en-GB" sz="1600" b="0" dirty="0">
-                <a:solidFill>
-                  <a:srgbClr val="000000"/>
-                </a:solidFill>
-                <a:effectLst/>
-                <a:latin typeface="Menlo" panose="020B0609030804020204" pitchFamily="49" charset="0"/>
-              </a:rPr>
-              <a:t>]}</a:t>
-            </a:r>
-          </a:p>
-          <a:p>
-            <a:br>
-              <a:rPr lang="en-GB" sz="1600" b="0" dirty="0">
-                <a:solidFill>
-                  <a:srgbClr val="000000"/>
-                </a:solidFill>
-                <a:effectLst/>
-                <a:latin typeface="Menlo" panose="020B0609030804020204" pitchFamily="49" charset="0"/>
-              </a:rPr>
-            </a:br>
-            <a:r>
-              <a:rPr lang="en-GB" sz="1600" b="0" dirty="0">
-                <a:solidFill>
-                  <a:srgbClr val="0000FF"/>
-                </a:solidFill>
-                <a:effectLst/>
-                <a:latin typeface="Menlo" panose="020B0609030804020204" pitchFamily="49" charset="0"/>
-              </a:rPr>
-              <a:t>try</a:t>
-            </a:r>
-            <a:r>
-              <a:rPr lang="en-GB" sz="1600" b="0" dirty="0">
-                <a:solidFill>
-                  <a:srgbClr val="000000"/>
-                </a:solidFill>
-                <a:effectLst/>
-                <a:latin typeface="Menlo" panose="020B0609030804020204" pitchFamily="49" charset="0"/>
-              </a:rPr>
-              <a:t>:</a:t>
-            </a:r>
-          </a:p>
-          <a:p>
-            <a:r>
-              <a:rPr lang="en-GB" sz="1600" b="0" dirty="0" err="1">
-                <a:solidFill>
-                  <a:srgbClr val="000000"/>
-                </a:solidFill>
-                <a:effectLst/>
-                <a:latin typeface="Menlo" panose="020B0609030804020204" pitchFamily="49" charset="0"/>
-              </a:rPr>
-              <a:t>opt_results_rp</a:t>
-            </a:r>
-            <a:r>
-              <a:rPr lang="en-GB" sz="1600" b="0" dirty="0">
-                <a:solidFill>
-                  <a:srgbClr val="000000"/>
-                </a:solidFill>
-                <a:effectLst/>
-                <a:latin typeface="Menlo" panose="020B0609030804020204" pitchFamily="49" charset="0"/>
-              </a:rPr>
-              <a:t> = minimize(**</a:t>
-            </a:r>
-            <a:r>
-              <a:rPr lang="en-GB" sz="1600" b="0" dirty="0" err="1">
-                <a:solidFill>
-                  <a:srgbClr val="000000"/>
-                </a:solidFill>
-                <a:effectLst/>
-                <a:latin typeface="Menlo" panose="020B0609030804020204" pitchFamily="49" charset="0"/>
-              </a:rPr>
-              <a:t>rp_opt_dict</a:t>
-            </a:r>
-            <a:r>
-              <a:rPr lang="en-GB" sz="1600" b="0" dirty="0">
-                <a:solidFill>
-                  <a:srgbClr val="000000"/>
-                </a:solidFill>
-                <a:effectLst/>
-                <a:latin typeface="Menlo" panose="020B0609030804020204" pitchFamily="49" charset="0"/>
-              </a:rPr>
-              <a:t>, </a:t>
-            </a:r>
-            <a:r>
-              <a:rPr lang="en-GB" sz="1600" b="0" dirty="0" err="1">
-                <a:solidFill>
-                  <a:srgbClr val="000000"/>
-                </a:solidFill>
-                <a:effectLst/>
-                <a:latin typeface="Menlo" panose="020B0609030804020204" pitchFamily="49" charset="0"/>
-              </a:rPr>
-              <a:t>tol</a:t>
-            </a:r>
-            <a:r>
-              <a:rPr lang="en-GB" sz="1600" b="0" dirty="0">
-                <a:solidFill>
-                  <a:srgbClr val="000000"/>
-                </a:solidFill>
-                <a:effectLst/>
-                <a:latin typeface="Menlo" panose="020B0609030804020204" pitchFamily="49" charset="0"/>
-              </a:rPr>
-              <a:t>=</a:t>
-            </a:r>
-            <a:r>
-              <a:rPr lang="en-GB" sz="1600" b="0" dirty="0" err="1">
-                <a:solidFill>
-                  <a:srgbClr val="000000"/>
-                </a:solidFill>
-                <a:effectLst/>
-                <a:latin typeface="Menlo" panose="020B0609030804020204" pitchFamily="49" charset="0"/>
-              </a:rPr>
-              <a:t>math.pow</a:t>
-            </a:r>
-            <a:r>
-              <a:rPr lang="en-GB" sz="1600" b="0" dirty="0">
-                <a:solidFill>
-                  <a:srgbClr val="000000"/>
-                </a:solidFill>
-                <a:effectLst/>
-                <a:latin typeface="Menlo" panose="020B0609030804020204" pitchFamily="49" charset="0"/>
-              </a:rPr>
-              <a:t>(</a:t>
-            </a:r>
-            <a:r>
-              <a:rPr lang="en-GB" sz="1600" b="0" dirty="0">
-                <a:solidFill>
-                  <a:srgbClr val="098658"/>
-                </a:solidFill>
-                <a:effectLst/>
-                <a:latin typeface="Menlo" panose="020B0609030804020204" pitchFamily="49" charset="0"/>
-              </a:rPr>
-              <a:t>10</a:t>
-            </a:r>
-            <a:r>
-              <a:rPr lang="en-GB" sz="1600" b="0" dirty="0">
-                <a:solidFill>
-                  <a:srgbClr val="000000"/>
-                </a:solidFill>
-                <a:effectLst/>
-                <a:latin typeface="Menlo" panose="020B0609030804020204" pitchFamily="49" charset="0"/>
-              </a:rPr>
-              <a:t>, -</a:t>
-            </a:r>
-            <a:r>
-              <a:rPr lang="en-GB" sz="1600" b="0" dirty="0">
-                <a:solidFill>
-                  <a:srgbClr val="098658"/>
-                </a:solidFill>
-                <a:effectLst/>
-                <a:latin typeface="Menlo" panose="020B0609030804020204" pitchFamily="49" charset="0"/>
-              </a:rPr>
-              <a:t>100</a:t>
-            </a:r>
-            <a:r>
-              <a:rPr lang="en-GB" sz="1600" b="0" dirty="0">
-                <a:solidFill>
-                  <a:srgbClr val="000000"/>
-                </a:solidFill>
-                <a:effectLst/>
-                <a:latin typeface="Menlo" panose="020B0609030804020204" pitchFamily="49" charset="0"/>
-              </a:rPr>
-              <a:t>))</a:t>
-            </a:r>
-          </a:p>
-          <a:p>
-            <a:r>
-              <a:rPr lang="en-GB" sz="1600" b="0" dirty="0">
-                <a:solidFill>
-                  <a:srgbClr val="0000FF"/>
-                </a:solidFill>
-                <a:effectLst/>
-                <a:latin typeface="Menlo" panose="020B0609030804020204" pitchFamily="49" charset="0"/>
-              </a:rPr>
-              <a:t>except</a:t>
-            </a:r>
-            <a:r>
-              <a:rPr lang="en-GB" sz="1600" b="0" dirty="0">
-                <a:solidFill>
-                  <a:srgbClr val="000000"/>
-                </a:solidFill>
-                <a:effectLst/>
-                <a:latin typeface="Menlo" panose="020B0609030804020204" pitchFamily="49" charset="0"/>
-              </a:rPr>
-              <a:t> </a:t>
-            </a:r>
-            <a:r>
-              <a:rPr lang="en-GB" sz="1600" b="0" dirty="0" err="1">
-                <a:solidFill>
-                  <a:srgbClr val="000000"/>
-                </a:solidFill>
-                <a:effectLst/>
-                <a:latin typeface="Menlo" panose="020B0609030804020204" pitchFamily="49" charset="0"/>
-              </a:rPr>
-              <a:t>ValueError</a:t>
-            </a:r>
-            <a:r>
-              <a:rPr lang="en-GB" sz="1600" b="0" dirty="0">
-                <a:solidFill>
-                  <a:srgbClr val="000000"/>
-                </a:solidFill>
-                <a:effectLst/>
-                <a:latin typeface="Menlo" panose="020B0609030804020204" pitchFamily="49" charset="0"/>
-              </a:rPr>
-              <a:t> </a:t>
-            </a:r>
-            <a:r>
-              <a:rPr lang="en-GB" sz="1600" b="0" dirty="0">
-                <a:solidFill>
-                  <a:srgbClr val="0000FF"/>
-                </a:solidFill>
-                <a:effectLst/>
-                <a:latin typeface="Menlo" panose="020B0609030804020204" pitchFamily="49" charset="0"/>
-              </a:rPr>
-              <a:t>as</a:t>
-            </a:r>
-            <a:r>
-              <a:rPr lang="en-GB" sz="1600" b="0" dirty="0">
-                <a:solidFill>
-                  <a:srgbClr val="000000"/>
-                </a:solidFill>
-                <a:effectLst/>
-                <a:latin typeface="Menlo" panose="020B0609030804020204" pitchFamily="49" charset="0"/>
-              </a:rPr>
-              <a:t> e:</a:t>
-            </a:r>
-          </a:p>
-          <a:p>
-            <a:r>
-              <a:rPr lang="en-GB" sz="1600" b="0" dirty="0">
-                <a:solidFill>
-                  <a:srgbClr val="0000FF"/>
-                </a:solidFill>
-                <a:effectLst/>
-                <a:latin typeface="Menlo" panose="020B0609030804020204" pitchFamily="49" charset="0"/>
-              </a:rPr>
-              <a:t>	continue</a:t>
-            </a:r>
-            <a:endParaRPr lang="en-GB" sz="1600" b="0" dirty="0">
-              <a:solidFill>
-                <a:srgbClr val="000000"/>
-              </a:solidFill>
-              <a:effectLst/>
-              <a:latin typeface="Menlo" panose="020B0609030804020204" pitchFamily="49" charset="0"/>
-            </a:endParaRPr>
-          </a:p>
-        </p:txBody>
-      </p:sp>
-    </p:spTree>
-    <p:extLst>
-      <p:ext uri="{BB962C8B-B14F-4D97-AF65-F5344CB8AC3E}">
-        <p14:creationId xmlns:p14="http://schemas.microsoft.com/office/powerpoint/2010/main" val="384433601"/>
       </p:ext>
     </p:extLst>
   </p:cSld>
@@ -4733,15 +3495,88 @@
             <p:ph idx="1"/>
           </p:nvPr>
         </p:nvSpPr>
-        <p:spPr/>
+        <p:spPr>
+          <a:xfrm>
+            <a:off x="399495" y="1825625"/>
+            <a:ext cx="10954305" cy="4351338"/>
+          </a:xfrm>
+        </p:spPr>
         <p:txBody>
           <a:bodyPr/>
           <a:lstStyle/>
           <a:p>
+            <a:r>
+              <a:rPr lang="en-US" dirty="0"/>
+              <a:t>Daily ticker data</a:t>
+            </a:r>
+          </a:p>
+          <a:p>
+            <a:pPr marL="0" indent="0">
+              <a:buNone/>
+            </a:pPr>
             <a:endParaRPr lang="en-US" dirty="0"/>
+          </a:p>
+          <a:p>
+            <a:r>
+              <a:rPr lang="en-US" dirty="0"/>
+              <a:t>Period:</a:t>
+            </a:r>
+          </a:p>
+          <a:p>
+            <a:pPr lvl="1"/>
+            <a:r>
+              <a:rPr lang="en-US" dirty="0"/>
+              <a:t>Start date: 01/01/2015</a:t>
+            </a:r>
+          </a:p>
+          <a:p>
+            <a:pPr lvl="1"/>
+            <a:r>
+              <a:rPr lang="en-US" dirty="0"/>
+              <a:t>End date: 30/10/2019</a:t>
+            </a:r>
+          </a:p>
+          <a:p>
+            <a:pPr marL="0" indent="0">
+              <a:buNone/>
+            </a:pPr>
+            <a:r>
+              <a:rPr lang="en-US" dirty="0"/>
+              <a:t> </a:t>
+            </a:r>
           </a:p>
         </p:txBody>
       </p:sp>
+      <p:pic>
+        <p:nvPicPr>
+          <p:cNvPr id="5" name="Imagem 4" descr="Gráfico, Gráfico de barras, Histograma&#10;&#10;Descrição gerada automaticamente">
+            <a:extLst>
+              <a:ext uri="{FF2B5EF4-FFF2-40B4-BE49-F238E27FC236}">
+                <a16:creationId xmlns:a16="http://schemas.microsoft.com/office/drawing/2014/main" id="{DC9C831E-C898-43DF-9981-322B634670E4}"/>
+              </a:ext>
+            </a:extLst>
+          </p:cNvPr>
+          <p:cNvPicPr>
+            <a:picLocks noChangeAspect="1"/>
+          </p:cNvPicPr>
+          <p:nvPr/>
+        </p:nvPicPr>
+        <p:blipFill>
+          <a:blip r:embed="rId2"/>
+          <a:stretch>
+            <a:fillRect/>
+          </a:stretch>
+        </p:blipFill>
+        <p:spPr>
+          <a:xfrm>
+            <a:off x="4526881" y="365125"/>
+            <a:ext cx="7489471" cy="6127750"/>
+          </a:xfrm>
+          <a:prstGeom prst="rect">
+            <a:avLst/>
+          </a:prstGeom>
+        </p:spPr>
+      </p:pic>
     </p:spTree>
     <p:extLst>
       <p:ext uri="{BB962C8B-B14F-4D97-AF65-F5344CB8AC3E}">
@@ -4756,6 +3591,1736 @@
 </file>
 
 <file path=ppt/slides/slide3.xml><?xml version="1.0" encoding="utf-8"?>
+<p:sld xmlns:a="http://schemas.openxmlformats.org/drawingml/2006/main" xmlns:r="http://schemas.openxmlformats.org/officeDocument/2006/relationships" xmlns:p="http://schemas.openxmlformats.org/presentationml/2006/main">
+  <p:cSld>
+    <p:spTree>
+      <p:nvGrpSpPr>
+        <p:cNvPr id="1" name=""/>
+        <p:cNvGrpSpPr/>
+        <p:nvPr/>
+      </p:nvGrpSpPr>
+      <p:grpSpPr>
+        <a:xfrm>
+          <a:off x="0" y="0"/>
+          <a:ext cx="0" cy="0"/>
+          <a:chOff x="0" y="0"/>
+          <a:chExt cx="0" cy="0"/>
+        </a:xfrm>
+      </p:grpSpPr>
+      <p:sp>
+        <p:nvSpPr>
+          <p:cNvPr id="2" name="Title 1">
+            <a:extLst>
+              <a:ext uri="{FF2B5EF4-FFF2-40B4-BE49-F238E27FC236}">
+                <a16:creationId xmlns:a16="http://schemas.microsoft.com/office/drawing/2014/main" id="{084D8F4C-B754-E745-AAC8-57E8CD7B97DB}"/>
+              </a:ext>
+            </a:extLst>
+          </p:cNvPr>
+          <p:cNvSpPr>
+            <a:spLocks noGrp="1"/>
+          </p:cNvSpPr>
+          <p:nvPr>
+            <p:ph type="title"/>
+          </p:nvPr>
+        </p:nvSpPr>
+        <p:spPr>
+          <a:xfrm>
+            <a:off x="4008664" y="89622"/>
+            <a:ext cx="4174671" cy="762635"/>
+          </a:xfrm>
+        </p:spPr>
+        <p:txBody>
+          <a:bodyPr/>
+          <a:lstStyle/>
+          <a:p>
+            <a:r>
+              <a:rPr lang="en-US" dirty="0"/>
+              <a:t>Risk-Contribution</a:t>
+            </a:r>
+          </a:p>
+        </p:txBody>
+      </p:sp>
+      <mc:AlternateContent xmlns:mc="http://schemas.openxmlformats.org/markup-compatibility/2006">
+        <mc:Choice xmlns:a14="http://schemas.microsoft.com/office/drawing/2010/main" Requires="a14">
+          <p:sp>
+            <p:nvSpPr>
+              <p:cNvPr id="3" name="Content Placeholder 2">
+                <a:extLst>
+                  <a:ext uri="{FF2B5EF4-FFF2-40B4-BE49-F238E27FC236}">
+                    <a16:creationId xmlns:a16="http://schemas.microsoft.com/office/drawing/2014/main" id="{3A83088E-021A-1C4A-96E7-D1EF2960BD96}"/>
+                  </a:ext>
+                </a:extLst>
+              </p:cNvPr>
+              <p:cNvSpPr>
+                <a:spLocks noGrp="1"/>
+              </p:cNvSpPr>
+              <p:nvPr>
+                <p:ph idx="1"/>
+              </p:nvPr>
+            </p:nvSpPr>
+            <p:spPr>
+              <a:xfrm>
+                <a:off x="381739" y="843379"/>
+                <a:ext cx="11327907" cy="5655075"/>
+              </a:xfrm>
+            </p:spPr>
+            <p:txBody>
+              <a:bodyPr>
+                <a:normAutofit/>
+              </a:bodyPr>
+              <a:lstStyle/>
+              <a:p>
+                <a:pPr marL="0" indent="0">
+                  <a:buNone/>
+                </a:pPr>
+                <a:r>
+                  <a:rPr lang="en-US" sz="2400" dirty="0"/>
+                  <a:t>Let </a:t>
+                </a:r>
+                <a14:m>
+                  <m:oMath xmlns:m="http://schemas.openxmlformats.org/officeDocument/2006/math">
+                    <m:r>
+                      <a:rPr lang="pt-BR" sz="2400" i="1">
+                        <a:latin typeface="Cambria Math" panose="02040503050406030204" pitchFamily="18" charset="0"/>
+                      </a:rPr>
+                      <m:t>𝑅</m:t>
+                    </m:r>
+                    <m:r>
+                      <a:rPr lang="pt-BR" sz="2400" b="0" i="1" smtClean="0">
+                        <a:latin typeface="Cambria Math" panose="02040503050406030204" pitchFamily="18" charset="0"/>
+                      </a:rPr>
+                      <m:t>(</m:t>
+                    </m:r>
+                    <m:r>
+                      <a:rPr lang="pt-BR" sz="2400" b="0" i="1" smtClean="0">
+                        <a:latin typeface="Cambria Math" panose="02040503050406030204" pitchFamily="18" charset="0"/>
+                      </a:rPr>
+                      <m:t>𝑥</m:t>
+                    </m:r>
+                    <m:r>
+                      <a:rPr lang="pt-BR" sz="2400" b="0" i="1" smtClean="0">
+                        <a:latin typeface="Cambria Math" panose="02040503050406030204" pitchFamily="18" charset="0"/>
+                      </a:rPr>
+                      <m:t>) </m:t>
+                    </m:r>
+                  </m:oMath>
+                </a14:m>
+                <a:r>
+                  <a:rPr lang="en-US" sz="2400" dirty="0"/>
+                  <a:t>be a coherent and convex risk measure for a portfolio</a:t>
+                </a:r>
+                <a:r>
+                  <a:rPr lang="pt-BR" sz="2400" dirty="0"/>
+                  <a:t> </a:t>
+                </a:r>
+                <a14:m>
+                  <m:oMath xmlns:m="http://schemas.openxmlformats.org/officeDocument/2006/math">
+                    <m:sSub>
+                      <m:sSubPr>
+                        <m:ctrlPr>
+                          <a:rPr lang="pt-BR" sz="2400" i="1">
+                            <a:latin typeface="Cambria Math" panose="02040503050406030204" pitchFamily="18" charset="0"/>
+                          </a:rPr>
+                        </m:ctrlPr>
+                      </m:sSubPr>
+                      <m:e>
+                        <m:r>
+                          <a:rPr lang="pt-BR" sz="2400" b="0" i="1" smtClean="0">
+                            <a:latin typeface="Cambria Math" panose="02040503050406030204" pitchFamily="18" charset="0"/>
+                          </a:rPr>
+                          <m:t>𝑥</m:t>
+                        </m:r>
+                        <m:r>
+                          <a:rPr lang="pt-BR" sz="2400" b="0" i="1" smtClean="0">
+                            <a:latin typeface="Cambria Math" panose="02040503050406030204" pitchFamily="18" charset="0"/>
+                          </a:rPr>
+                          <m:t>=(</m:t>
+                        </m:r>
+                        <m:r>
+                          <a:rPr lang="pt-BR" sz="2400" i="1">
+                            <a:latin typeface="Cambria Math" panose="02040503050406030204" pitchFamily="18" charset="0"/>
+                          </a:rPr>
+                          <m:t>𝑥</m:t>
+                        </m:r>
+                      </m:e>
+                      <m:sub>
+                        <m:r>
+                          <a:rPr lang="pt-BR" sz="2400" i="1">
+                            <a:latin typeface="Cambria Math" panose="02040503050406030204" pitchFamily="18" charset="0"/>
+                          </a:rPr>
+                          <m:t>1</m:t>
+                        </m:r>
+                      </m:sub>
+                    </m:sSub>
+                    <m:r>
+                      <a:rPr lang="pt-BR" sz="2400" i="1">
+                        <a:latin typeface="Cambria Math" panose="02040503050406030204" pitchFamily="18" charset="0"/>
+                      </a:rPr>
+                      <m:t>, …,</m:t>
+                    </m:r>
+                    <m:sSub>
+                      <m:sSubPr>
+                        <m:ctrlPr>
+                          <a:rPr lang="pt-BR" sz="2400" i="1">
+                            <a:latin typeface="Cambria Math" panose="02040503050406030204" pitchFamily="18" charset="0"/>
+                          </a:rPr>
+                        </m:ctrlPr>
+                      </m:sSubPr>
+                      <m:e>
+                        <m:r>
+                          <a:rPr lang="pt-BR" sz="2400" i="1">
+                            <a:latin typeface="Cambria Math" panose="02040503050406030204" pitchFamily="18" charset="0"/>
+                          </a:rPr>
+                          <m:t>𝑥</m:t>
+                        </m:r>
+                      </m:e>
+                      <m:sub>
+                        <m:r>
+                          <a:rPr lang="pt-BR" sz="2400" i="1">
+                            <a:latin typeface="Cambria Math" panose="02040503050406030204" pitchFamily="18" charset="0"/>
+                          </a:rPr>
+                          <m:t>𝑛</m:t>
+                        </m:r>
+                      </m:sub>
+                    </m:sSub>
+                    <m:r>
+                      <a:rPr lang="pt-BR" sz="2400" b="0" i="1" smtClean="0">
+                        <a:latin typeface="Cambria Math" panose="02040503050406030204" pitchFamily="18" charset="0"/>
+                      </a:rPr>
+                      <m:t>)</m:t>
+                    </m:r>
+                  </m:oMath>
+                </a14:m>
+                <a:r>
+                  <a:rPr lang="en-US" sz="2400" dirty="0"/>
+                  <a:t> that verifies the following Euler decomposition (</a:t>
+                </a:r>
+                <a:r>
+                  <a:rPr lang="pt-BR" sz="2400" dirty="0" err="1"/>
+                  <a:t>Artzner</a:t>
+                </a:r>
+                <a:r>
+                  <a:rPr lang="pt-BR" sz="2400" dirty="0"/>
+                  <a:t> et al., 1999</a:t>
+                </a:r>
+                <a:r>
+                  <a:rPr lang="en-US" sz="2400" dirty="0"/>
+                  <a:t>):</a:t>
+                </a:r>
+              </a:p>
+              <a:p>
+                <a:pPr marL="0" indent="0">
+                  <a:buNone/>
+                </a:pPr>
+                <a:endParaRPr lang="pt-BR" b="0" i="1" dirty="0">
+                  <a:latin typeface="Cambria Math" panose="02040503050406030204" pitchFamily="18" charset="0"/>
+                </a:endParaRPr>
+              </a:p>
+              <a:p>
+                <a:pPr marL="0" indent="0" algn="ctr">
+                  <a:buNone/>
+                </a:pPr>
+                <a14:m>
+                  <m:oMathPara xmlns:m="http://schemas.openxmlformats.org/officeDocument/2006/math">
+                    <m:oMathParaPr>
+                      <m:jc m:val="center"/>
+                    </m:oMathParaPr>
+                    <m:oMath xmlns:m="http://schemas.openxmlformats.org/officeDocument/2006/math">
+                      <m:r>
+                        <a:rPr lang="pt-BR" sz="2000" i="1">
+                          <a:latin typeface="Cambria Math" panose="02040503050406030204" pitchFamily="18" charset="0"/>
+                        </a:rPr>
+                        <m:t>𝑅</m:t>
+                      </m:r>
+                      <m:d>
+                        <m:dPr>
+                          <m:ctrlPr>
+                            <a:rPr lang="pt-BR" sz="2000" i="1">
+                              <a:latin typeface="Cambria Math" panose="02040503050406030204" pitchFamily="18" charset="0"/>
+                            </a:rPr>
+                          </m:ctrlPr>
+                        </m:dPr>
+                        <m:e>
+                          <m:sSub>
+                            <m:sSubPr>
+                              <m:ctrlPr>
+                                <a:rPr lang="pt-BR" sz="2000" i="1">
+                                  <a:latin typeface="Cambria Math" panose="02040503050406030204" pitchFamily="18" charset="0"/>
+                                </a:rPr>
+                              </m:ctrlPr>
+                            </m:sSubPr>
+                            <m:e>
+                              <m:r>
+                                <a:rPr lang="pt-BR" sz="2000" i="1">
+                                  <a:latin typeface="Cambria Math" panose="02040503050406030204" pitchFamily="18" charset="0"/>
+                                </a:rPr>
+                                <m:t>𝑥</m:t>
+                              </m:r>
+                            </m:e>
+                            <m:sub>
+                              <m:r>
+                                <a:rPr lang="pt-BR" sz="2000" b="0" i="1" smtClean="0">
+                                  <a:latin typeface="Cambria Math" panose="02040503050406030204" pitchFamily="18" charset="0"/>
+                                </a:rPr>
+                                <m:t>1</m:t>
+                              </m:r>
+                            </m:sub>
+                          </m:sSub>
+                          <m:r>
+                            <a:rPr lang="pt-BR" sz="2000" i="1">
+                              <a:latin typeface="Cambria Math" panose="02040503050406030204" pitchFamily="18" charset="0"/>
+                            </a:rPr>
+                            <m:t>, …,</m:t>
+                          </m:r>
+                          <m:sSub>
+                            <m:sSubPr>
+                              <m:ctrlPr>
+                                <a:rPr lang="pt-BR" sz="2000" i="1">
+                                  <a:latin typeface="Cambria Math" panose="02040503050406030204" pitchFamily="18" charset="0"/>
+                                </a:rPr>
+                              </m:ctrlPr>
+                            </m:sSubPr>
+                            <m:e>
+                              <m:r>
+                                <a:rPr lang="pt-BR" sz="2000" i="1">
+                                  <a:latin typeface="Cambria Math" panose="02040503050406030204" pitchFamily="18" charset="0"/>
+                                </a:rPr>
+                                <m:t>𝑥</m:t>
+                              </m:r>
+                            </m:e>
+                            <m:sub>
+                              <m:r>
+                                <a:rPr lang="pt-BR" sz="2000" i="1">
+                                  <a:latin typeface="Cambria Math" panose="02040503050406030204" pitchFamily="18" charset="0"/>
+                                </a:rPr>
+                                <m:t>𝑛</m:t>
+                              </m:r>
+                            </m:sub>
+                          </m:sSub>
+                        </m:e>
+                      </m:d>
+                      <m:r>
+                        <a:rPr lang="pt-BR" sz="2000" i="1">
+                          <a:latin typeface="Cambria Math" panose="02040503050406030204" pitchFamily="18" charset="0"/>
+                        </a:rPr>
+                        <m:t>=</m:t>
+                      </m:r>
+                      <m:nary>
+                        <m:naryPr>
+                          <m:chr m:val="∑"/>
+                          <m:ctrlPr>
+                            <a:rPr lang="pt-BR" sz="2000" i="1">
+                              <a:latin typeface="Cambria Math" panose="02040503050406030204" pitchFamily="18" charset="0"/>
+                            </a:rPr>
+                          </m:ctrlPr>
+                        </m:naryPr>
+                        <m:sub>
+                          <m:r>
+                            <m:rPr>
+                              <m:brk m:alnAt="23"/>
+                            </m:rPr>
+                            <a:rPr lang="pt-BR" sz="2000" i="1">
+                              <a:latin typeface="Cambria Math" panose="02040503050406030204" pitchFamily="18" charset="0"/>
+                            </a:rPr>
+                            <m:t>𝑖</m:t>
+                          </m:r>
+                          <m:r>
+                            <a:rPr lang="pt-BR" sz="2000" i="1">
+                              <a:latin typeface="Cambria Math" panose="02040503050406030204" pitchFamily="18" charset="0"/>
+                            </a:rPr>
+                            <m:t>=1</m:t>
+                          </m:r>
+                        </m:sub>
+                        <m:sup>
+                          <m:r>
+                            <a:rPr lang="pt-BR" sz="2000" i="1">
+                              <a:latin typeface="Cambria Math" panose="02040503050406030204" pitchFamily="18" charset="0"/>
+                            </a:rPr>
+                            <m:t>𝑛</m:t>
+                          </m:r>
+                        </m:sup>
+                        <m:e>
+                          <m:sSub>
+                            <m:sSubPr>
+                              <m:ctrlPr>
+                                <a:rPr lang="pt-BR" sz="2000" i="1">
+                                  <a:latin typeface="Cambria Math" panose="02040503050406030204" pitchFamily="18" charset="0"/>
+                                </a:rPr>
+                              </m:ctrlPr>
+                            </m:sSubPr>
+                            <m:e>
+                              <m:r>
+                                <a:rPr lang="pt-BR" sz="2000" i="1">
+                                  <a:latin typeface="Cambria Math" panose="02040503050406030204" pitchFamily="18" charset="0"/>
+                                </a:rPr>
+                                <m:t>𝑥</m:t>
+                              </m:r>
+                            </m:e>
+                            <m:sub>
+                              <m:r>
+                                <a:rPr lang="pt-BR" sz="2000" i="1">
+                                  <a:latin typeface="Cambria Math" panose="02040503050406030204" pitchFamily="18" charset="0"/>
+                                </a:rPr>
+                                <m:t>𝑖</m:t>
+                              </m:r>
+                            </m:sub>
+                          </m:sSub>
+                        </m:e>
+                      </m:nary>
+                      <m:r>
+                        <a:rPr lang="pt-BR" sz="2000" i="1">
+                          <a:latin typeface="Cambria Math" panose="02040503050406030204" pitchFamily="18" charset="0"/>
+                          <a:ea typeface="Cambria Math" panose="02040503050406030204" pitchFamily="18" charset="0"/>
+                        </a:rPr>
+                        <m:t>∙</m:t>
+                      </m:r>
+                      <m:f>
+                        <m:fPr>
+                          <m:ctrlPr>
+                            <a:rPr lang="pt-BR" sz="2000" i="1">
+                              <a:latin typeface="Cambria Math" panose="02040503050406030204" pitchFamily="18" charset="0"/>
+                              <a:ea typeface="Cambria Math" panose="02040503050406030204" pitchFamily="18" charset="0"/>
+                            </a:rPr>
+                          </m:ctrlPr>
+                        </m:fPr>
+                        <m:num>
+                          <m:r>
+                            <a:rPr lang="pt-BR" sz="2000" i="1">
+                              <a:latin typeface="Cambria Math" panose="02040503050406030204" pitchFamily="18" charset="0"/>
+                              <a:ea typeface="Cambria Math" panose="02040503050406030204" pitchFamily="18" charset="0"/>
+                            </a:rPr>
+                            <m:t>𝛿</m:t>
+                          </m:r>
+                          <m:r>
+                            <a:rPr lang="pt-BR" sz="2000" i="1">
+                              <a:latin typeface="Cambria Math" panose="02040503050406030204" pitchFamily="18" charset="0"/>
+                              <a:ea typeface="Cambria Math" panose="02040503050406030204" pitchFamily="18" charset="0"/>
+                            </a:rPr>
+                            <m:t>𝑅</m:t>
+                          </m:r>
+                          <m:r>
+                            <a:rPr lang="pt-BR" sz="2000" i="1">
+                              <a:latin typeface="Cambria Math" panose="02040503050406030204" pitchFamily="18" charset="0"/>
+                              <a:ea typeface="Cambria Math" panose="02040503050406030204" pitchFamily="18" charset="0"/>
+                            </a:rPr>
+                            <m:t>(</m:t>
+                          </m:r>
+                          <m:sSub>
+                            <m:sSubPr>
+                              <m:ctrlPr>
+                                <a:rPr lang="pt-BR" sz="2000" i="1">
+                                  <a:latin typeface="Cambria Math" panose="02040503050406030204" pitchFamily="18" charset="0"/>
+                                </a:rPr>
+                              </m:ctrlPr>
+                            </m:sSubPr>
+                            <m:e>
+                              <m:r>
+                                <a:rPr lang="pt-BR" sz="2000" i="1">
+                                  <a:latin typeface="Cambria Math" panose="02040503050406030204" pitchFamily="18" charset="0"/>
+                                </a:rPr>
+                                <m:t>𝑥</m:t>
+                              </m:r>
+                            </m:e>
+                            <m:sub>
+                              <m:r>
+                                <a:rPr lang="pt-BR" sz="2000" i="1">
+                                  <a:latin typeface="Cambria Math" panose="02040503050406030204" pitchFamily="18" charset="0"/>
+                                </a:rPr>
+                                <m:t>𝑖</m:t>
+                              </m:r>
+                            </m:sub>
+                          </m:sSub>
+                          <m:r>
+                            <a:rPr lang="pt-BR" sz="2000" i="1">
+                              <a:latin typeface="Cambria Math" panose="02040503050406030204" pitchFamily="18" charset="0"/>
+                            </a:rPr>
+                            <m:t>, …,</m:t>
+                          </m:r>
+                          <m:sSub>
+                            <m:sSubPr>
+                              <m:ctrlPr>
+                                <a:rPr lang="pt-BR" sz="2000" i="1">
+                                  <a:latin typeface="Cambria Math" panose="02040503050406030204" pitchFamily="18" charset="0"/>
+                                </a:rPr>
+                              </m:ctrlPr>
+                            </m:sSubPr>
+                            <m:e>
+                              <m:r>
+                                <a:rPr lang="pt-BR" sz="2000" i="1">
+                                  <a:latin typeface="Cambria Math" panose="02040503050406030204" pitchFamily="18" charset="0"/>
+                                </a:rPr>
+                                <m:t>𝑥</m:t>
+                              </m:r>
+                            </m:e>
+                            <m:sub>
+                              <m:r>
+                                <a:rPr lang="pt-BR" sz="2000" i="1">
+                                  <a:latin typeface="Cambria Math" panose="02040503050406030204" pitchFamily="18" charset="0"/>
+                                </a:rPr>
+                                <m:t>𝑛</m:t>
+                              </m:r>
+                            </m:sub>
+                          </m:sSub>
+                          <m:r>
+                            <a:rPr lang="pt-BR" sz="2000" i="1">
+                              <a:latin typeface="Cambria Math" panose="02040503050406030204" pitchFamily="18" charset="0"/>
+                            </a:rPr>
+                            <m:t>)</m:t>
+                          </m:r>
+                        </m:num>
+                        <m:den>
+                          <m:r>
+                            <a:rPr lang="pt-BR" sz="2000" i="1">
+                              <a:latin typeface="Cambria Math" panose="02040503050406030204" pitchFamily="18" charset="0"/>
+                              <a:ea typeface="Cambria Math" panose="02040503050406030204" pitchFamily="18" charset="0"/>
+                            </a:rPr>
+                            <m:t>𝛿</m:t>
+                          </m:r>
+                          <m:sSub>
+                            <m:sSubPr>
+                              <m:ctrlPr>
+                                <a:rPr lang="pt-BR" sz="2000" i="1">
+                                  <a:latin typeface="Cambria Math" panose="02040503050406030204" pitchFamily="18" charset="0"/>
+                                </a:rPr>
+                              </m:ctrlPr>
+                            </m:sSubPr>
+                            <m:e>
+                              <m:r>
+                                <a:rPr lang="pt-BR" sz="2000" i="1">
+                                  <a:latin typeface="Cambria Math" panose="02040503050406030204" pitchFamily="18" charset="0"/>
+                                </a:rPr>
+                                <m:t>𝑥</m:t>
+                              </m:r>
+                            </m:e>
+                            <m:sub>
+                              <m:r>
+                                <a:rPr lang="pt-BR" sz="2000" i="1">
+                                  <a:latin typeface="Cambria Math" panose="02040503050406030204" pitchFamily="18" charset="0"/>
+                                </a:rPr>
+                                <m:t>𝑖</m:t>
+                              </m:r>
+                            </m:sub>
+                          </m:sSub>
+                        </m:den>
+                      </m:f>
+                    </m:oMath>
+                  </m:oMathPara>
+                </a14:m>
+                <a:endParaRPr lang="en-US" sz="2000" dirty="0"/>
+              </a:p>
+              <a:p>
+                <a:pPr marL="0" indent="0" algn="ctr">
+                  <a:buNone/>
+                </a:pPr>
+                <a:endParaRPr lang="en-US" sz="2000" dirty="0"/>
+              </a:p>
+              <a:p>
+                <a:pPr marL="0" indent="0" algn="ctr">
+                  <a:buNone/>
+                </a:pPr>
+                <a14:m>
+                  <m:oMathPara xmlns:m="http://schemas.openxmlformats.org/officeDocument/2006/math">
+                    <m:oMathParaPr>
+                      <m:jc m:val="center"/>
+                    </m:oMathParaPr>
+                    <m:oMath xmlns:m="http://schemas.openxmlformats.org/officeDocument/2006/math">
+                      <m:r>
+                        <a:rPr lang="pt-BR" sz="2000" i="1">
+                          <a:latin typeface="Cambria Math" panose="02040503050406030204" pitchFamily="18" charset="0"/>
+                        </a:rPr>
+                        <m:t>𝑅</m:t>
+                      </m:r>
+                      <m:d>
+                        <m:dPr>
+                          <m:ctrlPr>
+                            <a:rPr lang="pt-BR" sz="2000" b="0" i="1" smtClean="0">
+                              <a:latin typeface="Cambria Math" panose="02040503050406030204" pitchFamily="18" charset="0"/>
+                            </a:rPr>
+                          </m:ctrlPr>
+                        </m:dPr>
+                        <m:e>
+                          <m:r>
+                            <a:rPr lang="pt-BR" sz="2000" b="0" i="1" smtClean="0">
+                              <a:latin typeface="Cambria Math" panose="02040503050406030204" pitchFamily="18" charset="0"/>
+                            </a:rPr>
+                            <m:t>𝑥</m:t>
+                          </m:r>
+                        </m:e>
+                      </m:d>
+                      <m:r>
+                        <a:rPr lang="pt-BR" sz="2000" b="0" i="1" smtClean="0">
+                          <a:latin typeface="Cambria Math" panose="02040503050406030204" pitchFamily="18" charset="0"/>
+                        </a:rPr>
+                        <m:t>= </m:t>
+                      </m:r>
+                      <m:r>
+                        <a:rPr lang="pt-BR" sz="2000" b="0" i="1" smtClean="0">
+                          <a:latin typeface="Cambria Math" panose="02040503050406030204" pitchFamily="18" charset="0"/>
+                          <a:ea typeface="Cambria Math" panose="02040503050406030204" pitchFamily="18" charset="0"/>
+                        </a:rPr>
+                        <m:t>𝜎</m:t>
+                      </m:r>
+                      <m:d>
+                        <m:dPr>
+                          <m:ctrlPr>
+                            <a:rPr lang="pt-BR" sz="2000" b="0" i="1" smtClean="0">
+                              <a:latin typeface="Cambria Math" panose="02040503050406030204" pitchFamily="18" charset="0"/>
+                              <a:ea typeface="Cambria Math" panose="02040503050406030204" pitchFamily="18" charset="0"/>
+                            </a:rPr>
+                          </m:ctrlPr>
+                        </m:dPr>
+                        <m:e>
+                          <m:r>
+                            <a:rPr lang="pt-BR" sz="2000" b="0" i="1" smtClean="0">
+                              <a:latin typeface="Cambria Math" panose="02040503050406030204" pitchFamily="18" charset="0"/>
+                              <a:ea typeface="Cambria Math" panose="02040503050406030204" pitchFamily="18" charset="0"/>
+                            </a:rPr>
+                            <m:t>𝑥</m:t>
+                          </m:r>
+                        </m:e>
+                      </m:d>
+                      <m:r>
+                        <a:rPr lang="pt-BR" sz="2000" b="0" i="1" smtClean="0">
+                          <a:latin typeface="Cambria Math" panose="02040503050406030204" pitchFamily="18" charset="0"/>
+                          <a:ea typeface="Cambria Math" panose="02040503050406030204" pitchFamily="18" charset="0"/>
+                        </a:rPr>
+                        <m:t>=</m:t>
+                      </m:r>
+                      <m:rad>
+                        <m:radPr>
+                          <m:degHide m:val="on"/>
+                          <m:ctrlPr>
+                            <a:rPr lang="pt-BR" sz="2000" b="0" i="1" smtClean="0">
+                              <a:latin typeface="Cambria Math" panose="02040503050406030204" pitchFamily="18" charset="0"/>
+                              <a:ea typeface="Cambria Math" panose="02040503050406030204" pitchFamily="18" charset="0"/>
+                            </a:rPr>
+                          </m:ctrlPr>
+                        </m:radPr>
+                        <m:deg/>
+                        <m:e>
+                          <m:sSup>
+                            <m:sSupPr>
+                              <m:ctrlPr>
+                                <a:rPr lang="pt-BR" sz="2000" b="0" i="1" smtClean="0">
+                                  <a:latin typeface="Cambria Math" panose="02040503050406030204" pitchFamily="18" charset="0"/>
+                                  <a:ea typeface="Cambria Math" panose="02040503050406030204" pitchFamily="18" charset="0"/>
+                                </a:rPr>
+                              </m:ctrlPr>
+                            </m:sSupPr>
+                            <m:e>
+                              <m:r>
+                                <a:rPr lang="pt-BR" sz="2000" b="0" i="1" smtClean="0">
+                                  <a:latin typeface="Cambria Math" panose="02040503050406030204" pitchFamily="18" charset="0"/>
+                                  <a:ea typeface="Cambria Math" panose="02040503050406030204" pitchFamily="18" charset="0"/>
+                                </a:rPr>
+                                <m:t>𝑥</m:t>
+                              </m:r>
+                            </m:e>
+                            <m:sup>
+                              <m:r>
+                                <a:rPr lang="pt-BR" sz="2000" b="0" i="1" smtClean="0">
+                                  <a:latin typeface="Cambria Math" panose="02040503050406030204" pitchFamily="18" charset="0"/>
+                                  <a:ea typeface="Cambria Math" panose="02040503050406030204" pitchFamily="18" charset="0"/>
+                                </a:rPr>
+                                <m:t>𝑇</m:t>
+                              </m:r>
+                            </m:sup>
+                          </m:sSup>
+                          <m:r>
+                            <m:rPr>
+                              <m:sty m:val="p"/>
+                            </m:rPr>
+                            <a:rPr lang="el-GR" sz="2000" b="0" i="1" smtClean="0">
+                              <a:latin typeface="Cambria Math" panose="02040503050406030204" pitchFamily="18" charset="0"/>
+                              <a:ea typeface="Cambria Math" panose="02040503050406030204" pitchFamily="18" charset="0"/>
+                            </a:rPr>
+                            <m:t>Σ</m:t>
+                          </m:r>
+                          <m:r>
+                            <a:rPr lang="pt-BR" sz="2000" b="0" i="1" smtClean="0">
+                              <a:latin typeface="Cambria Math" panose="02040503050406030204" pitchFamily="18" charset="0"/>
+                              <a:ea typeface="Cambria Math" panose="02040503050406030204" pitchFamily="18" charset="0"/>
+                            </a:rPr>
+                            <m:t>𝑥</m:t>
+                          </m:r>
+                        </m:e>
+                      </m:rad>
+                      <m:r>
+                        <a:rPr lang="pt-BR" sz="2000" b="0" i="1" smtClean="0">
+                          <a:latin typeface="Cambria Math" panose="02040503050406030204" pitchFamily="18" charset="0"/>
+                          <a:ea typeface="Cambria Math" panose="02040503050406030204" pitchFamily="18" charset="0"/>
+                        </a:rPr>
+                        <m:t> ,  </m:t>
+                      </m:r>
+                      <m:sSub>
+                        <m:sSubPr>
+                          <m:ctrlPr>
+                            <a:rPr lang="pt-BR" sz="2000" b="0" i="1" smtClean="0">
+                              <a:latin typeface="Cambria Math" panose="02040503050406030204" pitchFamily="18" charset="0"/>
+                              <a:ea typeface="Cambria Math" panose="02040503050406030204" pitchFamily="18" charset="0"/>
+                            </a:rPr>
+                          </m:ctrlPr>
+                        </m:sSubPr>
+                        <m:e>
+                          <m:r>
+                            <m:rPr>
+                              <m:sty m:val="p"/>
+                            </m:rPr>
+                            <a:rPr lang="el-GR" sz="2000" b="0" i="1" smtClean="0">
+                              <a:latin typeface="Cambria Math" panose="02040503050406030204" pitchFamily="18" charset="0"/>
+                              <a:ea typeface="Cambria Math" panose="02040503050406030204" pitchFamily="18" charset="0"/>
+                            </a:rPr>
+                            <m:t>Σ</m:t>
+                          </m:r>
+                        </m:e>
+                        <m:sub>
+                          <m:r>
+                            <a:rPr lang="pt-BR" sz="2000" b="0" i="1" smtClean="0">
+                              <a:latin typeface="Cambria Math" panose="02040503050406030204" pitchFamily="18" charset="0"/>
+                              <a:ea typeface="Cambria Math" panose="02040503050406030204" pitchFamily="18" charset="0"/>
+                            </a:rPr>
+                            <m:t>𝑖𝑗</m:t>
+                          </m:r>
+                        </m:sub>
+                      </m:sSub>
+                      <m:r>
+                        <a:rPr lang="pt-BR" sz="2000" b="0" i="1" smtClean="0">
+                          <a:latin typeface="Cambria Math" panose="02040503050406030204" pitchFamily="18" charset="0"/>
+                          <a:ea typeface="Cambria Math" panose="02040503050406030204" pitchFamily="18" charset="0"/>
+                        </a:rPr>
+                        <m:t>=</m:t>
+                      </m:r>
+                      <m:sSub>
+                        <m:sSubPr>
+                          <m:ctrlPr>
+                            <a:rPr lang="pt-BR" sz="2000" b="0" i="1" smtClean="0">
+                              <a:latin typeface="Cambria Math" panose="02040503050406030204" pitchFamily="18" charset="0"/>
+                              <a:ea typeface="Cambria Math" panose="02040503050406030204" pitchFamily="18" charset="0"/>
+                            </a:rPr>
+                          </m:ctrlPr>
+                        </m:sSubPr>
+                        <m:e>
+                          <m:r>
+                            <a:rPr lang="pt-BR" sz="2000" b="0" i="1" smtClean="0">
+                              <a:latin typeface="Cambria Math" panose="02040503050406030204" pitchFamily="18" charset="0"/>
+                              <a:ea typeface="Cambria Math" panose="02040503050406030204" pitchFamily="18" charset="0"/>
+                            </a:rPr>
+                            <m:t>𝜌</m:t>
+                          </m:r>
+                        </m:e>
+                        <m:sub>
+                          <m:r>
+                            <a:rPr lang="pt-BR" sz="2000" b="0" i="1" smtClean="0">
+                              <a:latin typeface="Cambria Math" panose="02040503050406030204" pitchFamily="18" charset="0"/>
+                              <a:ea typeface="Cambria Math" panose="02040503050406030204" pitchFamily="18" charset="0"/>
+                            </a:rPr>
+                            <m:t>𝑖𝑗</m:t>
+                          </m:r>
+                        </m:sub>
+                      </m:sSub>
+                      <m:sSub>
+                        <m:sSubPr>
+                          <m:ctrlPr>
+                            <a:rPr lang="pt-BR" sz="2000" b="0" i="1" smtClean="0">
+                              <a:latin typeface="Cambria Math" panose="02040503050406030204" pitchFamily="18" charset="0"/>
+                              <a:ea typeface="Cambria Math" panose="02040503050406030204" pitchFamily="18" charset="0"/>
+                            </a:rPr>
+                          </m:ctrlPr>
+                        </m:sSubPr>
+                        <m:e>
+                          <m:r>
+                            <a:rPr lang="pt-BR" sz="2000" b="0" i="1" smtClean="0">
+                              <a:latin typeface="Cambria Math" panose="02040503050406030204" pitchFamily="18" charset="0"/>
+                              <a:ea typeface="Cambria Math" panose="02040503050406030204" pitchFamily="18" charset="0"/>
+                            </a:rPr>
+                            <m:t>𝜎</m:t>
+                          </m:r>
+                        </m:e>
+                        <m:sub>
+                          <m:r>
+                            <a:rPr lang="pt-BR" sz="2000" b="0" i="1" smtClean="0">
+                              <a:latin typeface="Cambria Math" panose="02040503050406030204" pitchFamily="18" charset="0"/>
+                              <a:ea typeface="Cambria Math" panose="02040503050406030204" pitchFamily="18" charset="0"/>
+                            </a:rPr>
+                            <m:t>𝑖</m:t>
+                          </m:r>
+                        </m:sub>
+                      </m:sSub>
+                      <m:sSub>
+                        <m:sSubPr>
+                          <m:ctrlPr>
+                            <a:rPr lang="pt-BR" sz="2000" i="1">
+                              <a:latin typeface="Cambria Math" panose="02040503050406030204" pitchFamily="18" charset="0"/>
+                              <a:ea typeface="Cambria Math" panose="02040503050406030204" pitchFamily="18" charset="0"/>
+                            </a:rPr>
+                          </m:ctrlPr>
+                        </m:sSubPr>
+                        <m:e>
+                          <m:r>
+                            <a:rPr lang="pt-BR" sz="2000" i="1">
+                              <a:latin typeface="Cambria Math" panose="02040503050406030204" pitchFamily="18" charset="0"/>
+                              <a:ea typeface="Cambria Math" panose="02040503050406030204" pitchFamily="18" charset="0"/>
+                            </a:rPr>
+                            <m:t>𝜎</m:t>
+                          </m:r>
+                        </m:e>
+                        <m:sub>
+                          <m:r>
+                            <a:rPr lang="pt-BR" sz="2000" b="0" i="1" smtClean="0">
+                              <a:latin typeface="Cambria Math" panose="02040503050406030204" pitchFamily="18" charset="0"/>
+                              <a:ea typeface="Cambria Math" panose="02040503050406030204" pitchFamily="18" charset="0"/>
+                            </a:rPr>
+                            <m:t>𝑗</m:t>
+                          </m:r>
+                        </m:sub>
+                      </m:sSub>
+                    </m:oMath>
+                  </m:oMathPara>
+                </a14:m>
+                <a:endParaRPr lang="en-US" sz="2000" dirty="0"/>
+              </a:p>
+              <a:p>
+                <a:pPr marL="0" indent="0" algn="ctr">
+                  <a:buNone/>
+                </a:pPr>
+                <a:endParaRPr lang="pt-BR" sz="2000" i="1" dirty="0">
+                  <a:latin typeface="Cambria Math" panose="02040503050406030204" pitchFamily="18" charset="0"/>
+                  <a:ea typeface="Cambria Math" panose="02040503050406030204" pitchFamily="18" charset="0"/>
+                </a:endParaRPr>
+              </a:p>
+              <a:p>
+                <a:pPr marL="0" indent="0" algn="ctr">
+                  <a:buNone/>
+                </a:pPr>
+                <a14:m>
+                  <m:oMathPara xmlns:m="http://schemas.openxmlformats.org/officeDocument/2006/math">
+                    <m:oMathParaPr>
+                      <m:jc m:val="center"/>
+                    </m:oMathParaPr>
+                    <m:oMath xmlns:m="http://schemas.openxmlformats.org/officeDocument/2006/math">
+                      <m:f>
+                        <m:fPr>
+                          <m:ctrlPr>
+                            <a:rPr lang="pt-BR" sz="2000" i="1">
+                              <a:latin typeface="Cambria Math" panose="02040503050406030204" pitchFamily="18" charset="0"/>
+                              <a:ea typeface="Cambria Math" panose="02040503050406030204" pitchFamily="18" charset="0"/>
+                            </a:rPr>
+                          </m:ctrlPr>
+                        </m:fPr>
+                        <m:num>
+                          <m:r>
+                            <a:rPr lang="pt-BR" sz="2000" i="1">
+                              <a:latin typeface="Cambria Math" panose="02040503050406030204" pitchFamily="18" charset="0"/>
+                              <a:ea typeface="Cambria Math" panose="02040503050406030204" pitchFamily="18" charset="0"/>
+                            </a:rPr>
+                            <m:t>𝛿</m:t>
+                          </m:r>
+                          <m:r>
+                            <a:rPr lang="pt-BR" sz="2000" i="1">
+                              <a:latin typeface="Cambria Math" panose="02040503050406030204" pitchFamily="18" charset="0"/>
+                              <a:ea typeface="Cambria Math" panose="02040503050406030204" pitchFamily="18" charset="0"/>
+                            </a:rPr>
+                            <m:t>𝑅</m:t>
+                          </m:r>
+                          <m:r>
+                            <a:rPr lang="pt-BR" sz="2000" i="1">
+                              <a:latin typeface="Cambria Math" panose="02040503050406030204" pitchFamily="18" charset="0"/>
+                              <a:ea typeface="Cambria Math" panose="02040503050406030204" pitchFamily="18" charset="0"/>
+                            </a:rPr>
+                            <m:t>(</m:t>
+                          </m:r>
+                          <m:r>
+                            <a:rPr lang="pt-BR" sz="2000" b="0" i="1" smtClean="0">
+                              <a:latin typeface="Cambria Math" panose="02040503050406030204" pitchFamily="18" charset="0"/>
+                            </a:rPr>
+                            <m:t>𝑥</m:t>
+                          </m:r>
+                          <m:r>
+                            <a:rPr lang="pt-BR" sz="2000" i="1">
+                              <a:latin typeface="Cambria Math" panose="02040503050406030204" pitchFamily="18" charset="0"/>
+                            </a:rPr>
+                            <m:t>)</m:t>
+                          </m:r>
+                        </m:num>
+                        <m:den>
+                          <m:r>
+                            <a:rPr lang="pt-BR" sz="2000" i="1">
+                              <a:latin typeface="Cambria Math" panose="02040503050406030204" pitchFamily="18" charset="0"/>
+                              <a:ea typeface="Cambria Math" panose="02040503050406030204" pitchFamily="18" charset="0"/>
+                            </a:rPr>
+                            <m:t>𝛿</m:t>
+                          </m:r>
+                          <m:sSub>
+                            <m:sSubPr>
+                              <m:ctrlPr>
+                                <a:rPr lang="pt-BR" sz="2000" i="1">
+                                  <a:latin typeface="Cambria Math" panose="02040503050406030204" pitchFamily="18" charset="0"/>
+                                </a:rPr>
+                              </m:ctrlPr>
+                            </m:sSubPr>
+                            <m:e>
+                              <m:r>
+                                <a:rPr lang="pt-BR" sz="2000" i="1">
+                                  <a:latin typeface="Cambria Math" panose="02040503050406030204" pitchFamily="18" charset="0"/>
+                                </a:rPr>
+                                <m:t>𝑥</m:t>
+                              </m:r>
+                            </m:e>
+                            <m:sub>
+                              <m:r>
+                                <a:rPr lang="pt-BR" sz="2000" i="1">
+                                  <a:latin typeface="Cambria Math" panose="02040503050406030204" pitchFamily="18" charset="0"/>
+                                </a:rPr>
+                                <m:t>𝑖</m:t>
+                              </m:r>
+                            </m:sub>
+                          </m:sSub>
+                        </m:den>
+                      </m:f>
+                      <m:r>
+                        <a:rPr lang="pt-BR" sz="2000" b="0" i="1" smtClean="0">
+                          <a:latin typeface="Cambria Math" panose="02040503050406030204" pitchFamily="18" charset="0"/>
+                        </a:rPr>
+                        <m:t>=</m:t>
+                      </m:r>
+                      <m:f>
+                        <m:fPr>
+                          <m:ctrlPr>
+                            <a:rPr lang="pt-BR" sz="2000" b="0" i="1" smtClean="0">
+                              <a:latin typeface="Cambria Math" panose="02040503050406030204" pitchFamily="18" charset="0"/>
+                            </a:rPr>
+                          </m:ctrlPr>
+                        </m:fPr>
+                        <m:num>
+                          <m:sSub>
+                            <m:sSubPr>
+                              <m:ctrlPr>
+                                <a:rPr lang="pt-BR" sz="2000" b="0" i="1" smtClean="0">
+                                  <a:latin typeface="Cambria Math" panose="02040503050406030204" pitchFamily="18" charset="0"/>
+                                </a:rPr>
+                              </m:ctrlPr>
+                            </m:sSubPr>
+                            <m:e>
+                              <m:r>
+                                <a:rPr lang="pt-BR" sz="2000" b="0" i="1" smtClean="0">
+                                  <a:latin typeface="Cambria Math" panose="02040503050406030204" pitchFamily="18" charset="0"/>
+                                </a:rPr>
+                                <m:t>(</m:t>
+                              </m:r>
+                              <m:r>
+                                <m:rPr>
+                                  <m:sty m:val="p"/>
+                                </m:rPr>
+                                <a:rPr lang="el-GR" sz="2000" i="1">
+                                  <a:latin typeface="Cambria Math" panose="02040503050406030204" pitchFamily="18" charset="0"/>
+                                  <a:ea typeface="Cambria Math" panose="02040503050406030204" pitchFamily="18" charset="0"/>
+                                </a:rPr>
+                                <m:t>Σ</m:t>
+                              </m:r>
+                              <m:r>
+                                <a:rPr lang="pt-BR" sz="2000" b="0" i="1" smtClean="0">
+                                  <a:latin typeface="Cambria Math" panose="02040503050406030204" pitchFamily="18" charset="0"/>
+                                  <a:ea typeface="Cambria Math" panose="02040503050406030204" pitchFamily="18" charset="0"/>
+                                </a:rPr>
+                                <m:t>𝑥</m:t>
+                              </m:r>
+                              <m:r>
+                                <a:rPr lang="pt-BR" sz="2000" b="0" i="1" smtClean="0">
+                                  <a:latin typeface="Cambria Math" panose="02040503050406030204" pitchFamily="18" charset="0"/>
+                                </a:rPr>
+                                <m:t>)</m:t>
+                              </m:r>
+                            </m:e>
+                            <m:sub>
+                              <m:r>
+                                <a:rPr lang="pt-BR" sz="2000" b="0" i="1" smtClean="0">
+                                  <a:latin typeface="Cambria Math" panose="02040503050406030204" pitchFamily="18" charset="0"/>
+                                </a:rPr>
+                                <m:t>𝑖</m:t>
+                              </m:r>
+                            </m:sub>
+                          </m:sSub>
+                        </m:num>
+                        <m:den>
+                          <m:rad>
+                            <m:radPr>
+                              <m:degHide m:val="on"/>
+                              <m:ctrlPr>
+                                <a:rPr lang="pt-BR" sz="2000" i="1">
+                                  <a:latin typeface="Cambria Math" panose="02040503050406030204" pitchFamily="18" charset="0"/>
+                                  <a:ea typeface="Cambria Math" panose="02040503050406030204" pitchFamily="18" charset="0"/>
+                                </a:rPr>
+                              </m:ctrlPr>
+                            </m:radPr>
+                            <m:deg/>
+                            <m:e>
+                              <m:sSup>
+                                <m:sSupPr>
+                                  <m:ctrlPr>
+                                    <a:rPr lang="pt-BR" sz="2000" i="1">
+                                      <a:latin typeface="Cambria Math" panose="02040503050406030204" pitchFamily="18" charset="0"/>
+                                      <a:ea typeface="Cambria Math" panose="02040503050406030204" pitchFamily="18" charset="0"/>
+                                    </a:rPr>
+                                  </m:ctrlPr>
+                                </m:sSupPr>
+                                <m:e>
+                                  <m:r>
+                                    <a:rPr lang="pt-BR" sz="2000" i="1">
+                                      <a:latin typeface="Cambria Math" panose="02040503050406030204" pitchFamily="18" charset="0"/>
+                                      <a:ea typeface="Cambria Math" panose="02040503050406030204" pitchFamily="18" charset="0"/>
+                                    </a:rPr>
+                                    <m:t>𝑥</m:t>
+                                  </m:r>
+                                </m:e>
+                                <m:sup>
+                                  <m:r>
+                                    <a:rPr lang="pt-BR" sz="2000" i="1">
+                                      <a:latin typeface="Cambria Math" panose="02040503050406030204" pitchFamily="18" charset="0"/>
+                                      <a:ea typeface="Cambria Math" panose="02040503050406030204" pitchFamily="18" charset="0"/>
+                                    </a:rPr>
+                                    <m:t>𝑇</m:t>
+                                  </m:r>
+                                </m:sup>
+                              </m:sSup>
+                              <m:r>
+                                <m:rPr>
+                                  <m:sty m:val="p"/>
+                                </m:rPr>
+                                <a:rPr lang="el-GR" sz="2000" i="1">
+                                  <a:latin typeface="Cambria Math" panose="02040503050406030204" pitchFamily="18" charset="0"/>
+                                  <a:ea typeface="Cambria Math" panose="02040503050406030204" pitchFamily="18" charset="0"/>
+                                </a:rPr>
+                                <m:t>Σ</m:t>
+                              </m:r>
+                              <m:r>
+                                <a:rPr lang="pt-BR" sz="2000" i="1">
+                                  <a:latin typeface="Cambria Math" panose="02040503050406030204" pitchFamily="18" charset="0"/>
+                                  <a:ea typeface="Cambria Math" panose="02040503050406030204" pitchFamily="18" charset="0"/>
+                                </a:rPr>
+                                <m:t>𝑥</m:t>
+                              </m:r>
+                            </m:e>
+                          </m:rad>
+                        </m:den>
+                      </m:f>
+                    </m:oMath>
+                  </m:oMathPara>
+                </a14:m>
+                <a:endParaRPr lang="en-US" sz="2000" dirty="0"/>
+              </a:p>
+              <a:p>
+                <a:pPr marL="0" indent="0" algn="ctr">
+                  <a:buNone/>
+                </a:pPr>
+                <a:endParaRPr lang="en-US" sz="2000" dirty="0"/>
+              </a:p>
+              <a:p>
+                <a:pPr marL="0" indent="0" algn="ctr">
+                  <a:buNone/>
+                </a:pPr>
+                <a14:m>
+                  <m:oMathPara xmlns:m="http://schemas.openxmlformats.org/officeDocument/2006/math">
+                    <m:oMathParaPr>
+                      <m:jc m:val="center"/>
+                    </m:oMathParaPr>
+                    <m:oMath xmlns:m="http://schemas.openxmlformats.org/officeDocument/2006/math">
+                      <m:sSub>
+                        <m:sSubPr>
+                          <m:ctrlPr>
+                            <a:rPr lang="pt-BR" sz="2000" i="1" smtClean="0">
+                              <a:solidFill>
+                                <a:srgbClr val="FF0000"/>
+                              </a:solidFill>
+                              <a:latin typeface="Cambria Math" panose="02040503050406030204" pitchFamily="18" charset="0"/>
+                            </a:rPr>
+                          </m:ctrlPr>
+                        </m:sSubPr>
+                        <m:e>
+                          <m:r>
+                            <a:rPr lang="pt-BR" sz="2000" b="0" i="1" smtClean="0">
+                              <a:solidFill>
+                                <a:srgbClr val="FF0000"/>
+                              </a:solidFill>
+                              <a:latin typeface="Cambria Math" panose="02040503050406030204" pitchFamily="18" charset="0"/>
+                            </a:rPr>
+                            <m:t>𝑅𝐶</m:t>
+                          </m:r>
+                        </m:e>
+                        <m:sub>
+                          <m:r>
+                            <a:rPr lang="pt-BR" sz="2000" b="0" i="1" smtClean="0">
+                              <a:solidFill>
+                                <a:srgbClr val="FF0000"/>
+                              </a:solidFill>
+                              <a:latin typeface="Cambria Math" panose="02040503050406030204" pitchFamily="18" charset="0"/>
+                            </a:rPr>
+                            <m:t>𝑖</m:t>
+                          </m:r>
+                        </m:sub>
+                      </m:sSub>
+                      <m:d>
+                        <m:dPr>
+                          <m:ctrlPr>
+                            <a:rPr lang="pt-BR" sz="2000" i="1">
+                              <a:solidFill>
+                                <a:srgbClr val="FF0000"/>
+                              </a:solidFill>
+                              <a:latin typeface="Cambria Math" panose="02040503050406030204" pitchFamily="18" charset="0"/>
+                            </a:rPr>
+                          </m:ctrlPr>
+                        </m:dPr>
+                        <m:e>
+                          <m:sSub>
+                            <m:sSubPr>
+                              <m:ctrlPr>
+                                <a:rPr lang="pt-BR" sz="2000" i="1">
+                                  <a:solidFill>
+                                    <a:srgbClr val="FF0000"/>
+                                  </a:solidFill>
+                                  <a:latin typeface="Cambria Math" panose="02040503050406030204" pitchFamily="18" charset="0"/>
+                                </a:rPr>
+                              </m:ctrlPr>
+                            </m:sSubPr>
+                            <m:e>
+                              <m:r>
+                                <a:rPr lang="pt-BR" sz="2000" i="1">
+                                  <a:solidFill>
+                                    <a:srgbClr val="FF0000"/>
+                                  </a:solidFill>
+                                  <a:latin typeface="Cambria Math" panose="02040503050406030204" pitchFamily="18" charset="0"/>
+                                </a:rPr>
+                                <m:t>𝑥</m:t>
+                              </m:r>
+                            </m:e>
+                            <m:sub>
+                              <m:r>
+                                <a:rPr lang="pt-BR" sz="2000" b="0" i="1" smtClean="0">
+                                  <a:solidFill>
+                                    <a:srgbClr val="FF0000"/>
+                                  </a:solidFill>
+                                  <a:latin typeface="Cambria Math" panose="02040503050406030204" pitchFamily="18" charset="0"/>
+                                </a:rPr>
+                                <m:t>1</m:t>
+                              </m:r>
+                            </m:sub>
+                          </m:sSub>
+                          <m:r>
+                            <a:rPr lang="pt-BR" sz="2000" i="1">
+                              <a:solidFill>
+                                <a:srgbClr val="FF0000"/>
+                              </a:solidFill>
+                              <a:latin typeface="Cambria Math" panose="02040503050406030204" pitchFamily="18" charset="0"/>
+                            </a:rPr>
+                            <m:t>, …,</m:t>
+                          </m:r>
+                          <m:sSub>
+                            <m:sSubPr>
+                              <m:ctrlPr>
+                                <a:rPr lang="pt-BR" sz="2000" i="1">
+                                  <a:solidFill>
+                                    <a:srgbClr val="FF0000"/>
+                                  </a:solidFill>
+                                  <a:latin typeface="Cambria Math" panose="02040503050406030204" pitchFamily="18" charset="0"/>
+                                </a:rPr>
+                              </m:ctrlPr>
+                            </m:sSubPr>
+                            <m:e>
+                              <m:r>
+                                <a:rPr lang="pt-BR" sz="2000" i="1">
+                                  <a:solidFill>
+                                    <a:srgbClr val="FF0000"/>
+                                  </a:solidFill>
+                                  <a:latin typeface="Cambria Math" panose="02040503050406030204" pitchFamily="18" charset="0"/>
+                                </a:rPr>
+                                <m:t>𝑥</m:t>
+                              </m:r>
+                            </m:e>
+                            <m:sub>
+                              <m:r>
+                                <a:rPr lang="pt-BR" sz="2000" i="1">
+                                  <a:solidFill>
+                                    <a:srgbClr val="FF0000"/>
+                                  </a:solidFill>
+                                  <a:latin typeface="Cambria Math" panose="02040503050406030204" pitchFamily="18" charset="0"/>
+                                </a:rPr>
+                                <m:t>𝑛</m:t>
+                              </m:r>
+                            </m:sub>
+                          </m:sSub>
+                        </m:e>
+                      </m:d>
+                      <m:r>
+                        <a:rPr lang="pt-BR" sz="2000" b="0" i="1" smtClean="0">
+                          <a:solidFill>
+                            <a:srgbClr val="FF0000"/>
+                          </a:solidFill>
+                          <a:latin typeface="Cambria Math" panose="02040503050406030204" pitchFamily="18" charset="0"/>
+                        </a:rPr>
+                        <m:t>=</m:t>
+                      </m:r>
+                      <m:sSub>
+                        <m:sSubPr>
+                          <m:ctrlPr>
+                            <a:rPr lang="pt-BR" sz="2000" i="1">
+                              <a:solidFill>
+                                <a:srgbClr val="FF0000"/>
+                              </a:solidFill>
+                              <a:latin typeface="Cambria Math" panose="02040503050406030204" pitchFamily="18" charset="0"/>
+                              <a:ea typeface="Cambria Math" panose="02040503050406030204" pitchFamily="18" charset="0"/>
+                            </a:rPr>
+                          </m:ctrlPr>
+                        </m:sSubPr>
+                        <m:e>
+                          <m:r>
+                            <a:rPr lang="pt-BR" sz="2000" i="1">
+                              <a:solidFill>
+                                <a:srgbClr val="FF0000"/>
+                              </a:solidFill>
+                              <a:latin typeface="Cambria Math" panose="02040503050406030204" pitchFamily="18" charset="0"/>
+                              <a:ea typeface="Cambria Math" panose="02040503050406030204" pitchFamily="18" charset="0"/>
+                            </a:rPr>
+                            <m:t>𝑥</m:t>
+                          </m:r>
+                        </m:e>
+                        <m:sub>
+                          <m:r>
+                            <a:rPr lang="pt-BR" sz="2000" b="0" i="1" smtClean="0">
+                              <a:solidFill>
+                                <a:srgbClr val="FF0000"/>
+                              </a:solidFill>
+                              <a:latin typeface="Cambria Math" panose="02040503050406030204" pitchFamily="18" charset="0"/>
+                              <a:ea typeface="Cambria Math" panose="02040503050406030204" pitchFamily="18" charset="0"/>
+                            </a:rPr>
+                            <m:t>𝑖</m:t>
+                          </m:r>
+                        </m:sub>
+                      </m:sSub>
+                      <m:r>
+                        <a:rPr lang="pt-BR" sz="2000" i="1" smtClean="0">
+                          <a:solidFill>
+                            <a:srgbClr val="FF0000"/>
+                          </a:solidFill>
+                          <a:latin typeface="Cambria Math" panose="02040503050406030204" pitchFamily="18" charset="0"/>
+                          <a:ea typeface="Cambria Math" panose="02040503050406030204" pitchFamily="18" charset="0"/>
+                        </a:rPr>
+                        <m:t>∙</m:t>
+                      </m:r>
+                      <m:f>
+                        <m:fPr>
+                          <m:ctrlPr>
+                            <a:rPr lang="pt-BR" sz="2000" i="1">
+                              <a:solidFill>
+                                <a:srgbClr val="FF0000"/>
+                              </a:solidFill>
+                              <a:latin typeface="Cambria Math" panose="02040503050406030204" pitchFamily="18" charset="0"/>
+                            </a:rPr>
+                          </m:ctrlPr>
+                        </m:fPr>
+                        <m:num>
+                          <m:sSub>
+                            <m:sSubPr>
+                              <m:ctrlPr>
+                                <a:rPr lang="pt-BR" sz="2000" i="1">
+                                  <a:solidFill>
+                                    <a:srgbClr val="FF0000"/>
+                                  </a:solidFill>
+                                  <a:latin typeface="Cambria Math" panose="02040503050406030204" pitchFamily="18" charset="0"/>
+                                </a:rPr>
+                              </m:ctrlPr>
+                            </m:sSubPr>
+                            <m:e>
+                              <m:d>
+                                <m:dPr>
+                                  <m:ctrlPr>
+                                    <a:rPr lang="pt-BR" sz="2000" i="1">
+                                      <a:solidFill>
+                                        <a:srgbClr val="FF0000"/>
+                                      </a:solidFill>
+                                      <a:latin typeface="Cambria Math" panose="02040503050406030204" pitchFamily="18" charset="0"/>
+                                      <a:ea typeface="Cambria Math" panose="02040503050406030204" pitchFamily="18" charset="0"/>
+                                    </a:rPr>
+                                  </m:ctrlPr>
+                                </m:dPr>
+                                <m:e>
+                                  <m:r>
+                                    <m:rPr>
+                                      <m:sty m:val="p"/>
+                                    </m:rPr>
+                                    <a:rPr lang="el-GR" sz="2000" i="0">
+                                      <a:solidFill>
+                                        <a:srgbClr val="FF0000"/>
+                                      </a:solidFill>
+                                      <a:latin typeface="Cambria Math" panose="02040503050406030204" pitchFamily="18" charset="0"/>
+                                      <a:ea typeface="Cambria Math" panose="02040503050406030204" pitchFamily="18" charset="0"/>
+                                    </a:rPr>
+                                    <m:t>Σ</m:t>
+                                  </m:r>
+                                  <m:r>
+                                    <a:rPr lang="pt-BR" sz="2000" i="1">
+                                      <a:solidFill>
+                                        <a:srgbClr val="FF0000"/>
+                                      </a:solidFill>
+                                      <a:latin typeface="Cambria Math" panose="02040503050406030204" pitchFamily="18" charset="0"/>
+                                      <a:ea typeface="Cambria Math" panose="02040503050406030204" pitchFamily="18" charset="0"/>
+                                    </a:rPr>
+                                    <m:t>𝑥</m:t>
+                                  </m:r>
+                                </m:e>
+                              </m:d>
+                            </m:e>
+                            <m:sub>
+                              <m:r>
+                                <a:rPr lang="pt-BR" sz="2000" i="1">
+                                  <a:solidFill>
+                                    <a:srgbClr val="FF0000"/>
+                                  </a:solidFill>
+                                  <a:latin typeface="Cambria Math" panose="02040503050406030204" pitchFamily="18" charset="0"/>
+                                </a:rPr>
+                                <m:t>𝑖</m:t>
+                              </m:r>
+                            </m:sub>
+                          </m:sSub>
+                        </m:num>
+                        <m:den>
+                          <m:rad>
+                            <m:radPr>
+                              <m:degHide m:val="on"/>
+                              <m:ctrlPr>
+                                <a:rPr lang="pt-BR" sz="2000" i="1">
+                                  <a:solidFill>
+                                    <a:srgbClr val="FF0000"/>
+                                  </a:solidFill>
+                                  <a:latin typeface="Cambria Math" panose="02040503050406030204" pitchFamily="18" charset="0"/>
+                                  <a:ea typeface="Cambria Math" panose="02040503050406030204" pitchFamily="18" charset="0"/>
+                                </a:rPr>
+                              </m:ctrlPr>
+                            </m:radPr>
+                            <m:deg/>
+                            <m:e>
+                              <m:sSup>
+                                <m:sSupPr>
+                                  <m:ctrlPr>
+                                    <a:rPr lang="pt-BR" sz="2000" i="1">
+                                      <a:solidFill>
+                                        <a:srgbClr val="FF0000"/>
+                                      </a:solidFill>
+                                      <a:latin typeface="Cambria Math" panose="02040503050406030204" pitchFamily="18" charset="0"/>
+                                      <a:ea typeface="Cambria Math" panose="02040503050406030204" pitchFamily="18" charset="0"/>
+                                    </a:rPr>
+                                  </m:ctrlPr>
+                                </m:sSupPr>
+                                <m:e>
+                                  <m:r>
+                                    <a:rPr lang="pt-BR" sz="2000" i="1">
+                                      <a:solidFill>
+                                        <a:srgbClr val="FF0000"/>
+                                      </a:solidFill>
+                                      <a:latin typeface="Cambria Math" panose="02040503050406030204" pitchFamily="18" charset="0"/>
+                                      <a:ea typeface="Cambria Math" panose="02040503050406030204" pitchFamily="18" charset="0"/>
+                                    </a:rPr>
+                                    <m:t>𝑥</m:t>
+                                  </m:r>
+                                </m:e>
+                                <m:sup>
+                                  <m:r>
+                                    <a:rPr lang="pt-BR" sz="2000" i="1">
+                                      <a:solidFill>
+                                        <a:srgbClr val="FF0000"/>
+                                      </a:solidFill>
+                                      <a:latin typeface="Cambria Math" panose="02040503050406030204" pitchFamily="18" charset="0"/>
+                                      <a:ea typeface="Cambria Math" panose="02040503050406030204" pitchFamily="18" charset="0"/>
+                                    </a:rPr>
+                                    <m:t>𝑇</m:t>
+                                  </m:r>
+                                </m:sup>
+                              </m:sSup>
+                              <m:r>
+                                <m:rPr>
+                                  <m:sty m:val="p"/>
+                                </m:rPr>
+                                <a:rPr lang="el-GR" sz="2000" i="1">
+                                  <a:solidFill>
+                                    <a:srgbClr val="FF0000"/>
+                                  </a:solidFill>
+                                  <a:latin typeface="Cambria Math" panose="02040503050406030204" pitchFamily="18" charset="0"/>
+                                  <a:ea typeface="Cambria Math" panose="02040503050406030204" pitchFamily="18" charset="0"/>
+                                </a:rPr>
+                                <m:t>Σ</m:t>
+                              </m:r>
+                              <m:r>
+                                <a:rPr lang="pt-BR" sz="2000" i="1">
+                                  <a:solidFill>
+                                    <a:srgbClr val="FF0000"/>
+                                  </a:solidFill>
+                                  <a:latin typeface="Cambria Math" panose="02040503050406030204" pitchFamily="18" charset="0"/>
+                                  <a:ea typeface="Cambria Math" panose="02040503050406030204" pitchFamily="18" charset="0"/>
+                                </a:rPr>
+                                <m:t>𝑥</m:t>
+                              </m:r>
+                            </m:e>
+                          </m:rad>
+                        </m:den>
+                      </m:f>
+                      <m:r>
+                        <a:rPr lang="pt-BR" sz="2000" b="0" i="1" smtClean="0">
+                          <a:solidFill>
+                            <a:srgbClr val="FF0000"/>
+                          </a:solidFill>
+                          <a:latin typeface="Cambria Math" panose="02040503050406030204" pitchFamily="18" charset="0"/>
+                          <a:ea typeface="Cambria Math" panose="02040503050406030204" pitchFamily="18" charset="0"/>
+                        </a:rPr>
+                        <m:t>=</m:t>
+                      </m:r>
+                      <m:sSub>
+                        <m:sSubPr>
+                          <m:ctrlPr>
+                            <a:rPr lang="pt-BR" sz="2000" i="1">
+                              <a:solidFill>
+                                <a:srgbClr val="FF0000"/>
+                              </a:solidFill>
+                              <a:latin typeface="Cambria Math" panose="02040503050406030204" pitchFamily="18" charset="0"/>
+                              <a:ea typeface="Cambria Math" panose="02040503050406030204" pitchFamily="18" charset="0"/>
+                            </a:rPr>
+                          </m:ctrlPr>
+                        </m:sSubPr>
+                        <m:e>
+                          <m:r>
+                            <a:rPr lang="pt-BR" sz="2000" i="1">
+                              <a:solidFill>
+                                <a:srgbClr val="FF0000"/>
+                              </a:solidFill>
+                              <a:latin typeface="Cambria Math" panose="02040503050406030204" pitchFamily="18" charset="0"/>
+                              <a:ea typeface="Cambria Math" panose="02040503050406030204" pitchFamily="18" charset="0"/>
+                            </a:rPr>
+                            <m:t>𝑥</m:t>
+                          </m:r>
+                        </m:e>
+                        <m:sub>
+                          <m:r>
+                            <a:rPr lang="pt-BR" sz="2000" i="1">
+                              <a:solidFill>
+                                <a:srgbClr val="FF0000"/>
+                              </a:solidFill>
+                              <a:latin typeface="Cambria Math" panose="02040503050406030204" pitchFamily="18" charset="0"/>
+                              <a:ea typeface="Cambria Math" panose="02040503050406030204" pitchFamily="18" charset="0"/>
+                            </a:rPr>
+                            <m:t>𝑖</m:t>
+                          </m:r>
+                        </m:sub>
+                      </m:sSub>
+                      <m:r>
+                        <a:rPr lang="pt-BR" sz="2000" i="1">
+                          <a:solidFill>
+                            <a:srgbClr val="FF0000"/>
+                          </a:solidFill>
+                          <a:latin typeface="Cambria Math" panose="02040503050406030204" pitchFamily="18" charset="0"/>
+                          <a:ea typeface="Cambria Math" panose="02040503050406030204" pitchFamily="18" charset="0"/>
+                        </a:rPr>
+                        <m:t>∙</m:t>
+                      </m:r>
+                      <m:f>
+                        <m:fPr>
+                          <m:ctrlPr>
+                            <a:rPr lang="pt-BR" sz="2000" i="1">
+                              <a:solidFill>
+                                <a:srgbClr val="FF0000"/>
+                              </a:solidFill>
+                              <a:latin typeface="Cambria Math" panose="02040503050406030204" pitchFamily="18" charset="0"/>
+                            </a:rPr>
+                          </m:ctrlPr>
+                        </m:fPr>
+                        <m:num>
+                          <m:nary>
+                            <m:naryPr>
+                              <m:chr m:val="∑"/>
+                              <m:limLoc m:val="subSup"/>
+                              <m:ctrlPr>
+                                <a:rPr lang="pt-BR" sz="2000" i="1">
+                                  <a:solidFill>
+                                    <a:srgbClr val="FF0000"/>
+                                  </a:solidFill>
+                                  <a:latin typeface="Cambria Math" panose="02040503050406030204" pitchFamily="18" charset="0"/>
+                                </a:rPr>
+                              </m:ctrlPr>
+                            </m:naryPr>
+                            <m:sub>
+                              <m:r>
+                                <m:rPr>
+                                  <m:brk m:alnAt="25"/>
+                                </m:rPr>
+                                <a:rPr lang="pt-BR" sz="2000" i="1">
+                                  <a:solidFill>
+                                    <a:srgbClr val="FF0000"/>
+                                  </a:solidFill>
+                                  <a:latin typeface="Cambria Math" panose="02040503050406030204" pitchFamily="18" charset="0"/>
+                                </a:rPr>
+                                <m:t>𝑗</m:t>
+                              </m:r>
+                              <m:r>
+                                <a:rPr lang="pt-BR" sz="2000" i="1">
+                                  <a:solidFill>
+                                    <a:srgbClr val="FF0000"/>
+                                  </a:solidFill>
+                                  <a:latin typeface="Cambria Math" panose="02040503050406030204" pitchFamily="18" charset="0"/>
+                                </a:rPr>
+                                <m:t>=1</m:t>
+                              </m:r>
+                            </m:sub>
+                            <m:sup>
+                              <m:r>
+                                <a:rPr lang="pt-BR" sz="2000" i="1">
+                                  <a:solidFill>
+                                    <a:srgbClr val="FF0000"/>
+                                  </a:solidFill>
+                                  <a:latin typeface="Cambria Math" panose="02040503050406030204" pitchFamily="18" charset="0"/>
+                                </a:rPr>
+                                <m:t>𝑛</m:t>
+                              </m:r>
+                            </m:sup>
+                            <m:e>
+                              <m:sSub>
+                                <m:sSubPr>
+                                  <m:ctrlPr>
+                                    <a:rPr lang="pt-BR" sz="2000" i="1">
+                                      <a:solidFill>
+                                        <a:srgbClr val="FF0000"/>
+                                      </a:solidFill>
+                                      <a:latin typeface="Cambria Math" panose="02040503050406030204" pitchFamily="18" charset="0"/>
+                                    </a:rPr>
+                                  </m:ctrlPr>
+                                </m:sSubPr>
+                                <m:e>
+                                  <m:r>
+                                    <m:rPr>
+                                      <m:sty m:val="p"/>
+                                    </m:rPr>
+                                    <a:rPr lang="el-GR" sz="2000" i="1">
+                                      <a:solidFill>
+                                        <a:srgbClr val="FF0000"/>
+                                      </a:solidFill>
+                                      <a:latin typeface="Cambria Math" panose="02040503050406030204" pitchFamily="18" charset="0"/>
+                                      <a:ea typeface="Cambria Math" panose="02040503050406030204" pitchFamily="18" charset="0"/>
+                                    </a:rPr>
+                                    <m:t>Σ</m:t>
+                                  </m:r>
+                                </m:e>
+                                <m:sub>
+                                  <m:r>
+                                    <a:rPr lang="pt-BR" sz="2000" i="1">
+                                      <a:solidFill>
+                                        <a:srgbClr val="FF0000"/>
+                                      </a:solidFill>
+                                      <a:latin typeface="Cambria Math" panose="02040503050406030204" pitchFamily="18" charset="0"/>
+                                    </a:rPr>
+                                    <m:t>𝑖𝑗</m:t>
+                                  </m:r>
+                                </m:sub>
+                              </m:sSub>
+                              <m:r>
+                                <a:rPr lang="pt-BR" sz="2000" i="1">
+                                  <a:solidFill>
+                                    <a:srgbClr val="FF0000"/>
+                                  </a:solidFill>
+                                  <a:latin typeface="Cambria Math" panose="02040503050406030204" pitchFamily="18" charset="0"/>
+                                  <a:ea typeface="Cambria Math" panose="02040503050406030204" pitchFamily="18" charset="0"/>
+                                </a:rPr>
+                                <m:t>∙</m:t>
+                              </m:r>
+                              <m:sSub>
+                                <m:sSubPr>
+                                  <m:ctrlPr>
+                                    <a:rPr lang="pt-BR" sz="2000" i="1">
+                                      <a:solidFill>
+                                        <a:srgbClr val="FF0000"/>
+                                      </a:solidFill>
+                                      <a:latin typeface="Cambria Math" panose="02040503050406030204" pitchFamily="18" charset="0"/>
+                                      <a:ea typeface="Cambria Math" panose="02040503050406030204" pitchFamily="18" charset="0"/>
+                                    </a:rPr>
+                                  </m:ctrlPr>
+                                </m:sSubPr>
+                                <m:e>
+                                  <m:r>
+                                    <a:rPr lang="pt-BR" sz="2000" i="1">
+                                      <a:solidFill>
+                                        <a:srgbClr val="FF0000"/>
+                                      </a:solidFill>
+                                      <a:latin typeface="Cambria Math" panose="02040503050406030204" pitchFamily="18" charset="0"/>
+                                      <a:ea typeface="Cambria Math" panose="02040503050406030204" pitchFamily="18" charset="0"/>
+                                    </a:rPr>
+                                    <m:t>𝑥</m:t>
+                                  </m:r>
+                                </m:e>
+                                <m:sub>
+                                  <m:r>
+                                    <a:rPr lang="pt-BR" sz="2000" i="1">
+                                      <a:solidFill>
+                                        <a:srgbClr val="FF0000"/>
+                                      </a:solidFill>
+                                      <a:latin typeface="Cambria Math" panose="02040503050406030204" pitchFamily="18" charset="0"/>
+                                      <a:ea typeface="Cambria Math" panose="02040503050406030204" pitchFamily="18" charset="0"/>
+                                    </a:rPr>
+                                    <m:t>𝑗</m:t>
+                                  </m:r>
+                                </m:sub>
+                              </m:sSub>
+                            </m:e>
+                          </m:nary>
+                        </m:num>
+                        <m:den>
+                          <m:rad>
+                            <m:radPr>
+                              <m:degHide m:val="on"/>
+                              <m:ctrlPr>
+                                <a:rPr lang="pt-BR" sz="2000" i="1">
+                                  <a:solidFill>
+                                    <a:srgbClr val="FF0000"/>
+                                  </a:solidFill>
+                                  <a:latin typeface="Cambria Math" panose="02040503050406030204" pitchFamily="18" charset="0"/>
+                                  <a:ea typeface="Cambria Math" panose="02040503050406030204" pitchFamily="18" charset="0"/>
+                                </a:rPr>
+                              </m:ctrlPr>
+                            </m:radPr>
+                            <m:deg/>
+                            <m:e>
+                              <m:sSup>
+                                <m:sSupPr>
+                                  <m:ctrlPr>
+                                    <a:rPr lang="pt-BR" sz="2000" i="1">
+                                      <a:solidFill>
+                                        <a:srgbClr val="FF0000"/>
+                                      </a:solidFill>
+                                      <a:latin typeface="Cambria Math" panose="02040503050406030204" pitchFamily="18" charset="0"/>
+                                      <a:ea typeface="Cambria Math" panose="02040503050406030204" pitchFamily="18" charset="0"/>
+                                    </a:rPr>
+                                  </m:ctrlPr>
+                                </m:sSupPr>
+                                <m:e>
+                                  <m:r>
+                                    <a:rPr lang="pt-BR" sz="2000" i="1">
+                                      <a:solidFill>
+                                        <a:srgbClr val="FF0000"/>
+                                      </a:solidFill>
+                                      <a:latin typeface="Cambria Math" panose="02040503050406030204" pitchFamily="18" charset="0"/>
+                                      <a:ea typeface="Cambria Math" panose="02040503050406030204" pitchFamily="18" charset="0"/>
+                                    </a:rPr>
+                                    <m:t>𝑥</m:t>
+                                  </m:r>
+                                </m:e>
+                                <m:sup>
+                                  <m:r>
+                                    <a:rPr lang="pt-BR" sz="2000" i="1">
+                                      <a:solidFill>
+                                        <a:srgbClr val="FF0000"/>
+                                      </a:solidFill>
+                                      <a:latin typeface="Cambria Math" panose="02040503050406030204" pitchFamily="18" charset="0"/>
+                                      <a:ea typeface="Cambria Math" panose="02040503050406030204" pitchFamily="18" charset="0"/>
+                                    </a:rPr>
+                                    <m:t>𝑇</m:t>
+                                  </m:r>
+                                </m:sup>
+                              </m:sSup>
+                              <m:r>
+                                <m:rPr>
+                                  <m:sty m:val="p"/>
+                                </m:rPr>
+                                <a:rPr lang="el-GR" sz="2000" i="1">
+                                  <a:solidFill>
+                                    <a:srgbClr val="FF0000"/>
+                                  </a:solidFill>
+                                  <a:latin typeface="Cambria Math" panose="02040503050406030204" pitchFamily="18" charset="0"/>
+                                  <a:ea typeface="Cambria Math" panose="02040503050406030204" pitchFamily="18" charset="0"/>
+                                </a:rPr>
+                                <m:t>Σ</m:t>
+                              </m:r>
+                              <m:r>
+                                <a:rPr lang="pt-BR" sz="2000" i="1">
+                                  <a:solidFill>
+                                    <a:srgbClr val="FF0000"/>
+                                  </a:solidFill>
+                                  <a:latin typeface="Cambria Math" panose="02040503050406030204" pitchFamily="18" charset="0"/>
+                                  <a:ea typeface="Cambria Math" panose="02040503050406030204" pitchFamily="18" charset="0"/>
+                                </a:rPr>
+                                <m:t>𝑥</m:t>
+                              </m:r>
+                            </m:e>
+                          </m:rad>
+                        </m:den>
+                      </m:f>
+                    </m:oMath>
+                  </m:oMathPara>
+                </a14:m>
+                <a:endParaRPr lang="en-US" sz="2000" dirty="0"/>
+              </a:p>
+              <a:p>
+                <a:endParaRPr lang="en-US" dirty="0"/>
+              </a:p>
+              <a:p>
+                <a:pPr marL="0" indent="0">
+                  <a:buNone/>
+                </a:pPr>
+                <a:endParaRPr lang="en-US" dirty="0"/>
+              </a:p>
+            </p:txBody>
+          </p:sp>
+        </mc:Choice>
+        <mc:Fallback>
+          <p:sp>
+            <p:nvSpPr>
+              <p:cNvPr id="3" name="Content Placeholder 2">
+                <a:extLst>
+                  <a:ext uri="{FF2B5EF4-FFF2-40B4-BE49-F238E27FC236}">
+                    <a16:creationId xmlns:a16="http://schemas.microsoft.com/office/drawing/2014/main" id="{3A83088E-021A-1C4A-96E7-D1EF2960BD96}"/>
+                  </a:ext>
+                </a:extLst>
+              </p:cNvPr>
+              <p:cNvSpPr>
+                <a:spLocks noGrp="1" noRot="1" noChangeAspect="1" noMove="1" noResize="1" noEditPoints="1" noAdjustHandles="1" noChangeArrowheads="1" noChangeShapeType="1" noTextEdit="1"/>
+              </p:cNvSpPr>
+              <p:nvPr>
+                <p:ph idx="1"/>
+              </p:nvPr>
+            </p:nvSpPr>
+            <p:spPr>
+              <a:xfrm>
+                <a:off x="381739" y="843379"/>
+                <a:ext cx="11327907" cy="5655075"/>
+              </a:xfrm>
+              <a:blipFill>
+                <a:blip r:embed="rId2"/>
+                <a:stretch>
+                  <a:fillRect l="-861" t="-1509"/>
+                </a:stretch>
+              </a:blipFill>
+            </p:spPr>
+            <p:txBody>
+              <a:bodyPr/>
+              <a:lstStyle/>
+              <a:p>
+                <a:r>
+                  <a:rPr lang="pt-BR">
+                    <a:noFill/>
+                  </a:rPr>
+                  <a:t> </a:t>
+                </a:r>
+              </a:p>
+            </p:txBody>
+          </p:sp>
+        </mc:Fallback>
+      </mc:AlternateContent>
+    </p:spTree>
+    <p:extLst>
+      <p:ext uri="{BB962C8B-B14F-4D97-AF65-F5344CB8AC3E}">
+        <p14:creationId xmlns:p14="http://schemas.microsoft.com/office/powerpoint/2010/main" val="428551203"/>
+      </p:ext>
+    </p:extLst>
+  </p:cSld>
+  <p:clrMapOvr>
+    <a:masterClrMapping/>
+  </p:clrMapOvr>
+</p:sld>
+</file>
+
+<file path=ppt/slides/slide4.xml><?xml version="1.0" encoding="utf-8"?>
 <p:sld xmlns:a="http://schemas.openxmlformats.org/drawingml/2006/main" xmlns:r="http://schemas.openxmlformats.org/officeDocument/2006/relationships" xmlns:p="http://schemas.openxmlformats.org/presentationml/2006/main">
   <p:cSld>
     <p:spTree>
@@ -4802,65 +5367,517 @@
           </a:prstGeom>
         </p:spPr>
       </p:pic>
-      <p:sp>
-        <p:nvSpPr>
-          <p:cNvPr id="8" name="TextBox 7">
-            <a:extLst>
-              <a:ext uri="{FF2B5EF4-FFF2-40B4-BE49-F238E27FC236}">
-                <a16:creationId xmlns:a16="http://schemas.microsoft.com/office/drawing/2014/main" id="{5B94E789-5444-FA40-AFA9-7DDC56052427}"/>
-              </a:ext>
-            </a:extLst>
-          </p:cNvPr>
-          <p:cNvSpPr txBox="1"/>
-          <p:nvPr/>
-        </p:nvSpPr>
-        <p:spPr>
-          <a:xfrm>
-            <a:off x="8891396" y="850375"/>
-            <a:ext cx="2630720" cy="1754326"/>
-          </a:xfrm>
-          <a:prstGeom prst="rect">
-            <a:avLst/>
-          </a:prstGeom>
-          <a:noFill/>
-        </p:spPr>
-        <p:txBody>
-          <a:bodyPr wrap="none" rtlCol="0">
-            <a:spAutoFit/>
-          </a:bodyPr>
-          <a:lstStyle/>
-          <a:p>
-            <a:r>
-              <a:rPr lang="en-US" dirty="0"/>
-              <a:t>Portfolio metrics (ex-ante)</a:t>
-            </a:r>
-          </a:p>
-          <a:p>
-            <a:endParaRPr lang="en-US" dirty="0"/>
-          </a:p>
-          <a:p>
-            <a:endParaRPr lang="en-US" dirty="0"/>
-          </a:p>
-          <a:p>
-            <a:r>
-              <a:rPr lang="en-US" dirty="0"/>
-              <a:t>Expected Return:</a:t>
-            </a:r>
-          </a:p>
-          <a:p>
-            <a:r>
-              <a:rPr lang="en-US" dirty="0"/>
-              <a:t>Variance:</a:t>
-            </a:r>
-          </a:p>
-          <a:p>
-            <a:r>
-              <a:rPr lang="en-US" dirty="0"/>
-              <a:t>Sharpe: </a:t>
-            </a:r>
-          </a:p>
-        </p:txBody>
-      </p:sp>
+      <mc:AlternateContent xmlns:mc="http://schemas.openxmlformats.org/markup-compatibility/2006">
+        <mc:Choice xmlns:a14="http://schemas.microsoft.com/office/drawing/2010/main" Requires="a14">
+          <p:sp>
+            <p:nvSpPr>
+              <p:cNvPr id="2" name="CaixaDeTexto 1">
+                <a:extLst>
+                  <a:ext uri="{FF2B5EF4-FFF2-40B4-BE49-F238E27FC236}">
+                    <a16:creationId xmlns:a16="http://schemas.microsoft.com/office/drawing/2014/main" id="{3874D349-C00C-49A8-B403-37474FFEE2F4}"/>
+                  </a:ext>
+                </a:extLst>
+              </p:cNvPr>
+              <p:cNvSpPr txBox="1"/>
+              <p:nvPr/>
+            </p:nvSpPr>
+            <p:spPr>
+              <a:xfrm>
+                <a:off x="8819551" y="1627364"/>
+                <a:ext cx="2020498" cy="1427827"/>
+              </a:xfrm>
+              <a:prstGeom prst="rect">
+                <a:avLst/>
+              </a:prstGeom>
+              <a:noFill/>
+            </p:spPr>
+            <p:txBody>
+              <a:bodyPr wrap="square" lIns="0" tIns="0" rIns="0" bIns="0" rtlCol="0">
+                <a:spAutoFit/>
+              </a:bodyPr>
+              <a:lstStyle/>
+              <a:p>
+                <a:pPr/>
+                <a14:m>
+                  <m:oMathPara xmlns:m="http://schemas.openxmlformats.org/officeDocument/2006/math">
+                    <m:oMathParaPr>
+                      <m:jc m:val="left"/>
+                    </m:oMathParaPr>
+                    <m:oMath xmlns:m="http://schemas.openxmlformats.org/officeDocument/2006/math">
+                      <m:r>
+                        <a:rPr lang="pt-BR" b="0" i="1" smtClean="0">
+                          <a:latin typeface="Cambria Math" panose="02040503050406030204" pitchFamily="18" charset="0"/>
+                          <a:ea typeface="Cambria Math" panose="02040503050406030204" pitchFamily="18" charset="0"/>
+                        </a:rPr>
+                        <m:t>𝐸</m:t>
+                      </m:r>
+                      <m:r>
+                        <m:rPr>
+                          <m:nor/>
+                        </m:rPr>
+                        <a:rPr lang="pt-BR" b="0" i="0" smtClean="0">
+                          <a:latin typeface="Cambria Math" panose="02040503050406030204" pitchFamily="18" charset="0"/>
+                          <a:ea typeface="Cambria Math" panose="02040503050406030204" pitchFamily="18" charset="0"/>
+                        </a:rPr>
+                        <m:t>[</m:t>
+                      </m:r>
+                      <m:sSub>
+                        <m:sSubPr>
+                          <m:ctrlPr>
+                            <a:rPr lang="pt-BR" b="0" i="1" smtClean="0">
+                              <a:latin typeface="Cambria Math" panose="02040503050406030204" pitchFamily="18" charset="0"/>
+                              <a:ea typeface="Cambria Math" panose="02040503050406030204" pitchFamily="18" charset="0"/>
+                            </a:rPr>
+                          </m:ctrlPr>
+                        </m:sSubPr>
+                        <m:e>
+                          <m:r>
+                            <a:rPr lang="pt-BR" b="0" i="1" smtClean="0">
+                              <a:latin typeface="Cambria Math" panose="02040503050406030204" pitchFamily="18" charset="0"/>
+                              <a:ea typeface="Cambria Math" panose="02040503050406030204" pitchFamily="18" charset="0"/>
+                            </a:rPr>
+                            <m:t>𝑅</m:t>
+                          </m:r>
+                        </m:e>
+                        <m:sub>
+                          <m:r>
+                            <a:rPr lang="pt-BR" b="0" i="1" smtClean="0">
+                              <a:latin typeface="Cambria Math" panose="02040503050406030204" pitchFamily="18" charset="0"/>
+                              <a:ea typeface="Cambria Math" panose="02040503050406030204" pitchFamily="18" charset="0"/>
+                            </a:rPr>
+                            <m:t>𝑝</m:t>
+                          </m:r>
+                        </m:sub>
+                      </m:sSub>
+                      <m:r>
+                        <m:rPr>
+                          <m:nor/>
+                        </m:rPr>
+                        <a:rPr lang="pt-BR" dirty="0">
+                          <a:latin typeface="Cambria Math" panose="02040503050406030204" pitchFamily="18" charset="0"/>
+                          <a:ea typeface="Cambria Math" panose="02040503050406030204" pitchFamily="18" charset="0"/>
+                        </a:rPr>
+                        <m:t>] = 0.2897</m:t>
+                      </m:r>
+                    </m:oMath>
+                  </m:oMathPara>
+                </a14:m>
+                <a:endParaRPr lang="pt-BR" dirty="0">
+                  <a:latin typeface="Cambria Math" panose="02040503050406030204" pitchFamily="18" charset="0"/>
+                  <a:ea typeface="Cambria Math" panose="02040503050406030204" pitchFamily="18" charset="0"/>
+                </a:endParaRPr>
+              </a:p>
+              <a:p>
+                <a:pPr/>
+                <a:endParaRPr lang="pt-BR" i="1" dirty="0">
+                  <a:latin typeface="Cambria Math" panose="02040503050406030204" pitchFamily="18" charset="0"/>
+                  <a:ea typeface="Cambria Math" panose="02040503050406030204" pitchFamily="18" charset="0"/>
+                </a:endParaRPr>
+              </a:p>
+              <a:p>
+                <a:pPr/>
+                <a14:m>
+                  <m:oMathPara xmlns:m="http://schemas.openxmlformats.org/officeDocument/2006/math">
+                    <m:oMathParaPr>
+                      <m:jc m:val="left"/>
+                    </m:oMathParaPr>
+                    <m:oMath xmlns:m="http://schemas.openxmlformats.org/officeDocument/2006/math">
+                      <m:sSub>
+                        <m:sSubPr>
+                          <m:ctrlPr>
+                            <a:rPr lang="pt-BR" i="1" smtClean="0">
+                              <a:latin typeface="Cambria Math" panose="02040503050406030204" pitchFamily="18" charset="0"/>
+                              <a:ea typeface="Cambria Math" panose="02040503050406030204" pitchFamily="18" charset="0"/>
+                            </a:rPr>
+                          </m:ctrlPr>
+                        </m:sSubPr>
+                        <m:e>
+                          <m:r>
+                            <a:rPr lang="pt-BR" i="1" smtClean="0">
+                              <a:latin typeface="Cambria Math" panose="02040503050406030204" pitchFamily="18" charset="0"/>
+                              <a:ea typeface="Cambria Math" panose="02040503050406030204" pitchFamily="18" charset="0"/>
+                            </a:rPr>
+                            <m:t>𝜎</m:t>
+                          </m:r>
+                        </m:e>
+                        <m:sub>
+                          <m:r>
+                            <a:rPr lang="pt-BR" b="0" i="1" smtClean="0">
+                              <a:latin typeface="Cambria Math" panose="02040503050406030204" pitchFamily="18" charset="0"/>
+                              <a:ea typeface="Cambria Math" panose="02040503050406030204" pitchFamily="18" charset="0"/>
+                            </a:rPr>
+                            <m:t>𝑝</m:t>
+                          </m:r>
+                        </m:sub>
+                      </m:sSub>
+                      <m:r>
+                        <a:rPr lang="pt-BR" i="1">
+                          <a:latin typeface="Cambria Math" panose="02040503050406030204" pitchFamily="18" charset="0"/>
+                          <a:ea typeface="Cambria Math" panose="02040503050406030204" pitchFamily="18" charset="0"/>
+                        </a:rPr>
+                        <m:t>=0.3079</m:t>
+                      </m:r>
+                    </m:oMath>
+                  </m:oMathPara>
+                </a14:m>
+                <a:endParaRPr lang="pt-BR" dirty="0">
+                  <a:latin typeface="Cambria Math" panose="02040503050406030204" pitchFamily="18" charset="0"/>
+                  <a:ea typeface="Cambria Math" panose="02040503050406030204" pitchFamily="18" charset="0"/>
+                </a:endParaRPr>
+              </a:p>
+              <a:p>
+                <a:pPr/>
+                <a:endParaRPr lang="pt-BR" dirty="0">
+                  <a:latin typeface="Cambria Math" panose="02040503050406030204" pitchFamily="18" charset="0"/>
+                  <a:ea typeface="Cambria Math" panose="02040503050406030204" pitchFamily="18" charset="0"/>
+                </a:endParaRPr>
+              </a:p>
+              <a:p>
+                <a:pPr/>
+                <a14:m>
+                  <m:oMathPara xmlns:m="http://schemas.openxmlformats.org/officeDocument/2006/math">
+                    <m:oMathParaPr>
+                      <m:jc m:val="left"/>
+                    </m:oMathParaPr>
+                    <m:oMath xmlns:m="http://schemas.openxmlformats.org/officeDocument/2006/math">
+                      <m:r>
+                        <a:rPr lang="pt-BR" i="1">
+                          <a:latin typeface="Cambria Math" panose="02040503050406030204" pitchFamily="18" charset="0"/>
+                          <a:ea typeface="Cambria Math" panose="02040503050406030204" pitchFamily="18" charset="0"/>
+                        </a:rPr>
+                        <m:t>𝑆h𝑎𝑟𝑝𝑒</m:t>
+                      </m:r>
+                      <m:r>
+                        <a:rPr lang="pt-BR" i="1">
+                          <a:latin typeface="Cambria Math" panose="02040503050406030204" pitchFamily="18" charset="0"/>
+                          <a:ea typeface="Cambria Math" panose="02040503050406030204" pitchFamily="18" charset="0"/>
+                        </a:rPr>
+                        <m:t>=0.9408</m:t>
+                      </m:r>
+                    </m:oMath>
+                  </m:oMathPara>
+                </a14:m>
+                <a:endParaRPr lang="pt-BR" dirty="0">
+                  <a:latin typeface="Cambria Math" panose="02040503050406030204" pitchFamily="18" charset="0"/>
+                  <a:ea typeface="Cambria Math" panose="02040503050406030204" pitchFamily="18" charset="0"/>
+                </a:endParaRPr>
+              </a:p>
+            </p:txBody>
+          </p:sp>
+        </mc:Choice>
+        <mc:Fallback>
+          <p:sp>
+            <p:nvSpPr>
+              <p:cNvPr id="2" name="CaixaDeTexto 1">
+                <a:extLst>
+                  <a:ext uri="{FF2B5EF4-FFF2-40B4-BE49-F238E27FC236}">
+                    <a16:creationId xmlns:a16="http://schemas.microsoft.com/office/drawing/2014/main" id="{3874D349-C00C-49A8-B403-37474FFEE2F4}"/>
+                  </a:ext>
+                </a:extLst>
+              </p:cNvPr>
+              <p:cNvSpPr txBox="1">
+                <a:spLocks noRot="1" noChangeAspect="1" noMove="1" noResize="1" noEditPoints="1" noAdjustHandles="1" noChangeArrowheads="1" noChangeShapeType="1" noTextEdit="1"/>
+              </p:cNvSpPr>
+              <p:nvPr/>
+            </p:nvSpPr>
+            <p:spPr>
+              <a:xfrm>
+                <a:off x="8819551" y="1627364"/>
+                <a:ext cx="2020498" cy="1427827"/>
+              </a:xfrm>
+              <a:prstGeom prst="rect">
+                <a:avLst/>
+              </a:prstGeom>
+              <a:blipFill>
+                <a:blip r:embed="rId3"/>
+                <a:stretch>
+                  <a:fillRect l="-5438" t="-427" b="-6410"/>
+                </a:stretch>
+              </a:blipFill>
+            </p:spPr>
+            <p:txBody>
+              <a:bodyPr/>
+              <a:lstStyle/>
+              <a:p>
+                <a:r>
+                  <a:rPr lang="pt-BR">
+                    <a:noFill/>
+                  </a:rPr>
+                  <a:t> </a:t>
+                </a:r>
+              </a:p>
+            </p:txBody>
+          </p:sp>
+        </mc:Fallback>
+      </mc:AlternateContent>
+      <mc:AlternateContent xmlns:mc="http://schemas.openxmlformats.org/markup-compatibility/2006">
+        <mc:Choice xmlns:a14="http://schemas.microsoft.com/office/drawing/2010/main" Requires="a14">
+          <p:sp>
+            <p:nvSpPr>
+              <p:cNvPr id="4" name="CaixaDeTexto 3">
+                <a:extLst>
+                  <a:ext uri="{FF2B5EF4-FFF2-40B4-BE49-F238E27FC236}">
+                    <a16:creationId xmlns:a16="http://schemas.microsoft.com/office/drawing/2014/main" id="{E8128489-B4FB-4949-8C83-7ABE83EA3AF7}"/>
+                  </a:ext>
+                </a:extLst>
+              </p:cNvPr>
+              <p:cNvSpPr txBox="1"/>
+              <p:nvPr/>
+            </p:nvSpPr>
+            <p:spPr>
+              <a:xfrm>
+                <a:off x="8819551" y="674960"/>
+                <a:ext cx="2383654" cy="391133"/>
+              </a:xfrm>
+              <a:prstGeom prst="rect">
+                <a:avLst/>
+              </a:prstGeom>
+              <a:noFill/>
+            </p:spPr>
+            <p:txBody>
+              <a:bodyPr wrap="square" lIns="0" tIns="0" rIns="0" bIns="0" rtlCol="0">
+                <a:spAutoFit/>
+              </a:bodyPr>
+              <a:lstStyle/>
+              <a:p>
+                <a14:m>
+                  <m:oMath xmlns:m="http://schemas.openxmlformats.org/officeDocument/2006/math">
+                    <m:func>
+                      <m:funcPr>
+                        <m:ctrlPr>
+                          <a:rPr lang="pt-BR" b="0" i="1" smtClean="0">
+                            <a:latin typeface="Cambria Math" panose="02040503050406030204" pitchFamily="18" charset="0"/>
+                          </a:rPr>
+                        </m:ctrlPr>
+                      </m:funcPr>
+                      <m:fName>
+                        <m:r>
+                          <m:rPr>
+                            <m:sty m:val="p"/>
+                          </m:rPr>
+                          <a:rPr lang="pt-BR" b="0" i="0" smtClean="0">
+                            <a:latin typeface="Cambria Math" panose="02040503050406030204" pitchFamily="18" charset="0"/>
+                          </a:rPr>
+                          <m:t>min</m:t>
+                        </m:r>
+                      </m:fName>
+                      <m:e>
+                        <m:r>
+                          <a:rPr lang="pt-BR" b="0" i="1" smtClean="0">
+                            <a:latin typeface="Cambria Math" panose="02040503050406030204" pitchFamily="18" charset="0"/>
+                          </a:rPr>
+                          <m:t>𝑤</m:t>
+                        </m:r>
+                      </m:e>
+                    </m:func>
+                    <m:r>
+                      <a:rPr lang="pt-BR" b="0" i="1" smtClean="0">
+                        <a:latin typeface="Cambria Math" panose="02040503050406030204" pitchFamily="18" charset="0"/>
+                      </a:rPr>
+                      <m:t> (</m:t>
+                    </m:r>
+                    <m:f>
+                      <m:fPr>
+                        <m:ctrlPr>
+                          <a:rPr lang="pt-BR" b="0" i="1" smtClean="0">
+                            <a:latin typeface="Cambria Math" panose="02040503050406030204" pitchFamily="18" charset="0"/>
+                          </a:rPr>
+                        </m:ctrlPr>
+                      </m:fPr>
+                      <m:num>
+                        <m:r>
+                          <a:rPr lang="pt-BR" b="0" i="1" smtClean="0">
+                            <a:latin typeface="Cambria Math" panose="02040503050406030204" pitchFamily="18" charset="0"/>
+                          </a:rPr>
+                          <m:t>1</m:t>
+                        </m:r>
+                      </m:num>
+                      <m:den>
+                        <m:r>
+                          <a:rPr lang="pt-BR" b="0" i="1" smtClean="0">
+                            <a:latin typeface="Cambria Math" panose="02040503050406030204" pitchFamily="18" charset="0"/>
+                          </a:rPr>
+                          <m:t>2</m:t>
+                        </m:r>
+                      </m:den>
+                    </m:f>
+                    <m:sSup>
+                      <m:sSupPr>
+                        <m:ctrlPr>
+                          <a:rPr lang="pt-BR" i="1">
+                            <a:latin typeface="Cambria Math" panose="02040503050406030204" pitchFamily="18" charset="0"/>
+                            <a:ea typeface="Cambria Math" panose="02040503050406030204" pitchFamily="18" charset="0"/>
+                          </a:rPr>
+                        </m:ctrlPr>
+                      </m:sSupPr>
+                      <m:e>
+                        <m:r>
+                          <a:rPr lang="pt-BR" i="1">
+                            <a:latin typeface="Cambria Math" panose="02040503050406030204" pitchFamily="18" charset="0"/>
+                            <a:ea typeface="Cambria Math" panose="02040503050406030204" pitchFamily="18" charset="0"/>
+                          </a:rPr>
+                          <m:t>𝑥</m:t>
+                        </m:r>
+                      </m:e>
+                      <m:sup>
+                        <m:r>
+                          <a:rPr lang="pt-BR" i="1">
+                            <a:latin typeface="Cambria Math" panose="02040503050406030204" pitchFamily="18" charset="0"/>
+                            <a:ea typeface="Cambria Math" panose="02040503050406030204" pitchFamily="18" charset="0"/>
+                          </a:rPr>
+                          <m:t>𝑇</m:t>
+                        </m:r>
+                      </m:sup>
+                    </m:sSup>
+                    <m:r>
+                      <m:rPr>
+                        <m:sty m:val="p"/>
+                      </m:rPr>
+                      <a:rPr lang="el-GR" i="1">
+                        <a:latin typeface="Cambria Math" panose="02040503050406030204" pitchFamily="18" charset="0"/>
+                        <a:ea typeface="Cambria Math" panose="02040503050406030204" pitchFamily="18" charset="0"/>
+                      </a:rPr>
+                      <m:t>Σ</m:t>
+                    </m:r>
+                    <m:r>
+                      <a:rPr lang="pt-BR" i="1">
+                        <a:latin typeface="Cambria Math" panose="02040503050406030204" pitchFamily="18" charset="0"/>
+                        <a:ea typeface="Cambria Math" panose="02040503050406030204" pitchFamily="18" charset="0"/>
+                      </a:rPr>
+                      <m:t>𝑥</m:t>
+                    </m:r>
+                    <m:r>
+                      <a:rPr lang="pt-BR" b="0" i="1" smtClean="0">
+                        <a:latin typeface="Cambria Math" panose="02040503050406030204" pitchFamily="18" charset="0"/>
+                        <a:ea typeface="Cambria Math" panose="02040503050406030204" pitchFamily="18" charset="0"/>
+                      </a:rPr>
+                      <m:t>−</m:t>
+                    </m:r>
+                    <m:f>
+                      <m:fPr>
+                        <m:ctrlPr>
+                          <a:rPr lang="pt-BR" b="0" i="1" smtClean="0">
+                            <a:latin typeface="Cambria Math" panose="02040503050406030204" pitchFamily="18" charset="0"/>
+                            <a:ea typeface="Cambria Math" panose="02040503050406030204" pitchFamily="18" charset="0"/>
+                          </a:rPr>
+                        </m:ctrlPr>
+                      </m:fPr>
+                      <m:num>
+                        <m:r>
+                          <a:rPr lang="pt-BR" b="0" i="1" smtClean="0">
+                            <a:latin typeface="Cambria Math" panose="02040503050406030204" pitchFamily="18" charset="0"/>
+                            <a:ea typeface="Cambria Math" panose="02040503050406030204" pitchFamily="18" charset="0"/>
+                          </a:rPr>
+                          <m:t>1</m:t>
+                        </m:r>
+                      </m:num>
+                      <m:den>
+                        <m:r>
+                          <a:rPr lang="pt-BR" b="0" i="1" smtClean="0">
+                            <a:latin typeface="Cambria Math" panose="02040503050406030204" pitchFamily="18" charset="0"/>
+                            <a:ea typeface="Cambria Math" panose="02040503050406030204" pitchFamily="18" charset="0"/>
+                          </a:rPr>
+                          <m:t>𝛿</m:t>
+                        </m:r>
+                      </m:den>
+                    </m:f>
+                    <m:sSup>
+                      <m:sSupPr>
+                        <m:ctrlPr>
+                          <a:rPr lang="pt-BR" b="0" i="1" smtClean="0">
+                            <a:latin typeface="Cambria Math" panose="02040503050406030204" pitchFamily="18" charset="0"/>
+                            <a:ea typeface="Cambria Math" panose="02040503050406030204" pitchFamily="18" charset="0"/>
+                          </a:rPr>
+                        </m:ctrlPr>
+                      </m:sSupPr>
+                      <m:e>
+                        <m:r>
+                          <a:rPr lang="pt-BR" b="0" i="1" smtClean="0">
+                            <a:latin typeface="Cambria Math" panose="02040503050406030204" pitchFamily="18" charset="0"/>
+                            <a:ea typeface="Cambria Math" panose="02040503050406030204" pitchFamily="18" charset="0"/>
+                          </a:rPr>
+                          <m:t>𝜇</m:t>
+                        </m:r>
+                      </m:e>
+                      <m:sup>
+                        <m:r>
+                          <a:rPr lang="pt-BR" b="0" i="1" smtClean="0">
+                            <a:latin typeface="Cambria Math" panose="02040503050406030204" pitchFamily="18" charset="0"/>
+                            <a:ea typeface="Cambria Math" panose="02040503050406030204" pitchFamily="18" charset="0"/>
+                          </a:rPr>
+                          <m:t>𝑇</m:t>
+                        </m:r>
+                      </m:sup>
+                    </m:sSup>
+                    <m:r>
+                      <a:rPr lang="pt-BR" b="0" i="1" smtClean="0">
+                        <a:latin typeface="Cambria Math" panose="02040503050406030204" pitchFamily="18" charset="0"/>
+                        <a:ea typeface="Cambria Math" panose="02040503050406030204" pitchFamily="18" charset="0"/>
+                      </a:rPr>
+                      <m:t>𝑥</m:t>
+                    </m:r>
+                    <m:r>
+                      <a:rPr lang="pt-BR" b="0" i="1" smtClean="0">
+                        <a:latin typeface="Cambria Math" panose="02040503050406030204" pitchFamily="18" charset="0"/>
+                        <a:ea typeface="Cambria Math" panose="02040503050406030204" pitchFamily="18" charset="0"/>
+                      </a:rPr>
+                      <m:t>) </m:t>
+                    </m:r>
+                  </m:oMath>
+                </a14:m>
+                <a:r>
+                  <a:rPr lang="pt-BR" dirty="0"/>
+                  <a:t> </a:t>
+                </a:r>
+              </a:p>
+            </p:txBody>
+          </p:sp>
+        </mc:Choice>
+        <mc:Fallback>
+          <p:sp>
+            <p:nvSpPr>
+              <p:cNvPr id="4" name="CaixaDeTexto 3">
+                <a:extLst>
+                  <a:ext uri="{FF2B5EF4-FFF2-40B4-BE49-F238E27FC236}">
+                    <a16:creationId xmlns:a16="http://schemas.microsoft.com/office/drawing/2014/main" id="{E8128489-B4FB-4949-8C83-7ABE83EA3AF7}"/>
+                  </a:ext>
+                </a:extLst>
+              </p:cNvPr>
+              <p:cNvSpPr txBox="1">
+                <a:spLocks noRot="1" noChangeAspect="1" noMove="1" noResize="1" noEditPoints="1" noAdjustHandles="1" noChangeArrowheads="1" noChangeShapeType="1" noTextEdit="1"/>
+              </p:cNvSpPr>
+              <p:nvPr/>
+            </p:nvSpPr>
+            <p:spPr>
+              <a:xfrm>
+                <a:off x="8819551" y="674960"/>
+                <a:ext cx="2383654" cy="391133"/>
+              </a:xfrm>
+              <a:prstGeom prst="rect">
+                <a:avLst/>
+              </a:prstGeom>
+              <a:blipFill>
+                <a:blip r:embed="rId4"/>
+                <a:stretch>
+                  <a:fillRect l="-3581" r="-1790" b="-15625"/>
+                </a:stretch>
+              </a:blipFill>
+            </p:spPr>
+            <p:txBody>
+              <a:bodyPr/>
+              <a:lstStyle/>
+              <a:p>
+                <a:r>
+                  <a:rPr lang="pt-BR">
+                    <a:noFill/>
+                  </a:rPr>
+                  <a:t> </a:t>
+                </a:r>
+              </a:p>
+            </p:txBody>
+          </p:sp>
+        </mc:Fallback>
+      </mc:AlternateContent>
     </p:spTree>
     <p:extLst>
       <p:ext uri="{BB962C8B-B14F-4D97-AF65-F5344CB8AC3E}">
@@ -4874,7 +5891,7 @@
 </p:sld>
 </file>
 
-<file path=ppt/slides/slide4.xml><?xml version="1.0" encoding="utf-8"?>
+<file path=ppt/slides/slide5.xml><?xml version="1.0" encoding="utf-8"?>
 <p:sld xmlns:a="http://schemas.openxmlformats.org/drawingml/2006/main" xmlns:r="http://schemas.openxmlformats.org/officeDocument/2006/relationships" xmlns:p="http://schemas.openxmlformats.org/presentationml/2006/main">
   <p:cSld>
     <p:spTree>
@@ -4913,7 +5930,7 @@
         </p:blipFill>
         <p:spPr>
           <a:xfrm>
-            <a:off x="0" y="0"/>
+            <a:off x="-62144" y="0"/>
             <a:ext cx="8572500" cy="6858000"/>
           </a:xfrm>
           <a:prstGeom prst="rect">
@@ -4921,65 +5938,541 @@
           </a:prstGeom>
         </p:spPr>
       </p:pic>
-      <p:sp>
-        <p:nvSpPr>
-          <p:cNvPr id="6" name="TextBox 5">
-            <a:extLst>
-              <a:ext uri="{FF2B5EF4-FFF2-40B4-BE49-F238E27FC236}">
-                <a16:creationId xmlns:a16="http://schemas.microsoft.com/office/drawing/2014/main" id="{56991026-DF31-C845-9EF5-B590D8DF348E}"/>
-              </a:ext>
-            </a:extLst>
-          </p:cNvPr>
-          <p:cNvSpPr txBox="1"/>
-          <p:nvPr/>
-        </p:nvSpPr>
-        <p:spPr>
-          <a:xfrm>
-            <a:off x="8891396" y="850375"/>
-            <a:ext cx="2630720" cy="1754326"/>
-          </a:xfrm>
-          <a:prstGeom prst="rect">
-            <a:avLst/>
-          </a:prstGeom>
-          <a:noFill/>
-        </p:spPr>
-        <p:txBody>
-          <a:bodyPr wrap="none" rtlCol="0">
-            <a:spAutoFit/>
-          </a:bodyPr>
-          <a:lstStyle/>
-          <a:p>
-            <a:r>
-              <a:rPr lang="en-US" dirty="0"/>
-              <a:t>Portfolio metrics (ex-ante)</a:t>
-            </a:r>
-          </a:p>
-          <a:p>
-            <a:endParaRPr lang="en-US" dirty="0"/>
-          </a:p>
-          <a:p>
-            <a:endParaRPr lang="en-US" dirty="0"/>
-          </a:p>
-          <a:p>
-            <a:r>
-              <a:rPr lang="en-US" dirty="0"/>
-              <a:t>Expected Return:</a:t>
-            </a:r>
-          </a:p>
-          <a:p>
-            <a:r>
-              <a:rPr lang="en-US" dirty="0"/>
-              <a:t>Variance:</a:t>
-            </a:r>
-          </a:p>
-          <a:p>
-            <a:r>
-              <a:rPr lang="en-US" dirty="0"/>
-              <a:t>Sharpe: </a:t>
-            </a:r>
-          </a:p>
-        </p:txBody>
-      </p:sp>
+      <mc:AlternateContent xmlns:mc="http://schemas.openxmlformats.org/markup-compatibility/2006">
+        <mc:Choice xmlns:a14="http://schemas.microsoft.com/office/drawing/2010/main" Requires="a14">
+          <p:sp>
+            <p:nvSpPr>
+              <p:cNvPr id="4" name="CaixaDeTexto 3">
+                <a:extLst>
+                  <a:ext uri="{FF2B5EF4-FFF2-40B4-BE49-F238E27FC236}">
+                    <a16:creationId xmlns:a16="http://schemas.microsoft.com/office/drawing/2014/main" id="{3EF398DE-39FD-4B1D-9EAB-A2E3899956AD}"/>
+                  </a:ext>
+                </a:extLst>
+              </p:cNvPr>
+              <p:cNvSpPr txBox="1"/>
+              <p:nvPr/>
+            </p:nvSpPr>
+            <p:spPr>
+              <a:xfrm>
+                <a:off x="9057507" y="719605"/>
+                <a:ext cx="2383654" cy="391133"/>
+              </a:xfrm>
+              <a:prstGeom prst="rect">
+                <a:avLst/>
+              </a:prstGeom>
+              <a:noFill/>
+            </p:spPr>
+            <p:txBody>
+              <a:bodyPr wrap="square" lIns="0" tIns="0" rIns="0" bIns="0" rtlCol="0">
+                <a:spAutoFit/>
+              </a:bodyPr>
+              <a:lstStyle/>
+              <a:p>
+                <a14:m>
+                  <m:oMath xmlns:m="http://schemas.openxmlformats.org/officeDocument/2006/math">
+                    <m:func>
+                      <m:funcPr>
+                        <m:ctrlPr>
+                          <a:rPr lang="pt-BR" b="0" i="1" smtClean="0">
+                            <a:latin typeface="Cambria Math" panose="02040503050406030204" pitchFamily="18" charset="0"/>
+                          </a:rPr>
+                        </m:ctrlPr>
+                      </m:funcPr>
+                      <m:fName>
+                        <m:r>
+                          <m:rPr>
+                            <m:sty m:val="p"/>
+                          </m:rPr>
+                          <a:rPr lang="pt-BR" b="0" i="0" smtClean="0">
+                            <a:latin typeface="Cambria Math" panose="02040503050406030204" pitchFamily="18" charset="0"/>
+                          </a:rPr>
+                          <m:t>min</m:t>
+                        </m:r>
+                      </m:fName>
+                      <m:e>
+                        <m:r>
+                          <a:rPr lang="pt-BR" b="0" i="1" smtClean="0">
+                            <a:latin typeface="Cambria Math" panose="02040503050406030204" pitchFamily="18" charset="0"/>
+                          </a:rPr>
+                          <m:t>𝑤</m:t>
+                        </m:r>
+                      </m:e>
+                    </m:func>
+                    <m:r>
+                      <a:rPr lang="pt-BR" b="0" i="1" smtClean="0">
+                        <a:latin typeface="Cambria Math" panose="02040503050406030204" pitchFamily="18" charset="0"/>
+                      </a:rPr>
+                      <m:t> (</m:t>
+                    </m:r>
+                    <m:f>
+                      <m:fPr>
+                        <m:ctrlPr>
+                          <a:rPr lang="pt-BR" b="0" i="1" smtClean="0">
+                            <a:latin typeface="Cambria Math" panose="02040503050406030204" pitchFamily="18" charset="0"/>
+                          </a:rPr>
+                        </m:ctrlPr>
+                      </m:fPr>
+                      <m:num>
+                        <m:r>
+                          <a:rPr lang="pt-BR" b="0" i="1" smtClean="0">
+                            <a:latin typeface="Cambria Math" panose="02040503050406030204" pitchFamily="18" charset="0"/>
+                          </a:rPr>
+                          <m:t>1</m:t>
+                        </m:r>
+                      </m:num>
+                      <m:den>
+                        <m:r>
+                          <a:rPr lang="pt-BR" b="0" i="1" smtClean="0">
+                            <a:latin typeface="Cambria Math" panose="02040503050406030204" pitchFamily="18" charset="0"/>
+                          </a:rPr>
+                          <m:t>2</m:t>
+                        </m:r>
+                      </m:den>
+                    </m:f>
+                    <m:sSup>
+                      <m:sSupPr>
+                        <m:ctrlPr>
+                          <a:rPr lang="pt-BR" i="1">
+                            <a:latin typeface="Cambria Math" panose="02040503050406030204" pitchFamily="18" charset="0"/>
+                            <a:ea typeface="Cambria Math" panose="02040503050406030204" pitchFamily="18" charset="0"/>
+                          </a:rPr>
+                        </m:ctrlPr>
+                      </m:sSupPr>
+                      <m:e>
+                        <m:r>
+                          <a:rPr lang="pt-BR" i="1">
+                            <a:latin typeface="Cambria Math" panose="02040503050406030204" pitchFamily="18" charset="0"/>
+                            <a:ea typeface="Cambria Math" panose="02040503050406030204" pitchFamily="18" charset="0"/>
+                          </a:rPr>
+                          <m:t>𝑥</m:t>
+                        </m:r>
+                      </m:e>
+                      <m:sup>
+                        <m:r>
+                          <a:rPr lang="pt-BR" i="1">
+                            <a:latin typeface="Cambria Math" panose="02040503050406030204" pitchFamily="18" charset="0"/>
+                            <a:ea typeface="Cambria Math" panose="02040503050406030204" pitchFamily="18" charset="0"/>
+                          </a:rPr>
+                          <m:t>𝑇</m:t>
+                        </m:r>
+                      </m:sup>
+                    </m:sSup>
+                    <m:r>
+                      <m:rPr>
+                        <m:sty m:val="p"/>
+                      </m:rPr>
+                      <a:rPr lang="el-GR" i="1">
+                        <a:latin typeface="Cambria Math" panose="02040503050406030204" pitchFamily="18" charset="0"/>
+                        <a:ea typeface="Cambria Math" panose="02040503050406030204" pitchFamily="18" charset="0"/>
+                      </a:rPr>
+                      <m:t>Σ</m:t>
+                    </m:r>
+                    <m:r>
+                      <a:rPr lang="pt-BR" i="1">
+                        <a:latin typeface="Cambria Math" panose="02040503050406030204" pitchFamily="18" charset="0"/>
+                        <a:ea typeface="Cambria Math" panose="02040503050406030204" pitchFamily="18" charset="0"/>
+                      </a:rPr>
+                      <m:t>𝑥</m:t>
+                    </m:r>
+                    <m:r>
+                      <a:rPr lang="pt-BR" b="0" i="1" smtClean="0">
+                        <a:latin typeface="Cambria Math" panose="02040503050406030204" pitchFamily="18" charset="0"/>
+                        <a:ea typeface="Cambria Math" panose="02040503050406030204" pitchFamily="18" charset="0"/>
+                      </a:rPr>
+                      <m:t>−</m:t>
+                    </m:r>
+                    <m:f>
+                      <m:fPr>
+                        <m:ctrlPr>
+                          <a:rPr lang="pt-BR" b="0" i="1" smtClean="0">
+                            <a:latin typeface="Cambria Math" panose="02040503050406030204" pitchFamily="18" charset="0"/>
+                            <a:ea typeface="Cambria Math" panose="02040503050406030204" pitchFamily="18" charset="0"/>
+                          </a:rPr>
+                        </m:ctrlPr>
+                      </m:fPr>
+                      <m:num>
+                        <m:r>
+                          <a:rPr lang="pt-BR" b="0" i="1" smtClean="0">
+                            <a:latin typeface="Cambria Math" panose="02040503050406030204" pitchFamily="18" charset="0"/>
+                            <a:ea typeface="Cambria Math" panose="02040503050406030204" pitchFamily="18" charset="0"/>
+                          </a:rPr>
+                          <m:t>1</m:t>
+                        </m:r>
+                      </m:num>
+                      <m:den>
+                        <m:r>
+                          <a:rPr lang="pt-BR" b="0" i="1" smtClean="0">
+                            <a:latin typeface="Cambria Math" panose="02040503050406030204" pitchFamily="18" charset="0"/>
+                            <a:ea typeface="Cambria Math" panose="02040503050406030204" pitchFamily="18" charset="0"/>
+                          </a:rPr>
+                          <m:t>𝛿</m:t>
+                        </m:r>
+                      </m:den>
+                    </m:f>
+                    <m:sSup>
+                      <m:sSupPr>
+                        <m:ctrlPr>
+                          <a:rPr lang="pt-BR" b="0" i="1" smtClean="0">
+                            <a:latin typeface="Cambria Math" panose="02040503050406030204" pitchFamily="18" charset="0"/>
+                            <a:ea typeface="Cambria Math" panose="02040503050406030204" pitchFamily="18" charset="0"/>
+                          </a:rPr>
+                        </m:ctrlPr>
+                      </m:sSupPr>
+                      <m:e>
+                        <m:r>
+                          <a:rPr lang="pt-BR" b="0" i="1" smtClean="0">
+                            <a:latin typeface="Cambria Math" panose="02040503050406030204" pitchFamily="18" charset="0"/>
+                            <a:ea typeface="Cambria Math" panose="02040503050406030204" pitchFamily="18" charset="0"/>
+                          </a:rPr>
+                          <m:t>𝜇</m:t>
+                        </m:r>
+                      </m:e>
+                      <m:sup>
+                        <m:r>
+                          <a:rPr lang="pt-BR" b="0" i="1" smtClean="0">
+                            <a:latin typeface="Cambria Math" panose="02040503050406030204" pitchFamily="18" charset="0"/>
+                            <a:ea typeface="Cambria Math" panose="02040503050406030204" pitchFamily="18" charset="0"/>
+                          </a:rPr>
+                          <m:t>𝑇</m:t>
+                        </m:r>
+                      </m:sup>
+                    </m:sSup>
+                    <m:r>
+                      <a:rPr lang="pt-BR" b="0" i="1" smtClean="0">
+                        <a:latin typeface="Cambria Math" panose="02040503050406030204" pitchFamily="18" charset="0"/>
+                        <a:ea typeface="Cambria Math" panose="02040503050406030204" pitchFamily="18" charset="0"/>
+                      </a:rPr>
+                      <m:t>𝑥</m:t>
+                    </m:r>
+                    <m:r>
+                      <a:rPr lang="pt-BR" b="0" i="1" smtClean="0">
+                        <a:latin typeface="Cambria Math" panose="02040503050406030204" pitchFamily="18" charset="0"/>
+                        <a:ea typeface="Cambria Math" panose="02040503050406030204" pitchFamily="18" charset="0"/>
+                      </a:rPr>
+                      <m:t>) </m:t>
+                    </m:r>
+                  </m:oMath>
+                </a14:m>
+                <a:r>
+                  <a:rPr lang="pt-BR" dirty="0"/>
+                  <a:t> </a:t>
+                </a:r>
+              </a:p>
+            </p:txBody>
+          </p:sp>
+        </mc:Choice>
+        <mc:Fallback>
+          <p:sp>
+            <p:nvSpPr>
+              <p:cNvPr id="4" name="CaixaDeTexto 3">
+                <a:extLst>
+                  <a:ext uri="{FF2B5EF4-FFF2-40B4-BE49-F238E27FC236}">
+                    <a16:creationId xmlns:a16="http://schemas.microsoft.com/office/drawing/2014/main" id="{3EF398DE-39FD-4B1D-9EAB-A2E3899956AD}"/>
+                  </a:ext>
+                </a:extLst>
+              </p:cNvPr>
+              <p:cNvSpPr txBox="1">
+                <a:spLocks noRot="1" noChangeAspect="1" noMove="1" noResize="1" noEditPoints="1" noAdjustHandles="1" noChangeArrowheads="1" noChangeShapeType="1" noTextEdit="1"/>
+              </p:cNvSpPr>
+              <p:nvPr/>
+            </p:nvSpPr>
+            <p:spPr>
+              <a:xfrm>
+                <a:off x="9057507" y="719605"/>
+                <a:ext cx="2383654" cy="391133"/>
+              </a:xfrm>
+              <a:prstGeom prst="rect">
+                <a:avLst/>
+              </a:prstGeom>
+              <a:blipFill>
+                <a:blip r:embed="rId3"/>
+                <a:stretch>
+                  <a:fillRect l="-3581" r="-1790" b="-17188"/>
+                </a:stretch>
+              </a:blipFill>
+            </p:spPr>
+            <p:txBody>
+              <a:bodyPr/>
+              <a:lstStyle/>
+              <a:p>
+                <a:r>
+                  <a:rPr lang="pt-BR">
+                    <a:noFill/>
+                  </a:rPr>
+                  <a:t> </a:t>
+                </a:r>
+              </a:p>
+            </p:txBody>
+          </p:sp>
+        </mc:Fallback>
+      </mc:AlternateContent>
+      <mc:AlternateContent xmlns:mc="http://schemas.openxmlformats.org/markup-compatibility/2006">
+        <mc:Choice xmlns:a14="http://schemas.microsoft.com/office/drawing/2010/main" Requires="a14">
+          <p:sp>
+            <p:nvSpPr>
+              <p:cNvPr id="2" name="Retângulo 1">
+                <a:extLst>
+                  <a:ext uri="{FF2B5EF4-FFF2-40B4-BE49-F238E27FC236}">
+                    <a16:creationId xmlns:a16="http://schemas.microsoft.com/office/drawing/2014/main" id="{5AE9A2C3-BA30-45DB-BAD1-16476813D63A}"/>
+                  </a:ext>
+                </a:extLst>
+              </p:cNvPr>
+              <p:cNvSpPr/>
+              <p:nvPr/>
+            </p:nvSpPr>
+            <p:spPr>
+              <a:xfrm>
+                <a:off x="9057507" y="1541456"/>
+                <a:ext cx="2383654" cy="1520160"/>
+              </a:xfrm>
+              <a:prstGeom prst="rect">
+                <a:avLst/>
+              </a:prstGeom>
+            </p:spPr>
+            <p:txBody>
+              <a:bodyPr wrap="square">
+                <a:spAutoFit/>
+              </a:bodyPr>
+              <a:lstStyle/>
+              <a:p>
+                <a:pPr/>
+                <a14:m>
+                  <m:oMathPara xmlns:m="http://schemas.openxmlformats.org/officeDocument/2006/math">
+                    <m:oMathParaPr>
+                      <m:jc m:val="left"/>
+                    </m:oMathParaPr>
+                    <m:oMath xmlns:m="http://schemas.openxmlformats.org/officeDocument/2006/math">
+                      <m:r>
+                        <a:rPr lang="pt-BR" i="1" smtClean="0">
+                          <a:latin typeface="Cambria Math" panose="02040503050406030204" pitchFamily="18" charset="0"/>
+                          <a:ea typeface="Cambria Math" panose="02040503050406030204" pitchFamily="18" charset="0"/>
+                        </a:rPr>
+                        <m:t>𝐸</m:t>
+                      </m:r>
+                      <m:r>
+                        <m:rPr>
+                          <m:nor/>
+                        </m:rPr>
+                        <a:rPr lang="pt-BR">
+                          <a:latin typeface="Cambria Math" panose="02040503050406030204" pitchFamily="18" charset="0"/>
+                          <a:ea typeface="Cambria Math" panose="02040503050406030204" pitchFamily="18" charset="0"/>
+                        </a:rPr>
+                        <m:t>[</m:t>
+                      </m:r>
+                      <m:sSub>
+                        <m:sSubPr>
+                          <m:ctrlPr>
+                            <a:rPr lang="pt-BR" i="1">
+                              <a:latin typeface="Cambria Math" panose="02040503050406030204" pitchFamily="18" charset="0"/>
+                              <a:ea typeface="Cambria Math" panose="02040503050406030204" pitchFamily="18" charset="0"/>
+                            </a:rPr>
+                          </m:ctrlPr>
+                        </m:sSubPr>
+                        <m:e>
+                          <m:r>
+                            <a:rPr lang="pt-BR" i="1">
+                              <a:latin typeface="Cambria Math" panose="02040503050406030204" pitchFamily="18" charset="0"/>
+                              <a:ea typeface="Cambria Math" panose="02040503050406030204" pitchFamily="18" charset="0"/>
+                            </a:rPr>
+                            <m:t>𝑅</m:t>
+                          </m:r>
+                        </m:e>
+                        <m:sub>
+                          <m:r>
+                            <a:rPr lang="pt-BR" i="1">
+                              <a:latin typeface="Cambria Math" panose="02040503050406030204" pitchFamily="18" charset="0"/>
+                              <a:ea typeface="Cambria Math" panose="02040503050406030204" pitchFamily="18" charset="0"/>
+                            </a:rPr>
+                            <m:t>𝑝</m:t>
+                          </m:r>
+                        </m:sub>
+                      </m:sSub>
+                      <m:r>
+                        <m:rPr>
+                          <m:nor/>
+                        </m:rPr>
+                        <a:rPr lang="pt-BR" dirty="0">
+                          <a:latin typeface="Cambria Math" panose="02040503050406030204" pitchFamily="18" charset="0"/>
+                          <a:ea typeface="Cambria Math" panose="02040503050406030204" pitchFamily="18" charset="0"/>
+                        </a:rPr>
+                        <m:t>] =</m:t>
+                      </m:r>
+                      <m:r>
+                        <m:rPr>
+                          <m:nor/>
+                        </m:rPr>
+                        <a:rPr lang="pt-BR" dirty="0" smtClean="0">
+                          <a:latin typeface="Cambria Math" panose="02040503050406030204" pitchFamily="18" charset="0"/>
+                          <a:ea typeface="Cambria Math" panose="02040503050406030204" pitchFamily="18" charset="0"/>
+                        </a:rPr>
+                        <m:t> </m:t>
+                      </m:r>
+                      <m:r>
+                        <m:rPr>
+                          <m:nor/>
+                        </m:rPr>
+                        <a:rPr lang="pt-BR" b="0" i="0" dirty="0" smtClean="0">
+                          <a:latin typeface="Cambria Math" panose="02040503050406030204" pitchFamily="18" charset="0"/>
+                          <a:ea typeface="Cambria Math" panose="02040503050406030204" pitchFamily="18" charset="0"/>
+                        </a:rPr>
+                        <m:t>0.1919</m:t>
+                      </m:r>
+                    </m:oMath>
+                  </m:oMathPara>
+                </a14:m>
+                <a:endParaRPr lang="pt-BR" dirty="0">
+                  <a:latin typeface="Cambria Math" panose="02040503050406030204" pitchFamily="18" charset="0"/>
+                  <a:ea typeface="Cambria Math" panose="02040503050406030204" pitchFamily="18" charset="0"/>
+                </a:endParaRPr>
+              </a:p>
+              <a:p>
+                <a:endParaRPr lang="pt-BR" i="1" dirty="0">
+                  <a:latin typeface="Cambria Math" panose="02040503050406030204" pitchFamily="18" charset="0"/>
+                  <a:ea typeface="Cambria Math" panose="02040503050406030204" pitchFamily="18" charset="0"/>
+                </a:endParaRPr>
+              </a:p>
+              <a:p>
+                <a:pPr/>
+                <a14:m>
+                  <m:oMathPara xmlns:m="http://schemas.openxmlformats.org/officeDocument/2006/math">
+                    <m:oMathParaPr>
+                      <m:jc m:val="left"/>
+                    </m:oMathParaPr>
+                    <m:oMath xmlns:m="http://schemas.openxmlformats.org/officeDocument/2006/math">
+                      <m:sSub>
+                        <m:sSubPr>
+                          <m:ctrlPr>
+                            <a:rPr lang="pt-BR" i="1">
+                              <a:latin typeface="Cambria Math" panose="02040503050406030204" pitchFamily="18" charset="0"/>
+                              <a:ea typeface="Cambria Math" panose="02040503050406030204" pitchFamily="18" charset="0"/>
+                            </a:rPr>
+                          </m:ctrlPr>
+                        </m:sSubPr>
+                        <m:e>
+                          <m:r>
+                            <a:rPr lang="pt-BR" i="1">
+                              <a:latin typeface="Cambria Math" panose="02040503050406030204" pitchFamily="18" charset="0"/>
+                              <a:ea typeface="Cambria Math" panose="02040503050406030204" pitchFamily="18" charset="0"/>
+                            </a:rPr>
+                            <m:t>𝜎</m:t>
+                          </m:r>
+                        </m:e>
+                        <m:sub>
+                          <m:r>
+                            <a:rPr lang="pt-BR" i="1">
+                              <a:latin typeface="Cambria Math" panose="02040503050406030204" pitchFamily="18" charset="0"/>
+                              <a:ea typeface="Cambria Math" panose="02040503050406030204" pitchFamily="18" charset="0"/>
+                            </a:rPr>
+                            <m:t>𝑝</m:t>
+                          </m:r>
+                        </m:sub>
+                      </m:sSub>
+                      <m:r>
+                        <a:rPr lang="pt-BR" i="1">
+                          <a:latin typeface="Cambria Math" panose="02040503050406030204" pitchFamily="18" charset="0"/>
+                          <a:ea typeface="Cambria Math" panose="02040503050406030204" pitchFamily="18" charset="0"/>
+                        </a:rPr>
+                        <m:t>=0.</m:t>
+                      </m:r>
+                      <m:r>
+                        <a:rPr lang="pt-BR" b="0" i="1" smtClean="0">
+                          <a:latin typeface="Cambria Math" panose="02040503050406030204" pitchFamily="18" charset="0"/>
+                          <a:ea typeface="Cambria Math" panose="02040503050406030204" pitchFamily="18" charset="0"/>
+                        </a:rPr>
+                        <m:t>2638</m:t>
+                      </m:r>
+                    </m:oMath>
+                  </m:oMathPara>
+                </a14:m>
+                <a:endParaRPr lang="pt-BR" dirty="0">
+                  <a:latin typeface="Cambria Math" panose="02040503050406030204" pitchFamily="18" charset="0"/>
+                  <a:ea typeface="Cambria Math" panose="02040503050406030204" pitchFamily="18" charset="0"/>
+                </a:endParaRPr>
+              </a:p>
+              <a:p>
+                <a:endParaRPr lang="pt-BR" dirty="0">
+                  <a:latin typeface="Cambria Math" panose="02040503050406030204" pitchFamily="18" charset="0"/>
+                  <a:ea typeface="Cambria Math" panose="02040503050406030204" pitchFamily="18" charset="0"/>
+                </a:endParaRPr>
+              </a:p>
+              <a:p>
+                <a:pPr/>
+                <a14:m>
+                  <m:oMathPara xmlns:m="http://schemas.openxmlformats.org/officeDocument/2006/math">
+                    <m:oMathParaPr>
+                      <m:jc m:val="left"/>
+                    </m:oMathParaPr>
+                    <m:oMath xmlns:m="http://schemas.openxmlformats.org/officeDocument/2006/math">
+                      <m:r>
+                        <a:rPr lang="pt-BR" i="1">
+                          <a:latin typeface="Cambria Math" panose="02040503050406030204" pitchFamily="18" charset="0"/>
+                          <a:ea typeface="Cambria Math" panose="02040503050406030204" pitchFamily="18" charset="0"/>
+                        </a:rPr>
+                        <m:t>𝑆h𝑎𝑟𝑝𝑒</m:t>
+                      </m:r>
+                      <m:r>
+                        <a:rPr lang="pt-BR" i="1">
+                          <a:latin typeface="Cambria Math" panose="02040503050406030204" pitchFamily="18" charset="0"/>
+                          <a:ea typeface="Cambria Math" panose="02040503050406030204" pitchFamily="18" charset="0"/>
+                        </a:rPr>
+                        <m:t>=0.7274</m:t>
+                      </m:r>
+                    </m:oMath>
+                  </m:oMathPara>
+                </a14:m>
+                <a:endParaRPr lang="pt-BR" dirty="0">
+                  <a:latin typeface="Cambria Math" panose="02040503050406030204" pitchFamily="18" charset="0"/>
+                  <a:ea typeface="Cambria Math" panose="02040503050406030204" pitchFamily="18" charset="0"/>
+                </a:endParaRPr>
+              </a:p>
+            </p:txBody>
+          </p:sp>
+        </mc:Choice>
+        <mc:Fallback>
+          <p:sp>
+            <p:nvSpPr>
+              <p:cNvPr id="2" name="Retângulo 1">
+                <a:extLst>
+                  <a:ext uri="{FF2B5EF4-FFF2-40B4-BE49-F238E27FC236}">
+                    <a16:creationId xmlns:a16="http://schemas.microsoft.com/office/drawing/2014/main" id="{5AE9A2C3-BA30-45DB-BAD1-16476813D63A}"/>
+                  </a:ext>
+                </a:extLst>
+              </p:cNvPr>
+              <p:cNvSpPr>
+                <a:spLocks noRot="1" noChangeAspect="1" noMove="1" noResize="1" noEditPoints="1" noAdjustHandles="1" noChangeArrowheads="1" noChangeShapeType="1" noTextEdit="1"/>
+              </p:cNvSpPr>
+              <p:nvPr/>
+            </p:nvSpPr>
+            <p:spPr>
+              <a:xfrm>
+                <a:off x="9057507" y="1541456"/>
+                <a:ext cx="2383654" cy="1520160"/>
+              </a:xfrm>
+              <a:prstGeom prst="rect">
+                <a:avLst/>
+              </a:prstGeom>
+              <a:blipFill>
+                <a:blip r:embed="rId4"/>
+                <a:stretch>
+                  <a:fillRect l="-767" b="-2811"/>
+                </a:stretch>
+              </a:blipFill>
+            </p:spPr>
+            <p:txBody>
+              <a:bodyPr/>
+              <a:lstStyle/>
+              <a:p>
+                <a:r>
+                  <a:rPr lang="pt-BR">
+                    <a:noFill/>
+                  </a:rPr>
+                  <a:t> </a:t>
+                </a:r>
+              </a:p>
+            </p:txBody>
+          </p:sp>
+        </mc:Fallback>
+      </mc:AlternateContent>
     </p:spTree>
     <p:extLst>
       <p:ext uri="{BB962C8B-B14F-4D97-AF65-F5344CB8AC3E}">
@@ -4993,7 +6486,7 @@
 </p:sld>
 </file>
 
-<file path=ppt/slides/slide5.xml><?xml version="1.0" encoding="utf-8"?>
+<file path=ppt/slides/slide6.xml><?xml version="1.0" encoding="utf-8"?>
 <p:sld xmlns:a="http://schemas.openxmlformats.org/drawingml/2006/main" xmlns:r="http://schemas.openxmlformats.org/officeDocument/2006/relationships" xmlns:p="http://schemas.openxmlformats.org/presentationml/2006/main">
   <p:cSld>
     <p:spTree>
@@ -5040,65 +6533,280 @@
           </a:prstGeom>
         </p:spPr>
       </p:pic>
-      <p:sp>
-        <p:nvSpPr>
-          <p:cNvPr id="6" name="TextBox 5">
-            <a:extLst>
-              <a:ext uri="{FF2B5EF4-FFF2-40B4-BE49-F238E27FC236}">
-                <a16:creationId xmlns:a16="http://schemas.microsoft.com/office/drawing/2014/main" id="{C3F2ECBD-72AE-1849-BFE7-4E96E7A330D1}"/>
-              </a:ext>
-            </a:extLst>
-          </p:cNvPr>
-          <p:cNvSpPr txBox="1"/>
-          <p:nvPr/>
-        </p:nvSpPr>
-        <p:spPr>
-          <a:xfrm>
-            <a:off x="8891396" y="850375"/>
-            <a:ext cx="2630720" cy="1754326"/>
-          </a:xfrm>
-          <a:prstGeom prst="rect">
-            <a:avLst/>
-          </a:prstGeom>
-          <a:noFill/>
-        </p:spPr>
-        <p:txBody>
-          <a:bodyPr wrap="none" rtlCol="0">
-            <a:spAutoFit/>
-          </a:bodyPr>
-          <a:lstStyle/>
-          <a:p>
-            <a:r>
-              <a:rPr lang="en-US" dirty="0"/>
-              <a:t>Portfolio metrics (ex-ante)</a:t>
-            </a:r>
-          </a:p>
-          <a:p>
-            <a:endParaRPr lang="en-US" dirty="0"/>
-          </a:p>
-          <a:p>
-            <a:endParaRPr lang="en-US" dirty="0"/>
-          </a:p>
-          <a:p>
-            <a:r>
-              <a:rPr lang="en-US" dirty="0"/>
-              <a:t>Expected Return:</a:t>
-            </a:r>
-          </a:p>
-          <a:p>
-            <a:r>
-              <a:rPr lang="en-US" dirty="0"/>
-              <a:t>Variance:</a:t>
-            </a:r>
-          </a:p>
-          <a:p>
-            <a:r>
-              <a:rPr lang="en-US" dirty="0"/>
-              <a:t>Sharpe: </a:t>
-            </a:r>
-          </a:p>
-        </p:txBody>
-      </p:sp>
+      <mc:AlternateContent xmlns:mc="http://schemas.openxmlformats.org/markup-compatibility/2006">
+        <mc:Choice xmlns:a14="http://schemas.microsoft.com/office/drawing/2010/main" Requires="a14">
+          <p:sp>
+            <p:nvSpPr>
+              <p:cNvPr id="2" name="Retângulo 1">
+                <a:extLst>
+                  <a:ext uri="{FF2B5EF4-FFF2-40B4-BE49-F238E27FC236}">
+                    <a16:creationId xmlns:a16="http://schemas.microsoft.com/office/drawing/2014/main" id="{CE03D89F-A882-41DC-B584-0182D7006262}"/>
+                  </a:ext>
+                </a:extLst>
+              </p:cNvPr>
+              <p:cNvSpPr/>
+              <p:nvPr/>
+            </p:nvSpPr>
+            <p:spPr>
+              <a:xfrm>
+                <a:off x="8652399" y="822270"/>
+                <a:ext cx="3197005" cy="1520160"/>
+              </a:xfrm>
+              <a:prstGeom prst="rect">
+                <a:avLst/>
+              </a:prstGeom>
+            </p:spPr>
+            <p:txBody>
+              <a:bodyPr wrap="square">
+                <a:spAutoFit/>
+              </a:bodyPr>
+              <a:lstStyle/>
+              <a:p>
+                <a:pPr/>
+                <a14:m>
+                  <m:oMathPara xmlns:m="http://schemas.openxmlformats.org/officeDocument/2006/math">
+                    <m:oMathParaPr>
+                      <m:jc m:val="left"/>
+                    </m:oMathParaPr>
+                    <m:oMath xmlns:m="http://schemas.openxmlformats.org/officeDocument/2006/math">
+                      <m:r>
+                        <a:rPr lang="pt-BR" i="1" smtClean="0">
+                          <a:latin typeface="Cambria Math" panose="02040503050406030204" pitchFamily="18" charset="0"/>
+                          <a:ea typeface="Cambria Math" panose="02040503050406030204" pitchFamily="18" charset="0"/>
+                        </a:rPr>
+                        <m:t>𝐸</m:t>
+                      </m:r>
+                      <m:r>
+                        <m:rPr>
+                          <m:nor/>
+                        </m:rPr>
+                        <a:rPr lang="pt-BR">
+                          <a:latin typeface="Cambria Math" panose="02040503050406030204" pitchFamily="18" charset="0"/>
+                          <a:ea typeface="Cambria Math" panose="02040503050406030204" pitchFamily="18" charset="0"/>
+                        </a:rPr>
+                        <m:t>[</m:t>
+                      </m:r>
+                      <m:sSub>
+                        <m:sSubPr>
+                          <m:ctrlPr>
+                            <a:rPr lang="pt-BR" i="1">
+                              <a:latin typeface="Cambria Math" panose="02040503050406030204" pitchFamily="18" charset="0"/>
+                              <a:ea typeface="Cambria Math" panose="02040503050406030204" pitchFamily="18" charset="0"/>
+                            </a:rPr>
+                          </m:ctrlPr>
+                        </m:sSubPr>
+                        <m:e>
+                          <m:r>
+                            <a:rPr lang="pt-BR" i="1">
+                              <a:latin typeface="Cambria Math" panose="02040503050406030204" pitchFamily="18" charset="0"/>
+                              <a:ea typeface="Cambria Math" panose="02040503050406030204" pitchFamily="18" charset="0"/>
+                            </a:rPr>
+                            <m:t>𝑅</m:t>
+                          </m:r>
+                        </m:e>
+                        <m:sub>
+                          <m:r>
+                            <a:rPr lang="pt-BR" i="1">
+                              <a:latin typeface="Cambria Math" panose="02040503050406030204" pitchFamily="18" charset="0"/>
+                              <a:ea typeface="Cambria Math" panose="02040503050406030204" pitchFamily="18" charset="0"/>
+                            </a:rPr>
+                            <m:t>𝑝</m:t>
+                          </m:r>
+                        </m:sub>
+                      </m:sSub>
+                      <m:r>
+                        <m:rPr>
+                          <m:nor/>
+                        </m:rPr>
+                        <a:rPr lang="pt-BR" dirty="0">
+                          <a:latin typeface="Cambria Math" panose="02040503050406030204" pitchFamily="18" charset="0"/>
+                          <a:ea typeface="Cambria Math" panose="02040503050406030204" pitchFamily="18" charset="0"/>
+                        </a:rPr>
+                        <m:t>] =</m:t>
+                      </m:r>
+                      <m:r>
+                        <m:rPr>
+                          <m:nor/>
+                        </m:rPr>
+                        <a:rPr lang="pt-BR" dirty="0">
+                          <a:latin typeface="Cambria Math" panose="02040503050406030204" pitchFamily="18" charset="0"/>
+                          <a:ea typeface="Cambria Math" panose="02040503050406030204" pitchFamily="18" charset="0"/>
+                        </a:rPr>
+                        <m:t> 0.</m:t>
+                      </m:r>
+                      <m:r>
+                        <m:rPr>
+                          <m:nor/>
+                        </m:rPr>
+                        <a:rPr lang="pt-BR" b="0" i="0" dirty="0" smtClean="0">
+                          <a:latin typeface="Cambria Math" panose="02040503050406030204" pitchFamily="18" charset="0"/>
+                          <a:ea typeface="Cambria Math" panose="02040503050406030204" pitchFamily="18" charset="0"/>
+                        </a:rPr>
+                        <m:t>1287</m:t>
+                      </m:r>
+                    </m:oMath>
+                  </m:oMathPara>
+                </a14:m>
+                <a:endParaRPr lang="pt-BR" dirty="0">
+                  <a:latin typeface="Cambria Math" panose="02040503050406030204" pitchFamily="18" charset="0"/>
+                  <a:ea typeface="Cambria Math" panose="02040503050406030204" pitchFamily="18" charset="0"/>
+                </a:endParaRPr>
+              </a:p>
+              <a:p>
+                <a:endParaRPr lang="pt-BR" i="1" dirty="0">
+                  <a:latin typeface="Cambria Math" panose="02040503050406030204" pitchFamily="18" charset="0"/>
+                  <a:ea typeface="Cambria Math" panose="02040503050406030204" pitchFamily="18" charset="0"/>
+                </a:endParaRPr>
+              </a:p>
+              <a:p>
+                <a:pPr/>
+                <a14:m>
+                  <m:oMathPara xmlns:m="http://schemas.openxmlformats.org/officeDocument/2006/math">
+                    <m:oMathParaPr>
+                      <m:jc m:val="left"/>
+                    </m:oMathParaPr>
+                    <m:oMath xmlns:m="http://schemas.openxmlformats.org/officeDocument/2006/math">
+                      <m:sSub>
+                        <m:sSubPr>
+                          <m:ctrlPr>
+                            <a:rPr lang="pt-BR" i="1">
+                              <a:latin typeface="Cambria Math" panose="02040503050406030204" pitchFamily="18" charset="0"/>
+                              <a:ea typeface="Cambria Math" panose="02040503050406030204" pitchFamily="18" charset="0"/>
+                            </a:rPr>
+                          </m:ctrlPr>
+                        </m:sSubPr>
+                        <m:e>
+                          <m:r>
+                            <a:rPr lang="pt-BR" i="1">
+                              <a:latin typeface="Cambria Math" panose="02040503050406030204" pitchFamily="18" charset="0"/>
+                              <a:ea typeface="Cambria Math" panose="02040503050406030204" pitchFamily="18" charset="0"/>
+                            </a:rPr>
+                            <m:t>𝜎</m:t>
+                          </m:r>
+                        </m:e>
+                        <m:sub>
+                          <m:r>
+                            <a:rPr lang="pt-BR" i="1">
+                              <a:latin typeface="Cambria Math" panose="02040503050406030204" pitchFamily="18" charset="0"/>
+                              <a:ea typeface="Cambria Math" panose="02040503050406030204" pitchFamily="18" charset="0"/>
+                            </a:rPr>
+                            <m:t>𝑝</m:t>
+                          </m:r>
+                        </m:sub>
+                      </m:sSub>
+                      <m:r>
+                        <a:rPr lang="pt-BR" i="1">
+                          <a:latin typeface="Cambria Math" panose="02040503050406030204" pitchFamily="18" charset="0"/>
+                          <a:ea typeface="Cambria Math" panose="02040503050406030204" pitchFamily="18" charset="0"/>
+                        </a:rPr>
+                        <m:t>=0.</m:t>
+                      </m:r>
+                      <m:r>
+                        <a:rPr lang="pt-BR" i="1">
+                          <a:latin typeface="Cambria Math" panose="02040503050406030204" pitchFamily="18" charset="0"/>
+                          <a:ea typeface="Cambria Math" panose="02040503050406030204" pitchFamily="18" charset="0"/>
+                        </a:rPr>
+                        <m:t>2</m:t>
+                      </m:r>
+                      <m:r>
+                        <a:rPr lang="pt-BR" b="0" i="1" smtClean="0">
+                          <a:latin typeface="Cambria Math" panose="02040503050406030204" pitchFamily="18" charset="0"/>
+                          <a:ea typeface="Cambria Math" panose="02040503050406030204" pitchFamily="18" charset="0"/>
+                        </a:rPr>
+                        <m:t>542</m:t>
+                      </m:r>
+                    </m:oMath>
+                  </m:oMathPara>
+                </a14:m>
+                <a:endParaRPr lang="pt-BR" dirty="0">
+                  <a:latin typeface="Cambria Math" panose="02040503050406030204" pitchFamily="18" charset="0"/>
+                  <a:ea typeface="Cambria Math" panose="02040503050406030204" pitchFamily="18" charset="0"/>
+                </a:endParaRPr>
+              </a:p>
+              <a:p>
+                <a:endParaRPr lang="pt-BR" dirty="0">
+                  <a:latin typeface="Cambria Math" panose="02040503050406030204" pitchFamily="18" charset="0"/>
+                  <a:ea typeface="Cambria Math" panose="02040503050406030204" pitchFamily="18" charset="0"/>
+                </a:endParaRPr>
+              </a:p>
+              <a:p>
+                <a:pPr/>
+                <a14:m>
+                  <m:oMathPara xmlns:m="http://schemas.openxmlformats.org/officeDocument/2006/math">
+                    <m:oMathParaPr>
+                      <m:jc m:val="left"/>
+                    </m:oMathParaPr>
+                    <m:oMath xmlns:m="http://schemas.openxmlformats.org/officeDocument/2006/math">
+                      <m:r>
+                        <a:rPr lang="pt-BR" i="1">
+                          <a:latin typeface="Cambria Math" panose="02040503050406030204" pitchFamily="18" charset="0"/>
+                          <a:ea typeface="Cambria Math" panose="02040503050406030204" pitchFamily="18" charset="0"/>
+                        </a:rPr>
+                        <m:t>𝑆h𝑎𝑟𝑝𝑒</m:t>
+                      </m:r>
+                      <m:r>
+                        <a:rPr lang="pt-BR" i="1">
+                          <a:latin typeface="Cambria Math" panose="02040503050406030204" pitchFamily="18" charset="0"/>
+                          <a:ea typeface="Cambria Math" panose="02040503050406030204" pitchFamily="18" charset="0"/>
+                        </a:rPr>
+                        <m:t>=0.5045</m:t>
+                      </m:r>
+                    </m:oMath>
+                  </m:oMathPara>
+                </a14:m>
+                <a:endParaRPr lang="pt-BR" dirty="0">
+                  <a:latin typeface="Cambria Math" panose="02040503050406030204" pitchFamily="18" charset="0"/>
+                  <a:ea typeface="Cambria Math" panose="02040503050406030204" pitchFamily="18" charset="0"/>
+                </a:endParaRPr>
+              </a:p>
+            </p:txBody>
+          </p:sp>
+        </mc:Choice>
+        <mc:Fallback>
+          <p:sp>
+            <p:nvSpPr>
+              <p:cNvPr id="2" name="Retângulo 1">
+                <a:extLst>
+                  <a:ext uri="{FF2B5EF4-FFF2-40B4-BE49-F238E27FC236}">
+                    <a16:creationId xmlns:a16="http://schemas.microsoft.com/office/drawing/2014/main" id="{CE03D89F-A882-41DC-B584-0182D7006262}"/>
+                  </a:ext>
+                </a:extLst>
+              </p:cNvPr>
+              <p:cNvSpPr>
+                <a:spLocks noRot="1" noChangeAspect="1" noMove="1" noResize="1" noEditPoints="1" noAdjustHandles="1" noChangeArrowheads="1" noChangeShapeType="1" noTextEdit="1"/>
+              </p:cNvSpPr>
+              <p:nvPr/>
+            </p:nvSpPr>
+            <p:spPr>
+              <a:xfrm>
+                <a:off x="8652399" y="822270"/>
+                <a:ext cx="3197005" cy="1520160"/>
+              </a:xfrm>
+              <a:prstGeom prst="rect">
+                <a:avLst/>
+              </a:prstGeom>
+              <a:blipFill>
+                <a:blip r:embed="rId3"/>
+                <a:stretch>
+                  <a:fillRect l="-571" b="-2811"/>
+                </a:stretch>
+              </a:blipFill>
+            </p:spPr>
+            <p:txBody>
+              <a:bodyPr/>
+              <a:lstStyle/>
+              <a:p>
+                <a:r>
+                  <a:rPr lang="pt-BR">
+                    <a:noFill/>
+                  </a:rPr>
+                  <a:t> </a:t>
+                </a:r>
+              </a:p>
+            </p:txBody>
+          </p:sp>
+        </mc:Fallback>
+      </mc:AlternateContent>
     </p:spTree>
     <p:extLst>
       <p:ext uri="{BB962C8B-B14F-4D97-AF65-F5344CB8AC3E}">
@@ -5112,7 +6820,7 @@
 </p:sld>
 </file>
 
-<file path=ppt/slides/slide6.xml><?xml version="1.0" encoding="utf-8"?>
+<file path=ppt/slides/slide7.xml><?xml version="1.0" encoding="utf-8"?>
 <p:sld xmlns:a="http://schemas.openxmlformats.org/drawingml/2006/main" xmlns:r="http://schemas.openxmlformats.org/officeDocument/2006/relationships" xmlns:p="http://schemas.openxmlformats.org/presentationml/2006/main">
   <p:cSld>
     <p:spTree>
@@ -5129,83 +6837,391 @@
           <a:chExt cx="0" cy="0"/>
         </a:xfrm>
       </p:grpSpPr>
-      <p:sp>
-        <p:nvSpPr>
-          <p:cNvPr id="2" name="Title 1">
+      <p:pic>
+        <p:nvPicPr>
+          <p:cNvPr id="2" name="Imagem 1">
             <a:extLst>
               <a:ext uri="{FF2B5EF4-FFF2-40B4-BE49-F238E27FC236}">
-                <a16:creationId xmlns:a16="http://schemas.microsoft.com/office/drawing/2014/main" id="{084D8F4C-B754-E745-AAC8-57E8CD7B97DB}"/>
+                <a16:creationId xmlns:a16="http://schemas.microsoft.com/office/drawing/2014/main" id="{BE7B4DE8-A420-4259-865C-ED877C6262F1}"/>
               </a:ext>
             </a:extLst>
           </p:cNvPr>
-          <p:cNvSpPr>
-            <a:spLocks noGrp="1"/>
-          </p:cNvSpPr>
+          <p:cNvPicPr>
+            <a:picLocks noChangeAspect="1"/>
+          </p:cNvPicPr>
+          <p:nvPr/>
+        </p:nvPicPr>
+        <p:blipFill>
+          <a:blip r:embed="rId2"/>
+          <a:stretch>
+            <a:fillRect/>
+          </a:stretch>
+        </p:blipFill>
+        <p:spPr>
+          <a:xfrm>
+            <a:off x="8615008" y="1621218"/>
+            <a:ext cx="3179343" cy="1267420"/>
+          </a:xfrm>
+          <a:prstGeom prst="rect">
+            <a:avLst/>
+          </a:prstGeom>
+        </p:spPr>
+      </p:pic>
+      <p:pic>
+        <p:nvPicPr>
+          <p:cNvPr id="7" name="Espaço Reservado para Conteúdo 6" descr="Gráfico, Gráfico de barras&#10;&#10;Descrição gerada automaticamente">
+            <a:extLst>
+              <a:ext uri="{FF2B5EF4-FFF2-40B4-BE49-F238E27FC236}">
+                <a16:creationId xmlns:a16="http://schemas.microsoft.com/office/drawing/2014/main" id="{5B92C389-8A0E-44C9-9C29-06E56D803143}"/>
+              </a:ext>
+            </a:extLst>
+          </p:cNvPr>
+          <p:cNvPicPr>
+            <a:picLocks noGrp="1" noChangeAspect="1"/>
+          </p:cNvPicPr>
           <p:nvPr>
-            <p:ph type="title"/>
+            <p:ph idx="1"/>
           </p:nvPr>
+        </p:nvPicPr>
+        <p:blipFill>
+          <a:blip r:embed="rId3"/>
+          <a:stretch>
+            <a:fillRect/>
+          </a:stretch>
+        </p:blipFill>
+        <p:spPr>
+          <a:xfrm>
+            <a:off x="0" y="-27417"/>
+            <a:ext cx="8615008" cy="6892006"/>
+          </a:xfrm>
+        </p:spPr>
+      </p:pic>
+      <p:sp>
+        <p:nvSpPr>
+          <p:cNvPr id="9" name="CaixaDeTexto 8">
+            <a:extLst>
+              <a:ext uri="{FF2B5EF4-FFF2-40B4-BE49-F238E27FC236}">
+                <a16:creationId xmlns:a16="http://schemas.microsoft.com/office/drawing/2014/main" id="{824B2483-659B-487E-8601-C6FA4B3D64C2}"/>
+              </a:ext>
+            </a:extLst>
+          </p:cNvPr>
+          <p:cNvSpPr txBox="1"/>
+          <p:nvPr/>
         </p:nvSpPr>
         <p:spPr>
           <a:xfrm>
-            <a:off x="0" y="0"/>
-            <a:ext cx="10515600" cy="762635"/>
+            <a:off x="8916850" y="701336"/>
+            <a:ext cx="2304525" cy="646331"/>
           </a:xfrm>
+          <a:prstGeom prst="rect">
+            <a:avLst/>
+          </a:prstGeom>
+          <a:noFill/>
         </p:spPr>
         <p:txBody>
-          <a:bodyPr/>
+          <a:bodyPr wrap="square" rtlCol="0">
+            <a:spAutoFit/>
+          </a:bodyPr>
           <a:lstStyle/>
           <a:p>
             <a:r>
-              <a:rPr lang="en-US" dirty="0"/>
-              <a:t>Risk-Contribution</a:t>
+              <a:rPr lang="pt-BR" dirty="0" err="1"/>
+              <a:t>Long-only</a:t>
+            </a:r>
+            <a:r>
+              <a:rPr lang="pt-BR" dirty="0"/>
+              <a:t> </a:t>
+            </a:r>
+            <a:r>
+              <a:rPr lang="pt-BR" dirty="0" err="1"/>
+              <a:t>formulation</a:t>
+            </a:r>
+            <a:r>
+              <a:rPr lang="pt-BR" dirty="0"/>
+              <a:t> (</a:t>
+            </a:r>
+            <a:r>
+              <a:rPr lang="pt-BR" dirty="0" err="1"/>
+              <a:t>Maillard</a:t>
+            </a:r>
+            <a:r>
+              <a:rPr lang="pt-BR" dirty="0"/>
+              <a:t> et al. 2009)</a:t>
             </a:r>
           </a:p>
         </p:txBody>
       </p:sp>
-      <p:sp>
-        <p:nvSpPr>
-          <p:cNvPr id="3" name="Content Placeholder 2">
-            <a:extLst>
-              <a:ext uri="{FF2B5EF4-FFF2-40B4-BE49-F238E27FC236}">
-                <a16:creationId xmlns:a16="http://schemas.microsoft.com/office/drawing/2014/main" id="{3A83088E-021A-1C4A-96E7-D1EF2960BD96}"/>
-              </a:ext>
-            </a:extLst>
-          </p:cNvPr>
-          <p:cNvSpPr>
-            <a:spLocks noGrp="1"/>
-          </p:cNvSpPr>
-          <p:nvPr>
-            <p:ph idx="1"/>
-          </p:nvPr>
-        </p:nvSpPr>
-        <p:spPr/>
-        <p:txBody>
-          <a:bodyPr/>
-          <a:lstStyle/>
-          <a:p>
-            <a:r>
-              <a:rPr lang="en-US" dirty="0"/>
-              <a:t>Risk Contribution</a:t>
-            </a:r>
-          </a:p>
-          <a:p>
-            <a:r>
-              <a:rPr lang="en-US" dirty="0"/>
-              <a:t>Relative Risk Contribution</a:t>
-            </a:r>
-          </a:p>
-          <a:p>
-            <a:r>
-              <a:rPr lang="en-US" dirty="0"/>
-              <a:t>Formulas</a:t>
-            </a:r>
-          </a:p>
-        </p:txBody>
-      </p:sp>
+      <mc:AlternateContent xmlns:mc="http://schemas.openxmlformats.org/markup-compatibility/2006">
+        <mc:Choice xmlns:a14="http://schemas.microsoft.com/office/drawing/2010/main" Requires="a14">
+          <p:sp>
+            <p:nvSpPr>
+              <p:cNvPr id="10" name="Retângulo 9">
+                <a:extLst>
+                  <a:ext uri="{FF2B5EF4-FFF2-40B4-BE49-F238E27FC236}">
+                    <a16:creationId xmlns:a16="http://schemas.microsoft.com/office/drawing/2014/main" id="{1A00B855-08E7-4907-B77B-AE3DDB2787A2}"/>
+                  </a:ext>
+                </a:extLst>
+              </p:cNvPr>
+              <p:cNvSpPr/>
+              <p:nvPr/>
+            </p:nvSpPr>
+            <p:spPr>
+              <a:xfrm>
+                <a:off x="8615008" y="3777193"/>
+                <a:ext cx="3444208" cy="1520160"/>
+              </a:xfrm>
+              <a:prstGeom prst="rect">
+                <a:avLst/>
+              </a:prstGeom>
+            </p:spPr>
+            <p:txBody>
+              <a:bodyPr wrap="square">
+                <a:spAutoFit/>
+              </a:bodyPr>
+              <a:lstStyle/>
+              <a:p>
+                <a:pPr/>
+                <a14:m>
+                  <m:oMathPara xmlns:m="http://schemas.openxmlformats.org/officeDocument/2006/math">
+                    <m:oMathParaPr>
+                      <m:jc m:val="left"/>
+                    </m:oMathParaPr>
+                    <m:oMath xmlns:m="http://schemas.openxmlformats.org/officeDocument/2006/math">
+                      <m:r>
+                        <a:rPr lang="pt-BR" i="1" smtClean="0">
+                          <a:latin typeface="Cambria Math" panose="02040503050406030204" pitchFamily="18" charset="0"/>
+                          <a:ea typeface="Cambria Math" panose="02040503050406030204" pitchFamily="18" charset="0"/>
+                        </a:rPr>
+                        <m:t>𝐸</m:t>
+                      </m:r>
+                      <m:r>
+                        <m:rPr>
+                          <m:nor/>
+                        </m:rPr>
+                        <a:rPr lang="pt-BR">
+                          <a:latin typeface="Cambria Math" panose="02040503050406030204" pitchFamily="18" charset="0"/>
+                          <a:ea typeface="Cambria Math" panose="02040503050406030204" pitchFamily="18" charset="0"/>
+                        </a:rPr>
+                        <m:t>[</m:t>
+                      </m:r>
+                      <m:sSub>
+                        <m:sSubPr>
+                          <m:ctrlPr>
+                            <a:rPr lang="pt-BR" i="1">
+                              <a:latin typeface="Cambria Math" panose="02040503050406030204" pitchFamily="18" charset="0"/>
+                              <a:ea typeface="Cambria Math" panose="02040503050406030204" pitchFamily="18" charset="0"/>
+                            </a:rPr>
+                          </m:ctrlPr>
+                        </m:sSubPr>
+                        <m:e>
+                          <m:r>
+                            <a:rPr lang="pt-BR" i="1">
+                              <a:latin typeface="Cambria Math" panose="02040503050406030204" pitchFamily="18" charset="0"/>
+                              <a:ea typeface="Cambria Math" panose="02040503050406030204" pitchFamily="18" charset="0"/>
+                            </a:rPr>
+                            <m:t>𝑅</m:t>
+                          </m:r>
+                        </m:e>
+                        <m:sub>
+                          <m:r>
+                            <a:rPr lang="pt-BR" i="1">
+                              <a:latin typeface="Cambria Math" panose="02040503050406030204" pitchFamily="18" charset="0"/>
+                              <a:ea typeface="Cambria Math" panose="02040503050406030204" pitchFamily="18" charset="0"/>
+                            </a:rPr>
+                            <m:t>𝑝</m:t>
+                          </m:r>
+                        </m:sub>
+                      </m:sSub>
+                      <m:r>
+                        <m:rPr>
+                          <m:nor/>
+                        </m:rPr>
+                        <a:rPr lang="pt-BR" dirty="0">
+                          <a:latin typeface="Cambria Math" panose="02040503050406030204" pitchFamily="18" charset="0"/>
+                          <a:ea typeface="Cambria Math" panose="02040503050406030204" pitchFamily="18" charset="0"/>
+                        </a:rPr>
+                        <m:t>] = 0.</m:t>
+                      </m:r>
+                      <m:r>
+                        <m:rPr>
+                          <m:nor/>
+                        </m:rPr>
+                        <a:rPr lang="pt-BR" dirty="0">
+                          <a:latin typeface="Cambria Math" panose="02040503050406030204" pitchFamily="18" charset="0"/>
+                          <a:ea typeface="Cambria Math" panose="02040503050406030204" pitchFamily="18" charset="0"/>
+                        </a:rPr>
+                        <m:t>12</m:t>
+                      </m:r>
+                      <m:r>
+                        <m:rPr>
+                          <m:nor/>
+                        </m:rPr>
+                        <a:rPr lang="pt-BR" b="0" i="0" dirty="0" smtClean="0">
+                          <a:latin typeface="Cambria Math" panose="02040503050406030204" pitchFamily="18" charset="0"/>
+                          <a:ea typeface="Cambria Math" panose="02040503050406030204" pitchFamily="18" charset="0"/>
+                        </a:rPr>
+                        <m:t>78</m:t>
+                      </m:r>
+                    </m:oMath>
+                  </m:oMathPara>
+                </a14:m>
+                <a:endParaRPr lang="pt-BR" dirty="0">
+                  <a:latin typeface="Cambria Math" panose="02040503050406030204" pitchFamily="18" charset="0"/>
+                  <a:ea typeface="Cambria Math" panose="02040503050406030204" pitchFamily="18" charset="0"/>
+                </a:endParaRPr>
+              </a:p>
+              <a:p>
+                <a:endParaRPr lang="pt-BR" i="1" dirty="0">
+                  <a:latin typeface="Cambria Math" panose="02040503050406030204" pitchFamily="18" charset="0"/>
+                  <a:ea typeface="Cambria Math" panose="02040503050406030204" pitchFamily="18" charset="0"/>
+                </a:endParaRPr>
+              </a:p>
+              <a:p>
+                <a:pPr/>
+                <a14:m>
+                  <m:oMathPara xmlns:m="http://schemas.openxmlformats.org/officeDocument/2006/math">
+                    <m:oMathParaPr>
+                      <m:jc m:val="left"/>
+                    </m:oMathParaPr>
+                    <m:oMath xmlns:m="http://schemas.openxmlformats.org/officeDocument/2006/math">
+                      <m:sSub>
+                        <m:sSubPr>
+                          <m:ctrlPr>
+                            <a:rPr lang="pt-BR" i="1">
+                              <a:latin typeface="Cambria Math" panose="02040503050406030204" pitchFamily="18" charset="0"/>
+                              <a:ea typeface="Cambria Math" panose="02040503050406030204" pitchFamily="18" charset="0"/>
+                            </a:rPr>
+                          </m:ctrlPr>
+                        </m:sSubPr>
+                        <m:e>
+                          <m:r>
+                            <a:rPr lang="pt-BR" i="1">
+                              <a:latin typeface="Cambria Math" panose="02040503050406030204" pitchFamily="18" charset="0"/>
+                              <a:ea typeface="Cambria Math" panose="02040503050406030204" pitchFamily="18" charset="0"/>
+                            </a:rPr>
+                            <m:t>𝜎</m:t>
+                          </m:r>
+                        </m:e>
+                        <m:sub>
+                          <m:r>
+                            <a:rPr lang="pt-BR" i="1">
+                              <a:latin typeface="Cambria Math" panose="02040503050406030204" pitchFamily="18" charset="0"/>
+                              <a:ea typeface="Cambria Math" panose="02040503050406030204" pitchFamily="18" charset="0"/>
+                            </a:rPr>
+                            <m:t>𝑝</m:t>
+                          </m:r>
+                        </m:sub>
+                      </m:sSub>
+                      <m:r>
+                        <a:rPr lang="pt-BR" i="1">
+                          <a:latin typeface="Cambria Math" panose="02040503050406030204" pitchFamily="18" charset="0"/>
+                          <a:ea typeface="Cambria Math" panose="02040503050406030204" pitchFamily="18" charset="0"/>
+                        </a:rPr>
+                        <m:t>=0.2</m:t>
+                      </m:r>
+                      <m:r>
+                        <a:rPr lang="pt-BR" b="0" i="1" smtClean="0">
+                          <a:latin typeface="Cambria Math" panose="02040503050406030204" pitchFamily="18" charset="0"/>
+                          <a:ea typeface="Cambria Math" panose="02040503050406030204" pitchFamily="18" charset="0"/>
+                        </a:rPr>
+                        <m:t>348</m:t>
+                      </m:r>
+                    </m:oMath>
+                  </m:oMathPara>
+                </a14:m>
+                <a:endParaRPr lang="pt-BR" dirty="0">
+                  <a:latin typeface="Cambria Math" panose="02040503050406030204" pitchFamily="18" charset="0"/>
+                  <a:ea typeface="Cambria Math" panose="02040503050406030204" pitchFamily="18" charset="0"/>
+                </a:endParaRPr>
+              </a:p>
+              <a:p>
+                <a:endParaRPr lang="pt-BR" dirty="0">
+                  <a:latin typeface="Cambria Math" panose="02040503050406030204" pitchFamily="18" charset="0"/>
+                  <a:ea typeface="Cambria Math" panose="02040503050406030204" pitchFamily="18" charset="0"/>
+                </a:endParaRPr>
+              </a:p>
+              <a:p>
+                <a:pPr/>
+                <a14:m>
+                  <m:oMathPara xmlns:m="http://schemas.openxmlformats.org/officeDocument/2006/math">
+                    <m:oMathParaPr>
+                      <m:jc m:val="left"/>
+                    </m:oMathParaPr>
+                    <m:oMath xmlns:m="http://schemas.openxmlformats.org/officeDocument/2006/math">
+                      <m:r>
+                        <a:rPr lang="pt-BR" i="1">
+                          <a:latin typeface="Cambria Math" panose="02040503050406030204" pitchFamily="18" charset="0"/>
+                          <a:ea typeface="Cambria Math" panose="02040503050406030204" pitchFamily="18" charset="0"/>
+                        </a:rPr>
+                        <m:t>𝑆h𝑎𝑟𝑝𝑒</m:t>
+                      </m:r>
+                      <m:r>
+                        <a:rPr lang="pt-BR" i="1">
+                          <a:latin typeface="Cambria Math" panose="02040503050406030204" pitchFamily="18" charset="0"/>
+                          <a:ea typeface="Cambria Math" panose="02040503050406030204" pitchFamily="18" charset="0"/>
+                        </a:rPr>
+                        <m:t>=0.5446</m:t>
+                      </m:r>
+                    </m:oMath>
+                  </m:oMathPara>
+                </a14:m>
+                <a:endParaRPr lang="pt-BR" dirty="0">
+                  <a:latin typeface="Cambria Math" panose="02040503050406030204" pitchFamily="18" charset="0"/>
+                  <a:ea typeface="Cambria Math" panose="02040503050406030204" pitchFamily="18" charset="0"/>
+                </a:endParaRPr>
+              </a:p>
+            </p:txBody>
+          </p:sp>
+        </mc:Choice>
+        <mc:Fallback>
+          <p:sp>
+            <p:nvSpPr>
+              <p:cNvPr id="10" name="Retângulo 9">
+                <a:extLst>
+                  <a:ext uri="{FF2B5EF4-FFF2-40B4-BE49-F238E27FC236}">
+                    <a16:creationId xmlns:a16="http://schemas.microsoft.com/office/drawing/2014/main" id="{1A00B855-08E7-4907-B77B-AE3DDB2787A2}"/>
+                  </a:ext>
+                </a:extLst>
+              </p:cNvPr>
+              <p:cNvSpPr>
+                <a:spLocks noRot="1" noChangeAspect="1" noMove="1" noResize="1" noEditPoints="1" noAdjustHandles="1" noChangeArrowheads="1" noChangeShapeType="1" noTextEdit="1"/>
+              </p:cNvSpPr>
+              <p:nvPr/>
+            </p:nvSpPr>
+            <p:spPr>
+              <a:xfrm>
+                <a:off x="8615008" y="3777193"/>
+                <a:ext cx="3444208" cy="1520160"/>
+              </a:xfrm>
+              <a:prstGeom prst="rect">
+                <a:avLst/>
+              </a:prstGeom>
+              <a:blipFill>
+                <a:blip r:embed="rId4"/>
+                <a:stretch>
+                  <a:fillRect l="-531" b="-2811"/>
+                </a:stretch>
+              </a:blipFill>
+            </p:spPr>
+            <p:txBody>
+              <a:bodyPr/>
+              <a:lstStyle/>
+              <a:p>
+                <a:r>
+                  <a:rPr lang="pt-BR">
+                    <a:noFill/>
+                  </a:rPr>
+                  <a:t> </a:t>
+                </a:r>
+              </a:p>
+            </p:txBody>
+          </p:sp>
+        </mc:Fallback>
+      </mc:AlternateContent>
     </p:spTree>
     <p:extLst>
       <p:ext uri="{BB962C8B-B14F-4D97-AF65-F5344CB8AC3E}">
-        <p14:creationId xmlns:p14="http://schemas.microsoft.com/office/powerpoint/2010/main" val="428551203"/>
+        <p14:creationId xmlns:p14="http://schemas.microsoft.com/office/powerpoint/2010/main" val="1201955624"/>
       </p:ext>
     </p:extLst>
   </p:cSld>
@@ -5215,7 +7231,7 @@
 </p:sld>
 </file>
 
-<file path=ppt/slides/slide7.xml><?xml version="1.0" encoding="utf-8"?>
+<file path=ppt/slides/slide8.xml><?xml version="1.0" encoding="utf-8"?>
 <p:sld xmlns:a="http://schemas.openxmlformats.org/drawingml/2006/main" xmlns:r="http://schemas.openxmlformats.org/officeDocument/2006/relationships" xmlns:p="http://schemas.openxmlformats.org/presentationml/2006/main">
   <p:cSld>
     <p:spTree>
@@ -5250,8 +7266,8 @@
         </p:nvSpPr>
         <p:spPr>
           <a:xfrm>
-            <a:off x="0" y="30480"/>
-            <a:ext cx="10515600" cy="997745"/>
+            <a:off x="831541" y="163644"/>
+            <a:ext cx="10528917" cy="733000"/>
           </a:xfrm>
         </p:spPr>
         <p:txBody>
@@ -5261,87 +7277,25 @@
           <a:lstStyle/>
           <a:p>
             <a:r>
-              <a:rPr lang="en-US" dirty="0"/>
-              <a:t>Risk-Parity: Long-only (</a:t>
-            </a:r>
-            <a:r>
-              <a:rPr lang="en-GB" dirty="0"/>
-              <a:t>Maillard et. al, 2009)  </a:t>
-            </a:r>
-            <a:endParaRPr lang="en-US" dirty="0"/>
+              <a:rPr lang="en-US" sz="3000" dirty="0"/>
+              <a:t>Sequential minimum-variance risk parity algorithm (Bai et al. 2013)</a:t>
+            </a:r>
           </a:p>
         </p:txBody>
       </p:sp>
-      <p:sp>
-        <p:nvSpPr>
-          <p:cNvPr id="3" name="Content Placeholder 2">
+      <p:pic>
+        <p:nvPicPr>
+          <p:cNvPr id="5" name="Imagem 4">
             <a:extLst>
               <a:ext uri="{FF2B5EF4-FFF2-40B4-BE49-F238E27FC236}">
-                <a16:creationId xmlns:a16="http://schemas.microsoft.com/office/drawing/2014/main" id="{4C9DCE42-4B3F-6D43-B29F-D98D8278C4C8}"/>
-              </a:ext>
-            </a:extLst>
-          </p:cNvPr>
-          <p:cNvSpPr>
-            <a:spLocks noGrp="1"/>
-          </p:cNvSpPr>
-          <p:nvPr>
-            <p:ph idx="1"/>
-          </p:nvPr>
-        </p:nvSpPr>
-        <p:spPr/>
-        <p:txBody>
-          <a:bodyPr/>
-          <a:lstStyle/>
-          <a:p>
-            <a:endParaRPr lang="en-US" dirty="0"/>
-          </a:p>
-        </p:txBody>
-      </p:sp>
-    </p:spTree>
-    <p:extLst>
-      <p:ext uri="{BB962C8B-B14F-4D97-AF65-F5344CB8AC3E}">
-        <p14:creationId xmlns:p14="http://schemas.microsoft.com/office/powerpoint/2010/main" val="621898783"/>
-      </p:ext>
-    </p:extLst>
-  </p:cSld>
-  <p:clrMapOvr>
-    <a:masterClrMapping/>
-  </p:clrMapOvr>
-</p:sld>
-</file>
-
-<file path=ppt/slides/slide8.xml><?xml version="1.0" encoding="utf-8"?>
-<p:sld xmlns:a="http://schemas.openxmlformats.org/drawingml/2006/main" xmlns:r="http://schemas.openxmlformats.org/officeDocument/2006/relationships" xmlns:p="http://schemas.openxmlformats.org/presentationml/2006/main">
-  <p:cSld>
-    <p:spTree>
-      <p:nvGrpSpPr>
-        <p:cNvPr id="1" name=""/>
-        <p:cNvGrpSpPr/>
-        <p:nvPr/>
-      </p:nvGrpSpPr>
-      <p:grpSpPr>
-        <a:xfrm>
-          <a:off x="0" y="0"/>
-          <a:ext cx="0" cy="0"/>
-          <a:chOff x="0" y="0"/>
-          <a:chExt cx="0" cy="0"/>
-        </a:xfrm>
-      </p:grpSpPr>
-      <p:pic>
-        <p:nvPicPr>
-          <p:cNvPr id="5" name="Content Placeholder 4" descr="Chart, bar chart&#10;&#10;Description automatically generated">
-            <a:extLst>
-              <a:ext uri="{FF2B5EF4-FFF2-40B4-BE49-F238E27FC236}">
-                <a16:creationId xmlns:a16="http://schemas.microsoft.com/office/drawing/2014/main" id="{942C7E8D-CA0B-2D45-9131-5895FAE92F5B}"/>
+                <a16:creationId xmlns:a16="http://schemas.microsoft.com/office/drawing/2014/main" id="{D6AE666E-5CDC-4FE2-8474-4D12CD69086F}"/>
               </a:ext>
             </a:extLst>
           </p:cNvPr>
           <p:cNvPicPr>
-            <a:picLocks noGrp="1" noChangeAspect="1"/>
+            <a:picLocks noChangeAspect="1"/>
           </p:cNvPicPr>
-          <p:nvPr>
-            <p:ph idx="1"/>
-          </p:nvPr>
+          <p:nvPr/>
         </p:nvPicPr>
         <p:blipFill>
           <a:blip r:embed="rId2"/>
@@ -5351,74 +7305,18 @@
         </p:blipFill>
         <p:spPr>
           <a:xfrm>
-            <a:off x="42510" y="0"/>
-            <a:ext cx="8572498" cy="6857999"/>
-          </a:xfrm>
-        </p:spPr>
-      </p:pic>
-      <p:sp>
-        <p:nvSpPr>
-          <p:cNvPr id="8" name="TextBox 7">
-            <a:extLst>
-              <a:ext uri="{FF2B5EF4-FFF2-40B4-BE49-F238E27FC236}">
-                <a16:creationId xmlns:a16="http://schemas.microsoft.com/office/drawing/2014/main" id="{9698B5C9-2E3F-E241-84F0-3F39C499A457}"/>
-              </a:ext>
-            </a:extLst>
-          </p:cNvPr>
-          <p:cNvSpPr txBox="1"/>
-          <p:nvPr/>
-        </p:nvSpPr>
-        <p:spPr>
-          <a:xfrm>
-            <a:off x="8891396" y="850375"/>
-            <a:ext cx="2630720" cy="1754326"/>
+            <a:off x="216320" y="1141755"/>
+            <a:ext cx="5216814" cy="1307326"/>
           </a:xfrm>
           <a:prstGeom prst="rect">
             <a:avLst/>
           </a:prstGeom>
-          <a:noFill/>
         </p:spPr>
-        <p:txBody>
-          <a:bodyPr wrap="none" rtlCol="0">
-            <a:spAutoFit/>
-          </a:bodyPr>
-          <a:lstStyle/>
-          <a:p>
-            <a:r>
-              <a:rPr lang="en-US" dirty="0"/>
-              <a:t>Portfolio metrics (ex-ante)</a:t>
-            </a:r>
-          </a:p>
-          <a:p>
-            <a:endParaRPr lang="en-US" dirty="0"/>
-          </a:p>
-          <a:p>
-            <a:endParaRPr lang="en-US" dirty="0"/>
-          </a:p>
-          <a:p>
-            <a:r>
-              <a:rPr lang="en-US" dirty="0"/>
-              <a:t>Expected Return:</a:t>
-            </a:r>
-          </a:p>
-          <a:p>
-            <a:r>
-              <a:rPr lang="en-US" dirty="0"/>
-              <a:t>Variance:</a:t>
-            </a:r>
-          </a:p>
-          <a:p>
-            <a:r>
-              <a:rPr lang="en-US" dirty="0"/>
-              <a:t>Sharpe: </a:t>
-            </a:r>
-          </a:p>
-        </p:txBody>
-      </p:sp>
+      </p:pic>
     </p:spTree>
     <p:extLst>
       <p:ext uri="{BB962C8B-B14F-4D97-AF65-F5344CB8AC3E}">
-        <p14:creationId xmlns:p14="http://schemas.microsoft.com/office/powerpoint/2010/main" val="1201955624"/>
+        <p14:creationId xmlns:p14="http://schemas.microsoft.com/office/powerpoint/2010/main" val="621898783"/>
       </p:ext>
     </p:extLst>
   </p:cSld>
@@ -5450,7 +7348,7 @@
           <p:cNvPr id="2" name="Title 1">
             <a:extLst>
               <a:ext uri="{FF2B5EF4-FFF2-40B4-BE49-F238E27FC236}">
-                <a16:creationId xmlns:a16="http://schemas.microsoft.com/office/drawing/2014/main" id="{12E290EE-2D87-E145-98AF-3E9466023B7B}"/>
+                <a16:creationId xmlns:a16="http://schemas.microsoft.com/office/drawing/2014/main" id="{9822095D-03EA-744F-B6B2-AC48C94F7C1E}"/>
               </a:ext>
             </a:extLst>
           </p:cNvPr>
@@ -5461,47 +7359,2222 @@
             <p:ph type="title"/>
           </p:nvPr>
         </p:nvSpPr>
-        <p:spPr/>
+        <p:spPr>
+          <a:xfrm>
+            <a:off x="0" y="1"/>
+            <a:ext cx="3107184" cy="727968"/>
+          </a:xfrm>
+        </p:spPr>
         <p:txBody>
-          <a:bodyPr/>
+          <a:bodyPr>
+            <a:normAutofit/>
+          </a:bodyPr>
           <a:lstStyle/>
           <a:p>
             <a:r>
-              <a:rPr lang="en-US" dirty="0"/>
-              <a:t>Hierarchical Portfolios</a:t>
+              <a:rPr lang="en-US" sz="4000" dirty="0"/>
+              <a:t>Code snippet</a:t>
             </a:r>
           </a:p>
         </p:txBody>
       </p:sp>
       <p:sp>
         <p:nvSpPr>
-          <p:cNvPr id="3" name="Content Placeholder 2">
+          <p:cNvPr id="3" name="Retângulo 2">
             <a:extLst>
               <a:ext uri="{FF2B5EF4-FFF2-40B4-BE49-F238E27FC236}">
-                <a16:creationId xmlns:a16="http://schemas.microsoft.com/office/drawing/2014/main" id="{C889A704-4C0F-1549-8AFC-E1643BAAC124}"/>
+                <a16:creationId xmlns:a16="http://schemas.microsoft.com/office/drawing/2014/main" id="{5B83F52A-5EDD-4CFB-915F-2AC90E2FDD81}"/>
               </a:ext>
             </a:extLst>
           </p:cNvPr>
-          <p:cNvSpPr>
-            <a:spLocks noGrp="1"/>
-          </p:cNvSpPr>
-          <p:nvPr>
-            <p:ph idx="1"/>
-          </p:nvPr>
+          <p:cNvSpPr/>
+          <p:nvPr/>
         </p:nvSpPr>
-        <p:spPr/>
+        <p:spPr>
+          <a:xfrm>
+            <a:off x="3604851" y="199143"/>
+            <a:ext cx="8406636" cy="6555641"/>
+          </a:xfrm>
+          <a:prstGeom prst="rect">
+            <a:avLst/>
+          </a:prstGeom>
+        </p:spPr>
         <p:txBody>
-          <a:bodyPr/>
+          <a:bodyPr wrap="square">
+            <a:spAutoFit/>
+          </a:bodyPr>
           <a:lstStyle/>
           <a:p>
-            <a:endParaRPr lang="en-US" dirty="0"/>
+            <a:r>
+              <a:rPr lang="pt-BR" sz="1200" dirty="0">
+                <a:solidFill>
+                  <a:srgbClr val="000000"/>
+                </a:solidFill>
+                <a:latin typeface="Consolas" panose="020B0609020204030204" pitchFamily="49" charset="0"/>
+              </a:rPr>
+              <a:t>Q = </a:t>
+            </a:r>
+            <a:r>
+              <a:rPr lang="pt-BR" sz="1200" dirty="0" err="1">
+                <a:solidFill>
+                  <a:srgbClr val="000000"/>
+                </a:solidFill>
+                <a:latin typeface="Consolas" panose="020B0609020204030204" pitchFamily="49" charset="0"/>
+              </a:rPr>
+              <a:t>covariance_matrix</a:t>
+            </a:r>
+            <a:endParaRPr lang="pt-BR" sz="1200" dirty="0">
+              <a:solidFill>
+                <a:srgbClr val="000000"/>
+              </a:solidFill>
+              <a:latin typeface="Consolas" panose="020B0609020204030204" pitchFamily="49" charset="0"/>
+            </a:endParaRPr>
+          </a:p>
+          <a:p>
+            <a:br>
+              <a:rPr lang="pt-BR" sz="1200" dirty="0">
+                <a:solidFill>
+                  <a:srgbClr val="000000"/>
+                </a:solidFill>
+                <a:latin typeface="Consolas" panose="020B0609020204030204" pitchFamily="49" charset="0"/>
+              </a:rPr>
+            </a:br>
+            <a:r>
+              <a:rPr lang="pt-BR" sz="1200" dirty="0">
+                <a:solidFill>
+                  <a:srgbClr val="000000"/>
+                </a:solidFill>
+                <a:latin typeface="Consolas" panose="020B0609020204030204" pitchFamily="49" charset="0"/>
+              </a:rPr>
+              <a:t>    </a:t>
+            </a:r>
+            <a:r>
+              <a:rPr lang="pt-BR" sz="1200" dirty="0" err="1">
+                <a:solidFill>
+                  <a:srgbClr val="000000"/>
+                </a:solidFill>
+                <a:latin typeface="Consolas" panose="020B0609020204030204" pitchFamily="49" charset="0"/>
+              </a:rPr>
+              <a:t>rho_L</a:t>
+            </a:r>
+            <a:r>
+              <a:rPr lang="pt-BR" sz="1200" dirty="0">
+                <a:solidFill>
+                  <a:srgbClr val="000000"/>
+                </a:solidFill>
+                <a:latin typeface="Consolas" panose="020B0609020204030204" pitchFamily="49" charset="0"/>
+              </a:rPr>
+              <a:t> = []</a:t>
+            </a:r>
+          </a:p>
+          <a:p>
+            <a:r>
+              <a:rPr lang="pt-BR" sz="1200" dirty="0">
+                <a:solidFill>
+                  <a:srgbClr val="000000"/>
+                </a:solidFill>
+                <a:latin typeface="Consolas" panose="020B0609020204030204" pitchFamily="49" charset="0"/>
+              </a:rPr>
+              <a:t>    </a:t>
+            </a:r>
+            <a:r>
+              <a:rPr lang="pt-BR" sz="1200" dirty="0" err="1">
+                <a:solidFill>
+                  <a:srgbClr val="000000"/>
+                </a:solidFill>
+                <a:latin typeface="Consolas" panose="020B0609020204030204" pitchFamily="49" charset="0"/>
+              </a:rPr>
+              <a:t>rho_start</a:t>
+            </a:r>
+            <a:r>
+              <a:rPr lang="pt-BR" sz="1200" dirty="0">
+                <a:solidFill>
+                  <a:srgbClr val="000000"/>
+                </a:solidFill>
+                <a:latin typeface="Consolas" panose="020B0609020204030204" pitchFamily="49" charset="0"/>
+              </a:rPr>
+              <a:t> = </a:t>
+            </a:r>
+            <a:r>
+              <a:rPr lang="pt-BR" sz="1200" dirty="0">
+                <a:solidFill>
+                  <a:srgbClr val="098658"/>
+                </a:solidFill>
+                <a:latin typeface="Consolas" panose="020B0609020204030204" pitchFamily="49" charset="0"/>
+              </a:rPr>
+              <a:t>4</a:t>
+            </a:r>
+            <a:endParaRPr lang="pt-BR" sz="1200" dirty="0">
+              <a:solidFill>
+                <a:srgbClr val="000000"/>
+              </a:solidFill>
+              <a:latin typeface="Consolas" panose="020B0609020204030204" pitchFamily="49" charset="0"/>
+            </a:endParaRPr>
+          </a:p>
+          <a:p>
+            <a:r>
+              <a:rPr lang="pt-BR" sz="1200" dirty="0">
+                <a:solidFill>
+                  <a:srgbClr val="000000"/>
+                </a:solidFill>
+                <a:latin typeface="Consolas" panose="020B0609020204030204" pitchFamily="49" charset="0"/>
+              </a:rPr>
+              <a:t>    </a:t>
+            </a:r>
+            <a:r>
+              <a:rPr lang="pt-BR" sz="1200" dirty="0">
+                <a:solidFill>
+                  <a:srgbClr val="AF00DB"/>
+                </a:solidFill>
+                <a:latin typeface="Consolas" panose="020B0609020204030204" pitchFamily="49" charset="0"/>
+              </a:rPr>
+              <a:t>for</a:t>
+            </a:r>
+            <a:r>
+              <a:rPr lang="pt-BR" sz="1200" dirty="0">
+                <a:solidFill>
+                  <a:srgbClr val="000000"/>
+                </a:solidFill>
+                <a:latin typeface="Consolas" panose="020B0609020204030204" pitchFamily="49" charset="0"/>
+              </a:rPr>
+              <a:t> k </a:t>
+            </a:r>
+            <a:r>
+              <a:rPr lang="pt-BR" sz="1200" dirty="0">
+                <a:solidFill>
+                  <a:srgbClr val="0000FF"/>
+                </a:solidFill>
+                <a:latin typeface="Consolas" panose="020B0609020204030204" pitchFamily="49" charset="0"/>
+              </a:rPr>
+              <a:t>in</a:t>
+            </a:r>
+            <a:r>
+              <a:rPr lang="pt-BR" sz="1200" dirty="0">
+                <a:solidFill>
+                  <a:srgbClr val="000000"/>
+                </a:solidFill>
+                <a:latin typeface="Consolas" panose="020B0609020204030204" pitchFamily="49" charset="0"/>
+              </a:rPr>
+              <a:t> </a:t>
+            </a:r>
+            <a:r>
+              <a:rPr lang="pt-BR" sz="1200" dirty="0" err="1">
+                <a:solidFill>
+                  <a:srgbClr val="267F99"/>
+                </a:solidFill>
+                <a:latin typeface="Consolas" panose="020B0609020204030204" pitchFamily="49" charset="0"/>
+              </a:rPr>
+              <a:t>list</a:t>
+            </a:r>
+            <a:r>
+              <a:rPr lang="pt-BR" sz="1200" dirty="0">
+                <a:solidFill>
+                  <a:srgbClr val="000000"/>
+                </a:solidFill>
+                <a:latin typeface="Consolas" panose="020B0609020204030204" pitchFamily="49" charset="0"/>
+              </a:rPr>
+              <a:t>(</a:t>
+            </a:r>
+            <a:r>
+              <a:rPr lang="pt-BR" sz="1200" dirty="0">
+                <a:solidFill>
+                  <a:srgbClr val="795E26"/>
+                </a:solidFill>
+                <a:latin typeface="Consolas" panose="020B0609020204030204" pitchFamily="49" charset="0"/>
+              </a:rPr>
+              <a:t>range</a:t>
+            </a:r>
+            <a:r>
+              <a:rPr lang="pt-BR" sz="1200" dirty="0">
+                <a:solidFill>
+                  <a:srgbClr val="000000"/>
+                </a:solidFill>
+                <a:latin typeface="Consolas" panose="020B0609020204030204" pitchFamily="49" charset="0"/>
+              </a:rPr>
+              <a:t>(</a:t>
+            </a:r>
+            <a:r>
+              <a:rPr lang="pt-BR" sz="1200" dirty="0">
+                <a:solidFill>
+                  <a:srgbClr val="098658"/>
+                </a:solidFill>
+                <a:latin typeface="Consolas" panose="020B0609020204030204" pitchFamily="49" charset="0"/>
+              </a:rPr>
+              <a:t>0</a:t>
+            </a:r>
+            <a:r>
+              <a:rPr lang="pt-BR" sz="1200" dirty="0">
+                <a:solidFill>
+                  <a:srgbClr val="000000"/>
+                </a:solidFill>
+                <a:latin typeface="Consolas" panose="020B0609020204030204" pitchFamily="49" charset="0"/>
+              </a:rPr>
+              <a:t>, </a:t>
+            </a:r>
+            <a:r>
+              <a:rPr lang="pt-BR" sz="1200" dirty="0">
+                <a:solidFill>
+                  <a:srgbClr val="098658"/>
+                </a:solidFill>
+                <a:latin typeface="Consolas" panose="020B0609020204030204" pitchFamily="49" charset="0"/>
+              </a:rPr>
+              <a:t>12</a:t>
+            </a:r>
+            <a:r>
+              <a:rPr lang="pt-BR" sz="1200" dirty="0">
+                <a:solidFill>
+                  <a:srgbClr val="000000"/>
+                </a:solidFill>
+                <a:latin typeface="Consolas" panose="020B0609020204030204" pitchFamily="49" charset="0"/>
+              </a:rPr>
+              <a:t>)):</a:t>
+            </a:r>
+          </a:p>
+          <a:p>
+            <a:r>
+              <a:rPr lang="pt-BR" sz="1200" dirty="0">
+                <a:solidFill>
+                  <a:srgbClr val="000000"/>
+                </a:solidFill>
+                <a:latin typeface="Consolas" panose="020B0609020204030204" pitchFamily="49" charset="0"/>
+              </a:rPr>
+              <a:t>        </a:t>
+            </a:r>
+            <a:r>
+              <a:rPr lang="pt-BR" sz="1200" dirty="0" err="1">
+                <a:solidFill>
+                  <a:srgbClr val="000000"/>
+                </a:solidFill>
+                <a:latin typeface="Consolas" panose="020B0609020204030204" pitchFamily="49" charset="0"/>
+              </a:rPr>
+              <a:t>rho_i</a:t>
+            </a:r>
+            <a:r>
+              <a:rPr lang="pt-BR" sz="1200" dirty="0">
+                <a:solidFill>
+                  <a:srgbClr val="000000"/>
+                </a:solidFill>
+                <a:latin typeface="Consolas" panose="020B0609020204030204" pitchFamily="49" charset="0"/>
+              </a:rPr>
+              <a:t> = </a:t>
+            </a:r>
+            <a:r>
+              <a:rPr lang="pt-BR" sz="1200" dirty="0" err="1">
+                <a:solidFill>
+                  <a:srgbClr val="000000"/>
+                </a:solidFill>
+                <a:latin typeface="Consolas" panose="020B0609020204030204" pitchFamily="49" charset="0"/>
+              </a:rPr>
+              <a:t>math.pow</a:t>
+            </a:r>
+            <a:r>
+              <a:rPr lang="pt-BR" sz="1200" dirty="0">
+                <a:solidFill>
+                  <a:srgbClr val="000000"/>
+                </a:solidFill>
+                <a:latin typeface="Consolas" panose="020B0609020204030204" pitchFamily="49" charset="0"/>
+              </a:rPr>
+              <a:t>(</a:t>
+            </a:r>
+            <a:r>
+              <a:rPr lang="pt-BR" sz="1200" dirty="0">
+                <a:solidFill>
+                  <a:srgbClr val="098658"/>
+                </a:solidFill>
+                <a:latin typeface="Consolas" panose="020B0609020204030204" pitchFamily="49" charset="0"/>
+              </a:rPr>
+              <a:t>10</a:t>
+            </a:r>
+            <a:r>
+              <a:rPr lang="pt-BR" sz="1200" dirty="0">
+                <a:solidFill>
+                  <a:srgbClr val="000000"/>
+                </a:solidFill>
+                <a:latin typeface="Consolas" panose="020B0609020204030204" pitchFamily="49" charset="0"/>
+              </a:rPr>
+              <a:t>, </a:t>
+            </a:r>
+            <a:r>
+              <a:rPr lang="pt-BR" sz="1200" dirty="0" err="1">
+                <a:solidFill>
+                  <a:srgbClr val="000000"/>
+                </a:solidFill>
+                <a:latin typeface="Consolas" panose="020B0609020204030204" pitchFamily="49" charset="0"/>
+              </a:rPr>
+              <a:t>rho_start</a:t>
+            </a:r>
+            <a:r>
+              <a:rPr lang="pt-BR" sz="1200" dirty="0">
+                <a:solidFill>
+                  <a:srgbClr val="000000"/>
+                </a:solidFill>
+                <a:latin typeface="Consolas" panose="020B0609020204030204" pitchFamily="49" charset="0"/>
+              </a:rPr>
+              <a:t>)</a:t>
+            </a:r>
+          </a:p>
+          <a:p>
+            <a:r>
+              <a:rPr lang="pt-BR" sz="1200" dirty="0">
+                <a:solidFill>
+                  <a:srgbClr val="000000"/>
+                </a:solidFill>
+                <a:latin typeface="Consolas" panose="020B0609020204030204" pitchFamily="49" charset="0"/>
+              </a:rPr>
+              <a:t>        </a:t>
+            </a:r>
+            <a:r>
+              <a:rPr lang="pt-BR" sz="1200" dirty="0" err="1">
+                <a:solidFill>
+                  <a:srgbClr val="000000"/>
+                </a:solidFill>
+                <a:latin typeface="Consolas" panose="020B0609020204030204" pitchFamily="49" charset="0"/>
+              </a:rPr>
+              <a:t>rho_start</a:t>
+            </a:r>
+            <a:r>
+              <a:rPr lang="pt-BR" sz="1200" dirty="0">
+                <a:solidFill>
+                  <a:srgbClr val="000000"/>
+                </a:solidFill>
+                <a:latin typeface="Consolas" panose="020B0609020204030204" pitchFamily="49" charset="0"/>
+              </a:rPr>
+              <a:t> -= </a:t>
+            </a:r>
+            <a:r>
+              <a:rPr lang="pt-BR" sz="1200" dirty="0">
+                <a:solidFill>
+                  <a:srgbClr val="098658"/>
+                </a:solidFill>
+                <a:latin typeface="Consolas" panose="020B0609020204030204" pitchFamily="49" charset="0"/>
+              </a:rPr>
+              <a:t>1</a:t>
+            </a:r>
+            <a:endParaRPr lang="pt-BR" sz="1200" dirty="0">
+              <a:solidFill>
+                <a:srgbClr val="000000"/>
+              </a:solidFill>
+              <a:latin typeface="Consolas" panose="020B0609020204030204" pitchFamily="49" charset="0"/>
+            </a:endParaRPr>
+          </a:p>
+          <a:p>
+            <a:r>
+              <a:rPr lang="pt-BR" sz="1200" dirty="0">
+                <a:solidFill>
+                  <a:srgbClr val="000000"/>
+                </a:solidFill>
+                <a:latin typeface="Consolas" panose="020B0609020204030204" pitchFamily="49" charset="0"/>
+              </a:rPr>
+              <a:t>        </a:t>
+            </a:r>
+            <a:r>
+              <a:rPr lang="pt-BR" sz="1200" dirty="0" err="1">
+                <a:solidFill>
+                  <a:srgbClr val="000000"/>
+                </a:solidFill>
+                <a:latin typeface="Consolas" panose="020B0609020204030204" pitchFamily="49" charset="0"/>
+              </a:rPr>
+              <a:t>rho_L.append</a:t>
+            </a:r>
+            <a:r>
+              <a:rPr lang="pt-BR" sz="1200" dirty="0">
+                <a:solidFill>
+                  <a:srgbClr val="000000"/>
+                </a:solidFill>
+                <a:latin typeface="Consolas" panose="020B0609020204030204" pitchFamily="49" charset="0"/>
+              </a:rPr>
+              <a:t>(</a:t>
+            </a:r>
+            <a:r>
+              <a:rPr lang="pt-BR" sz="1200" dirty="0" err="1">
+                <a:solidFill>
+                  <a:srgbClr val="000000"/>
+                </a:solidFill>
+                <a:latin typeface="Consolas" panose="020B0609020204030204" pitchFamily="49" charset="0"/>
+              </a:rPr>
+              <a:t>rho_i</a:t>
+            </a:r>
+            <a:r>
+              <a:rPr lang="pt-BR" sz="1200" dirty="0">
+                <a:solidFill>
+                  <a:srgbClr val="000000"/>
+                </a:solidFill>
+                <a:latin typeface="Consolas" panose="020B0609020204030204" pitchFamily="49" charset="0"/>
+              </a:rPr>
+              <a:t>)</a:t>
+            </a:r>
+          </a:p>
+          <a:p>
+            <a:br>
+              <a:rPr lang="pt-BR" sz="1200" dirty="0">
+                <a:solidFill>
+                  <a:srgbClr val="000000"/>
+                </a:solidFill>
+                <a:latin typeface="Consolas" panose="020B0609020204030204" pitchFamily="49" charset="0"/>
+              </a:rPr>
+            </a:br>
+            <a:r>
+              <a:rPr lang="pt-BR" sz="1200" dirty="0">
+                <a:solidFill>
+                  <a:srgbClr val="000000"/>
+                </a:solidFill>
+                <a:latin typeface="Consolas" panose="020B0609020204030204" pitchFamily="49" charset="0"/>
+              </a:rPr>
+              <a:t>    </a:t>
+            </a:r>
+            <a:r>
+              <a:rPr lang="pt-BR" sz="1200" dirty="0" err="1">
+                <a:solidFill>
+                  <a:srgbClr val="000000"/>
+                </a:solidFill>
+                <a:latin typeface="Consolas" panose="020B0609020204030204" pitchFamily="49" charset="0"/>
+              </a:rPr>
+              <a:t>RP_solutions</a:t>
+            </a:r>
+            <a:r>
+              <a:rPr lang="pt-BR" sz="1200" dirty="0">
+                <a:solidFill>
+                  <a:srgbClr val="000000"/>
+                </a:solidFill>
+                <a:latin typeface="Consolas" panose="020B0609020204030204" pitchFamily="49" charset="0"/>
+              </a:rPr>
+              <a:t> = []</a:t>
+            </a:r>
+          </a:p>
+          <a:p>
+            <a:r>
+              <a:rPr lang="pt-BR" sz="1200" dirty="0">
+                <a:solidFill>
+                  <a:srgbClr val="000000"/>
+                </a:solidFill>
+                <a:latin typeface="Consolas" panose="020B0609020204030204" pitchFamily="49" charset="0"/>
+              </a:rPr>
+              <a:t>    </a:t>
+            </a:r>
+            <a:r>
+              <a:rPr lang="pt-BR" sz="1200" dirty="0" err="1">
+                <a:solidFill>
+                  <a:srgbClr val="000000"/>
+                </a:solidFill>
+                <a:latin typeface="Consolas" panose="020B0609020204030204" pitchFamily="49" charset="0"/>
+              </a:rPr>
+              <a:t>n_RP_trials</a:t>
+            </a:r>
+            <a:r>
+              <a:rPr lang="pt-BR" sz="1200" dirty="0">
+                <a:solidFill>
+                  <a:srgbClr val="000000"/>
+                </a:solidFill>
+                <a:latin typeface="Consolas" panose="020B0609020204030204" pitchFamily="49" charset="0"/>
+              </a:rPr>
+              <a:t> = </a:t>
+            </a:r>
+            <a:r>
+              <a:rPr lang="pt-BR" sz="1200" dirty="0">
+                <a:solidFill>
+                  <a:srgbClr val="098658"/>
+                </a:solidFill>
+                <a:latin typeface="Consolas" panose="020B0609020204030204" pitchFamily="49" charset="0"/>
+              </a:rPr>
+              <a:t>50</a:t>
+            </a:r>
+            <a:endParaRPr lang="pt-BR" sz="1200" dirty="0">
+              <a:solidFill>
+                <a:srgbClr val="000000"/>
+              </a:solidFill>
+              <a:latin typeface="Consolas" panose="020B0609020204030204" pitchFamily="49" charset="0"/>
+            </a:endParaRPr>
+          </a:p>
+          <a:p>
+            <a:r>
+              <a:rPr lang="pt-BR" sz="1200" dirty="0">
+                <a:solidFill>
+                  <a:srgbClr val="000000"/>
+                </a:solidFill>
+                <a:latin typeface="Consolas" panose="020B0609020204030204" pitchFamily="49" charset="0"/>
+              </a:rPr>
+              <a:t>    </a:t>
+            </a:r>
+            <a:r>
+              <a:rPr lang="pt-BR" sz="1200" dirty="0">
+                <a:solidFill>
+                  <a:srgbClr val="AF00DB"/>
+                </a:solidFill>
+                <a:latin typeface="Consolas" panose="020B0609020204030204" pitchFamily="49" charset="0"/>
+              </a:rPr>
+              <a:t>for</a:t>
+            </a:r>
+            <a:r>
+              <a:rPr lang="pt-BR" sz="1200" dirty="0">
+                <a:solidFill>
+                  <a:srgbClr val="000000"/>
+                </a:solidFill>
+                <a:latin typeface="Consolas" panose="020B0609020204030204" pitchFamily="49" charset="0"/>
+              </a:rPr>
+              <a:t> </a:t>
+            </a:r>
+            <a:r>
+              <a:rPr lang="pt-BR" sz="1200" dirty="0" err="1">
+                <a:solidFill>
+                  <a:srgbClr val="000000"/>
+                </a:solidFill>
+                <a:latin typeface="Consolas" panose="020B0609020204030204" pitchFamily="49" charset="0"/>
+              </a:rPr>
+              <a:t>rho_i</a:t>
+            </a:r>
+            <a:r>
+              <a:rPr lang="pt-BR" sz="1200" dirty="0">
+                <a:solidFill>
+                  <a:srgbClr val="000000"/>
+                </a:solidFill>
+                <a:latin typeface="Consolas" panose="020B0609020204030204" pitchFamily="49" charset="0"/>
+              </a:rPr>
+              <a:t> </a:t>
+            </a:r>
+            <a:r>
+              <a:rPr lang="pt-BR" sz="1200" dirty="0">
+                <a:solidFill>
+                  <a:srgbClr val="0000FF"/>
+                </a:solidFill>
+                <a:latin typeface="Consolas" panose="020B0609020204030204" pitchFamily="49" charset="0"/>
+              </a:rPr>
+              <a:t>in</a:t>
+            </a:r>
+            <a:r>
+              <a:rPr lang="pt-BR" sz="1200" dirty="0">
+                <a:solidFill>
+                  <a:srgbClr val="000000"/>
+                </a:solidFill>
+                <a:latin typeface="Consolas" panose="020B0609020204030204" pitchFamily="49" charset="0"/>
+              </a:rPr>
+              <a:t> </a:t>
+            </a:r>
+            <a:r>
+              <a:rPr lang="pt-BR" sz="1200" dirty="0" err="1">
+                <a:solidFill>
+                  <a:srgbClr val="000000"/>
+                </a:solidFill>
+                <a:latin typeface="Consolas" panose="020B0609020204030204" pitchFamily="49" charset="0"/>
+              </a:rPr>
+              <a:t>rho_L</a:t>
+            </a:r>
+            <a:r>
+              <a:rPr lang="pt-BR" sz="1200" dirty="0">
+                <a:solidFill>
+                  <a:srgbClr val="000000"/>
+                </a:solidFill>
+                <a:latin typeface="Consolas" panose="020B0609020204030204" pitchFamily="49" charset="0"/>
+              </a:rPr>
+              <a:t>:</a:t>
+            </a:r>
+          </a:p>
+          <a:p>
+            <a:r>
+              <a:rPr lang="pt-BR" sz="1200" dirty="0">
+                <a:solidFill>
+                  <a:srgbClr val="000000"/>
+                </a:solidFill>
+                <a:latin typeface="Consolas" panose="020B0609020204030204" pitchFamily="49" charset="0"/>
+              </a:rPr>
+              <a:t>        </a:t>
+            </a:r>
+            <a:r>
+              <a:rPr lang="pt-BR" sz="1200" dirty="0">
+                <a:solidFill>
+                  <a:srgbClr val="0000FF"/>
+                </a:solidFill>
+                <a:latin typeface="Consolas" panose="020B0609020204030204" pitchFamily="49" charset="0"/>
+              </a:rPr>
+              <a:t>print</a:t>
+            </a:r>
+            <a:r>
+              <a:rPr lang="pt-BR" sz="1200" dirty="0">
+                <a:solidFill>
+                  <a:srgbClr val="000000"/>
+                </a:solidFill>
+                <a:latin typeface="Consolas" panose="020B0609020204030204" pitchFamily="49" charset="0"/>
+              </a:rPr>
+              <a:t>(</a:t>
+            </a:r>
+            <a:r>
+              <a:rPr lang="pt-BR" sz="1200" dirty="0">
+                <a:solidFill>
+                  <a:srgbClr val="A31515"/>
+                </a:solidFill>
+                <a:latin typeface="Consolas" panose="020B0609020204030204" pitchFamily="49" charset="0"/>
+              </a:rPr>
+              <a:t>'</a:t>
+            </a:r>
+            <a:r>
+              <a:rPr lang="pt-BR" sz="1200" dirty="0">
+                <a:solidFill>
+                  <a:srgbClr val="EE0000"/>
+                </a:solidFill>
+                <a:latin typeface="Consolas" panose="020B0609020204030204" pitchFamily="49" charset="0"/>
+              </a:rPr>
+              <a:t>\n</a:t>
+            </a:r>
+            <a:r>
+              <a:rPr lang="pt-BR" sz="1200" dirty="0">
+                <a:solidFill>
+                  <a:srgbClr val="A31515"/>
+                </a:solidFill>
+                <a:latin typeface="Consolas" panose="020B0609020204030204" pitchFamily="49" charset="0"/>
+              </a:rPr>
+              <a:t>====== </a:t>
+            </a:r>
+            <a:r>
+              <a:rPr lang="pt-BR" sz="1200" dirty="0" err="1">
+                <a:solidFill>
+                  <a:srgbClr val="A31515"/>
+                </a:solidFill>
+                <a:latin typeface="Consolas" panose="020B0609020204030204" pitchFamily="49" charset="0"/>
+              </a:rPr>
+              <a:t>Rho</a:t>
+            </a:r>
+            <a:r>
+              <a:rPr lang="pt-BR" sz="1200" dirty="0">
+                <a:solidFill>
+                  <a:srgbClr val="A31515"/>
+                </a:solidFill>
+                <a:latin typeface="Consolas" panose="020B0609020204030204" pitchFamily="49" charset="0"/>
+              </a:rPr>
+              <a:t> i: {} '</a:t>
+            </a:r>
+            <a:r>
+              <a:rPr lang="pt-BR" sz="1200" dirty="0">
+                <a:solidFill>
+                  <a:srgbClr val="000000"/>
+                </a:solidFill>
+                <a:latin typeface="Consolas" panose="020B0609020204030204" pitchFamily="49" charset="0"/>
+              </a:rPr>
+              <a:t>.</a:t>
+            </a:r>
+            <a:r>
+              <a:rPr lang="pt-BR" sz="1200" dirty="0" err="1">
+                <a:solidFill>
+                  <a:srgbClr val="000000"/>
+                </a:solidFill>
+                <a:latin typeface="Consolas" panose="020B0609020204030204" pitchFamily="49" charset="0"/>
+              </a:rPr>
+              <a:t>format</a:t>
+            </a:r>
+            <a:r>
+              <a:rPr lang="pt-BR" sz="1200" dirty="0">
+                <a:solidFill>
+                  <a:srgbClr val="000000"/>
+                </a:solidFill>
+                <a:latin typeface="Consolas" panose="020B0609020204030204" pitchFamily="49" charset="0"/>
+              </a:rPr>
+              <a:t>(</a:t>
+            </a:r>
+            <a:r>
+              <a:rPr lang="pt-BR" sz="1200" dirty="0" err="1">
+                <a:solidFill>
+                  <a:srgbClr val="000000"/>
+                </a:solidFill>
+                <a:latin typeface="Consolas" panose="020B0609020204030204" pitchFamily="49" charset="0"/>
+              </a:rPr>
+              <a:t>rho_i</a:t>
+            </a:r>
+            <a:r>
+              <a:rPr lang="pt-BR" sz="1200" dirty="0">
+                <a:solidFill>
+                  <a:srgbClr val="000000"/>
+                </a:solidFill>
+                <a:latin typeface="Consolas" panose="020B0609020204030204" pitchFamily="49" charset="0"/>
+              </a:rPr>
+              <a:t>))</a:t>
+            </a:r>
+          </a:p>
+          <a:p>
+            <a:r>
+              <a:rPr lang="pt-BR" sz="1200" dirty="0">
+                <a:solidFill>
+                  <a:srgbClr val="000000"/>
+                </a:solidFill>
+                <a:latin typeface="Consolas" panose="020B0609020204030204" pitchFamily="49" charset="0"/>
+              </a:rPr>
+              <a:t>        </a:t>
+            </a:r>
+            <a:r>
+              <a:rPr lang="pt-BR" sz="1200" dirty="0">
+                <a:solidFill>
+                  <a:srgbClr val="AF00DB"/>
+                </a:solidFill>
+                <a:latin typeface="Consolas" panose="020B0609020204030204" pitchFamily="49" charset="0"/>
+              </a:rPr>
+              <a:t>for</a:t>
+            </a:r>
+            <a:r>
+              <a:rPr lang="pt-BR" sz="1200" dirty="0">
+                <a:solidFill>
+                  <a:srgbClr val="000000"/>
+                </a:solidFill>
+                <a:latin typeface="Consolas" panose="020B0609020204030204" pitchFamily="49" charset="0"/>
+              </a:rPr>
+              <a:t> </a:t>
+            </a:r>
+            <a:r>
+              <a:rPr lang="pt-BR" sz="1200" dirty="0" err="1">
+                <a:solidFill>
+                  <a:srgbClr val="000000"/>
+                </a:solidFill>
+                <a:latin typeface="Consolas" panose="020B0609020204030204" pitchFamily="49" charset="0"/>
+              </a:rPr>
+              <a:t>trial</a:t>
+            </a:r>
+            <a:r>
+              <a:rPr lang="pt-BR" sz="1200" dirty="0">
+                <a:solidFill>
+                  <a:srgbClr val="000000"/>
+                </a:solidFill>
+                <a:latin typeface="Consolas" panose="020B0609020204030204" pitchFamily="49" charset="0"/>
+              </a:rPr>
+              <a:t> </a:t>
+            </a:r>
+            <a:r>
+              <a:rPr lang="pt-BR" sz="1200" dirty="0">
+                <a:solidFill>
+                  <a:srgbClr val="0000FF"/>
+                </a:solidFill>
+                <a:latin typeface="Consolas" panose="020B0609020204030204" pitchFamily="49" charset="0"/>
+              </a:rPr>
+              <a:t>in</a:t>
+            </a:r>
+            <a:r>
+              <a:rPr lang="pt-BR" sz="1200" dirty="0">
+                <a:solidFill>
+                  <a:srgbClr val="000000"/>
+                </a:solidFill>
+                <a:latin typeface="Consolas" panose="020B0609020204030204" pitchFamily="49" charset="0"/>
+              </a:rPr>
+              <a:t> </a:t>
+            </a:r>
+            <a:r>
+              <a:rPr lang="pt-BR" sz="1200" dirty="0">
+                <a:solidFill>
+                  <a:srgbClr val="795E26"/>
+                </a:solidFill>
+                <a:latin typeface="Consolas" panose="020B0609020204030204" pitchFamily="49" charset="0"/>
+              </a:rPr>
+              <a:t>range</a:t>
+            </a:r>
+            <a:r>
+              <a:rPr lang="pt-BR" sz="1200" dirty="0">
+                <a:solidFill>
+                  <a:srgbClr val="000000"/>
+                </a:solidFill>
+                <a:latin typeface="Consolas" panose="020B0609020204030204" pitchFamily="49" charset="0"/>
+              </a:rPr>
+              <a:t>(</a:t>
+            </a:r>
+            <a:r>
+              <a:rPr lang="pt-BR" sz="1200" dirty="0" err="1">
+                <a:solidFill>
+                  <a:srgbClr val="000000"/>
+                </a:solidFill>
+                <a:latin typeface="Consolas" panose="020B0609020204030204" pitchFamily="49" charset="0"/>
+              </a:rPr>
+              <a:t>n_RP_trials</a:t>
+            </a:r>
+            <a:r>
+              <a:rPr lang="pt-BR" sz="1200" dirty="0">
+                <a:solidFill>
+                  <a:srgbClr val="000000"/>
+                </a:solidFill>
+                <a:latin typeface="Consolas" panose="020B0609020204030204" pitchFamily="49" charset="0"/>
+              </a:rPr>
+              <a:t>):</a:t>
+            </a:r>
+          </a:p>
+          <a:p>
+            <a:r>
+              <a:rPr lang="pt-BR" sz="1200" dirty="0">
+                <a:solidFill>
+                  <a:srgbClr val="000000"/>
+                </a:solidFill>
+                <a:latin typeface="Consolas" panose="020B0609020204030204" pitchFamily="49" charset="0"/>
+              </a:rPr>
+              <a:t>            </a:t>
+            </a:r>
+            <a:r>
+              <a:rPr lang="pt-BR" sz="1200" dirty="0" err="1">
+                <a:solidFill>
+                  <a:srgbClr val="000000"/>
+                </a:solidFill>
+                <a:latin typeface="Consolas" panose="020B0609020204030204" pitchFamily="49" charset="0"/>
+              </a:rPr>
+              <a:t>rp_opt_dict</a:t>
+            </a:r>
+            <a:r>
+              <a:rPr lang="pt-BR" sz="1200" dirty="0">
+                <a:solidFill>
+                  <a:srgbClr val="000000"/>
+                </a:solidFill>
+                <a:latin typeface="Consolas" panose="020B0609020204030204" pitchFamily="49" charset="0"/>
+              </a:rPr>
+              <a:t> = { </a:t>
+            </a:r>
+            <a:r>
+              <a:rPr lang="pt-BR" sz="1200" dirty="0">
+                <a:solidFill>
+                  <a:srgbClr val="A31515"/>
+                </a:solidFill>
+                <a:latin typeface="Consolas" panose="020B0609020204030204" pitchFamily="49" charset="0"/>
+              </a:rPr>
+              <a:t>'</a:t>
+            </a:r>
+            <a:r>
+              <a:rPr lang="pt-BR" sz="1200" dirty="0" err="1">
+                <a:solidFill>
+                  <a:srgbClr val="A31515"/>
+                </a:solidFill>
+                <a:latin typeface="Consolas" panose="020B0609020204030204" pitchFamily="49" charset="0"/>
+              </a:rPr>
+              <a:t>covariance_matrix</a:t>
+            </a:r>
+            <a:r>
+              <a:rPr lang="pt-BR" sz="1200" dirty="0">
+                <a:solidFill>
+                  <a:srgbClr val="A31515"/>
+                </a:solidFill>
+                <a:latin typeface="Consolas" panose="020B0609020204030204" pitchFamily="49" charset="0"/>
+              </a:rPr>
+              <a:t>'</a:t>
+            </a:r>
+            <a:r>
+              <a:rPr lang="pt-BR" sz="1200" dirty="0">
+                <a:solidFill>
+                  <a:srgbClr val="000000"/>
+                </a:solidFill>
+                <a:latin typeface="Consolas" panose="020B0609020204030204" pitchFamily="49" charset="0"/>
+              </a:rPr>
+              <a:t>: Q,</a:t>
+            </a:r>
+          </a:p>
+          <a:p>
+            <a:r>
+              <a:rPr lang="pt-BR" sz="1200" dirty="0">
+                <a:solidFill>
+                  <a:srgbClr val="0451A5"/>
+                </a:solidFill>
+                <a:latin typeface="Consolas" panose="020B0609020204030204" pitchFamily="49" charset="0"/>
+              </a:rPr>
+              <a:t>                                      </a:t>
+            </a:r>
+            <a:r>
+              <a:rPr lang="pt-BR" sz="1200" dirty="0">
+                <a:solidFill>
+                  <a:srgbClr val="A31515"/>
+                </a:solidFill>
+                <a:latin typeface="Consolas" panose="020B0609020204030204" pitchFamily="49" charset="0"/>
+              </a:rPr>
+              <a:t>'</a:t>
+            </a:r>
+            <a:r>
+              <a:rPr lang="pt-BR" sz="1200" dirty="0" err="1">
+                <a:solidFill>
+                  <a:srgbClr val="A31515"/>
+                </a:solidFill>
+                <a:latin typeface="Consolas" panose="020B0609020204030204" pitchFamily="49" charset="0"/>
+              </a:rPr>
+              <a:t>LB_UB_x</a:t>
+            </a:r>
+            <a:r>
+              <a:rPr lang="pt-BR" sz="1200" dirty="0">
+                <a:solidFill>
+                  <a:srgbClr val="A31515"/>
+                </a:solidFill>
+                <a:latin typeface="Consolas" panose="020B0609020204030204" pitchFamily="49" charset="0"/>
+              </a:rPr>
+              <a:t>'</a:t>
+            </a:r>
+            <a:r>
+              <a:rPr lang="pt-BR" sz="1200" dirty="0">
+                <a:solidFill>
+                  <a:srgbClr val="000000"/>
+                </a:solidFill>
+                <a:latin typeface="Consolas" panose="020B0609020204030204" pitchFamily="49" charset="0"/>
+              </a:rPr>
+              <a:t>: </a:t>
+            </a:r>
+            <a:r>
+              <a:rPr lang="pt-BR" sz="1200" dirty="0" err="1">
+                <a:solidFill>
+                  <a:srgbClr val="267F99"/>
+                </a:solidFill>
+                <a:latin typeface="Consolas" panose="020B0609020204030204" pitchFamily="49" charset="0"/>
+              </a:rPr>
+              <a:t>tuple</a:t>
+            </a:r>
+            <a:r>
+              <a:rPr lang="pt-BR" sz="1200" dirty="0">
+                <a:solidFill>
+                  <a:srgbClr val="000000"/>
+                </a:solidFill>
+                <a:latin typeface="Consolas" panose="020B0609020204030204" pitchFamily="49" charset="0"/>
+              </a:rPr>
+              <a:t>((</a:t>
+            </a:r>
+            <a:r>
+              <a:rPr lang="pt-BR" sz="1200" dirty="0" err="1">
+                <a:solidFill>
+                  <a:srgbClr val="000000"/>
+                </a:solidFill>
+                <a:latin typeface="Consolas" panose="020B0609020204030204" pitchFamily="49" charset="0"/>
+              </a:rPr>
+              <a:t>LB_x</a:t>
+            </a:r>
+            <a:r>
+              <a:rPr lang="pt-BR" sz="1200" dirty="0">
+                <a:solidFill>
+                  <a:srgbClr val="000000"/>
+                </a:solidFill>
+                <a:latin typeface="Consolas" panose="020B0609020204030204" pitchFamily="49" charset="0"/>
+              </a:rPr>
+              <a:t>, </a:t>
+            </a:r>
+            <a:r>
+              <a:rPr lang="pt-BR" sz="1200" dirty="0" err="1">
+                <a:solidFill>
+                  <a:srgbClr val="000000"/>
+                </a:solidFill>
+                <a:latin typeface="Consolas" panose="020B0609020204030204" pitchFamily="49" charset="0"/>
+              </a:rPr>
+              <a:t>UB_x</a:t>
+            </a:r>
+            <a:r>
+              <a:rPr lang="pt-BR" sz="1200" dirty="0">
+                <a:solidFill>
+                  <a:srgbClr val="000000"/>
+                </a:solidFill>
+                <a:latin typeface="Consolas" panose="020B0609020204030204" pitchFamily="49" charset="0"/>
+              </a:rPr>
+              <a:t>)),</a:t>
+            </a:r>
+          </a:p>
+          <a:p>
+            <a:r>
+              <a:rPr lang="pt-BR" sz="1200" dirty="0">
+                <a:solidFill>
+                  <a:srgbClr val="0451A5"/>
+                </a:solidFill>
+                <a:latin typeface="Consolas" panose="020B0609020204030204" pitchFamily="49" charset="0"/>
+              </a:rPr>
+              <a:t>                                        </a:t>
+            </a:r>
+            <a:r>
+              <a:rPr lang="pt-BR" sz="1200" dirty="0">
+                <a:solidFill>
+                  <a:srgbClr val="A31515"/>
+                </a:solidFill>
+                <a:latin typeface="Consolas" panose="020B0609020204030204" pitchFamily="49" charset="0"/>
+              </a:rPr>
+              <a:t>'</a:t>
+            </a:r>
+            <a:r>
+              <a:rPr lang="pt-BR" sz="1200" dirty="0" err="1">
+                <a:solidFill>
+                  <a:srgbClr val="A31515"/>
+                </a:solidFill>
+                <a:latin typeface="Consolas" panose="020B0609020204030204" pitchFamily="49" charset="0"/>
+              </a:rPr>
+              <a:t>X_sum</a:t>
+            </a:r>
+            <a:r>
+              <a:rPr lang="pt-BR" sz="1200" dirty="0">
+                <a:solidFill>
+                  <a:srgbClr val="A31515"/>
+                </a:solidFill>
+                <a:latin typeface="Consolas" panose="020B0609020204030204" pitchFamily="49" charset="0"/>
+              </a:rPr>
+              <a:t>'</a:t>
+            </a:r>
+            <a:r>
+              <a:rPr lang="pt-BR" sz="1200" dirty="0">
+                <a:solidFill>
+                  <a:srgbClr val="000000"/>
+                </a:solidFill>
+                <a:latin typeface="Consolas" panose="020B0609020204030204" pitchFamily="49" charset="0"/>
+              </a:rPr>
+              <a:t>: </a:t>
+            </a:r>
+            <a:r>
+              <a:rPr lang="pt-BR" sz="1200" dirty="0" err="1">
+                <a:solidFill>
+                  <a:srgbClr val="000000"/>
+                </a:solidFill>
+                <a:latin typeface="Consolas" panose="020B0609020204030204" pitchFamily="49" charset="0"/>
+              </a:rPr>
+              <a:t>X_sum</a:t>
+            </a:r>
+            <a:r>
+              <a:rPr lang="pt-BR" sz="1200" dirty="0">
+                <a:solidFill>
+                  <a:srgbClr val="000000"/>
+                </a:solidFill>
+                <a:latin typeface="Consolas" panose="020B0609020204030204" pitchFamily="49" charset="0"/>
+              </a:rPr>
+              <a:t>,</a:t>
+            </a:r>
+          </a:p>
+          <a:p>
+            <a:r>
+              <a:rPr lang="pt-BR" sz="1200" dirty="0">
+                <a:solidFill>
+                  <a:srgbClr val="0451A5"/>
+                </a:solidFill>
+                <a:latin typeface="Consolas" panose="020B0609020204030204" pitchFamily="49" charset="0"/>
+              </a:rPr>
+              <a:t>                                          </a:t>
+            </a:r>
+            <a:r>
+              <a:rPr lang="pt-BR" sz="1200" dirty="0">
+                <a:solidFill>
+                  <a:srgbClr val="A31515"/>
+                </a:solidFill>
+                <a:latin typeface="Consolas" panose="020B0609020204030204" pitchFamily="49" charset="0"/>
+              </a:rPr>
+              <a:t>'</a:t>
+            </a:r>
+            <a:r>
+              <a:rPr lang="pt-BR" sz="1200" dirty="0" err="1">
+                <a:solidFill>
+                  <a:srgbClr val="A31515"/>
+                </a:solidFill>
+                <a:latin typeface="Consolas" panose="020B0609020204030204" pitchFamily="49" charset="0"/>
+              </a:rPr>
+              <a:t>rho</a:t>
+            </a:r>
+            <a:r>
+              <a:rPr lang="pt-BR" sz="1200" dirty="0">
+                <a:solidFill>
+                  <a:srgbClr val="A31515"/>
+                </a:solidFill>
+                <a:latin typeface="Consolas" panose="020B0609020204030204" pitchFamily="49" charset="0"/>
+              </a:rPr>
+              <a:t>'</a:t>
+            </a:r>
+            <a:r>
+              <a:rPr lang="pt-BR" sz="1200" dirty="0">
+                <a:solidFill>
+                  <a:srgbClr val="000000"/>
+                </a:solidFill>
+                <a:latin typeface="Consolas" panose="020B0609020204030204" pitchFamily="49" charset="0"/>
+              </a:rPr>
+              <a:t>: </a:t>
+            </a:r>
+            <a:r>
+              <a:rPr lang="pt-BR" sz="1200" dirty="0" err="1">
+                <a:solidFill>
+                  <a:srgbClr val="000000"/>
+                </a:solidFill>
+                <a:latin typeface="Consolas" panose="020B0609020204030204" pitchFamily="49" charset="0"/>
+              </a:rPr>
+              <a:t>rho_i</a:t>
+            </a:r>
+            <a:r>
+              <a:rPr lang="pt-BR" sz="1200" dirty="0">
+                <a:solidFill>
+                  <a:srgbClr val="000000"/>
+                </a:solidFill>
+                <a:latin typeface="Consolas" panose="020B0609020204030204" pitchFamily="49" charset="0"/>
+              </a:rPr>
+              <a:t>}</a:t>
+            </a:r>
+          </a:p>
+          <a:p>
+            <a:r>
+              <a:rPr lang="pt-BR" sz="1200" dirty="0">
+                <a:solidFill>
+                  <a:srgbClr val="000000"/>
+                </a:solidFill>
+                <a:latin typeface="Consolas" panose="020B0609020204030204" pitchFamily="49" charset="0"/>
+              </a:rPr>
+              <a:t>                                          </a:t>
+            </a:r>
+          </a:p>
+          <a:p>
+            <a:r>
+              <a:rPr lang="pt-BR" sz="1200" dirty="0">
+                <a:solidFill>
+                  <a:srgbClr val="000000"/>
+                </a:solidFill>
+                <a:latin typeface="Consolas" panose="020B0609020204030204" pitchFamily="49" charset="0"/>
+              </a:rPr>
+              <a:t>            </a:t>
+            </a:r>
+            <a:r>
+              <a:rPr lang="pt-BR" sz="1200" dirty="0" err="1">
+                <a:solidFill>
+                  <a:srgbClr val="000000"/>
+                </a:solidFill>
+                <a:latin typeface="Consolas" panose="020B0609020204030204" pitchFamily="49" charset="0"/>
+              </a:rPr>
+              <a:t>result</a:t>
+            </a:r>
+            <a:r>
+              <a:rPr lang="pt-BR" sz="1200" dirty="0">
+                <a:solidFill>
+                  <a:srgbClr val="000000"/>
+                </a:solidFill>
+                <a:latin typeface="Consolas" panose="020B0609020204030204" pitchFamily="49" charset="0"/>
+              </a:rPr>
+              <a:t> = </a:t>
+            </a:r>
+            <a:r>
+              <a:rPr lang="pt-BR" sz="1200" dirty="0" err="1">
+                <a:solidFill>
+                  <a:srgbClr val="000000"/>
+                </a:solidFill>
+                <a:latin typeface="Consolas" panose="020B0609020204030204" pitchFamily="49" charset="0"/>
+              </a:rPr>
+              <a:t>RP_opt</a:t>
+            </a:r>
+            <a:r>
+              <a:rPr lang="pt-BR" sz="1200" dirty="0">
+                <a:solidFill>
+                  <a:srgbClr val="000000"/>
+                </a:solidFill>
+                <a:latin typeface="Consolas" panose="020B0609020204030204" pitchFamily="49" charset="0"/>
+              </a:rPr>
+              <a:t>(**</a:t>
+            </a:r>
+            <a:r>
+              <a:rPr lang="pt-BR" sz="1200" dirty="0" err="1">
+                <a:solidFill>
+                  <a:srgbClr val="000000"/>
+                </a:solidFill>
+                <a:latin typeface="Consolas" panose="020B0609020204030204" pitchFamily="49" charset="0"/>
+              </a:rPr>
+              <a:t>rp_opt_dict</a:t>
+            </a:r>
+            <a:r>
+              <a:rPr lang="pt-BR" sz="1200" dirty="0">
+                <a:solidFill>
+                  <a:srgbClr val="000000"/>
+                </a:solidFill>
+                <a:latin typeface="Consolas" panose="020B0609020204030204" pitchFamily="49" charset="0"/>
+              </a:rPr>
+              <a:t>)</a:t>
+            </a:r>
+          </a:p>
+          <a:p>
+            <a:r>
+              <a:rPr lang="pt-BR" sz="1200" dirty="0">
+                <a:solidFill>
+                  <a:srgbClr val="000000"/>
+                </a:solidFill>
+                <a:latin typeface="Consolas" panose="020B0609020204030204" pitchFamily="49" charset="0"/>
+              </a:rPr>
+              <a:t>            RP_X = </a:t>
+            </a:r>
+            <a:r>
+              <a:rPr lang="pt-BR" sz="1200" dirty="0" err="1">
+                <a:solidFill>
+                  <a:srgbClr val="000000"/>
+                </a:solidFill>
+                <a:latin typeface="Consolas" panose="020B0609020204030204" pitchFamily="49" charset="0"/>
+              </a:rPr>
+              <a:t>result.x</a:t>
+            </a:r>
+            <a:r>
+              <a:rPr lang="pt-BR" sz="1200" dirty="0">
+                <a:solidFill>
+                  <a:srgbClr val="000000"/>
+                </a:solidFill>
+                <a:latin typeface="Consolas" panose="020B0609020204030204" pitchFamily="49" charset="0"/>
+              </a:rPr>
+              <a:t>[:</a:t>
+            </a:r>
+            <a:r>
+              <a:rPr lang="pt-BR" sz="1200" dirty="0" err="1">
+                <a:solidFill>
+                  <a:srgbClr val="795E26"/>
+                </a:solidFill>
+                <a:latin typeface="Consolas" panose="020B0609020204030204" pitchFamily="49" charset="0"/>
+              </a:rPr>
+              <a:t>len</a:t>
+            </a:r>
+            <a:r>
+              <a:rPr lang="pt-BR" sz="1200" dirty="0">
+                <a:solidFill>
+                  <a:srgbClr val="000000"/>
+                </a:solidFill>
+                <a:latin typeface="Consolas" panose="020B0609020204030204" pitchFamily="49" charset="0"/>
+              </a:rPr>
+              <a:t>(Q)]</a:t>
+            </a:r>
+          </a:p>
+          <a:p>
+            <a:br>
+              <a:rPr lang="pt-BR" sz="1200" dirty="0">
+                <a:solidFill>
+                  <a:srgbClr val="000000"/>
+                </a:solidFill>
+                <a:latin typeface="Consolas" panose="020B0609020204030204" pitchFamily="49" charset="0"/>
+              </a:rPr>
+            </a:br>
+            <a:r>
+              <a:rPr lang="pt-BR" sz="1200" dirty="0">
+                <a:solidFill>
+                  <a:srgbClr val="000000"/>
+                </a:solidFill>
+                <a:latin typeface="Consolas" panose="020B0609020204030204" pitchFamily="49" charset="0"/>
+              </a:rPr>
+              <a:t>            </a:t>
+            </a:r>
+            <a:r>
+              <a:rPr lang="pt-BR" sz="1200" dirty="0">
+                <a:solidFill>
+                  <a:srgbClr val="008000"/>
+                </a:solidFill>
+                <a:latin typeface="Consolas" panose="020B0609020204030204" pitchFamily="49" charset="0"/>
+              </a:rPr>
+              <a:t># </a:t>
+            </a:r>
+            <a:r>
+              <a:rPr lang="pt-BR" sz="1200" dirty="0" err="1">
+                <a:solidFill>
+                  <a:srgbClr val="008000"/>
+                </a:solidFill>
+                <a:latin typeface="Consolas" panose="020B0609020204030204" pitchFamily="49" charset="0"/>
+              </a:rPr>
+              <a:t>Check</a:t>
+            </a:r>
+            <a:r>
+              <a:rPr lang="pt-BR" sz="1200" dirty="0">
+                <a:solidFill>
+                  <a:srgbClr val="008000"/>
+                </a:solidFill>
+                <a:latin typeface="Consolas" panose="020B0609020204030204" pitchFamily="49" charset="0"/>
+              </a:rPr>
+              <a:t> RP </a:t>
+            </a:r>
+            <a:r>
+              <a:rPr lang="pt-BR" sz="1200" dirty="0" err="1">
+                <a:solidFill>
+                  <a:srgbClr val="008000"/>
+                </a:solidFill>
+                <a:latin typeface="Consolas" panose="020B0609020204030204" pitchFamily="49" charset="0"/>
+              </a:rPr>
+              <a:t>solution</a:t>
+            </a:r>
+            <a:endParaRPr lang="pt-BR" sz="1200" dirty="0">
+              <a:solidFill>
+                <a:srgbClr val="000000"/>
+              </a:solidFill>
+              <a:latin typeface="Consolas" panose="020B0609020204030204" pitchFamily="49" charset="0"/>
+            </a:endParaRPr>
+          </a:p>
+          <a:p>
+            <a:r>
+              <a:rPr lang="pt-BR" sz="1200" dirty="0">
+                <a:solidFill>
+                  <a:srgbClr val="000000"/>
+                </a:solidFill>
+                <a:latin typeface="Consolas" panose="020B0609020204030204" pitchFamily="49" charset="0"/>
+              </a:rPr>
+              <a:t>            </a:t>
+            </a:r>
+            <a:r>
+              <a:rPr lang="pt-BR" sz="1200" dirty="0" err="1">
+                <a:solidFill>
+                  <a:srgbClr val="000000"/>
+                </a:solidFill>
+                <a:latin typeface="Consolas" panose="020B0609020204030204" pitchFamily="49" charset="0"/>
+              </a:rPr>
+              <a:t>RP_variance</a:t>
+            </a:r>
+            <a:r>
+              <a:rPr lang="pt-BR" sz="1200" dirty="0">
+                <a:solidFill>
+                  <a:srgbClr val="000000"/>
+                </a:solidFill>
+                <a:latin typeface="Consolas" panose="020B0609020204030204" pitchFamily="49" charset="0"/>
+              </a:rPr>
+              <a:t> = RP_X@Q@RP_X</a:t>
+            </a:r>
+          </a:p>
+          <a:p>
+            <a:r>
+              <a:rPr lang="pt-BR" sz="1200" dirty="0">
+                <a:solidFill>
+                  <a:srgbClr val="000000"/>
+                </a:solidFill>
+                <a:latin typeface="Consolas" panose="020B0609020204030204" pitchFamily="49" charset="0"/>
+              </a:rPr>
+              <a:t>            </a:t>
+            </a:r>
+            <a:r>
+              <a:rPr lang="pt-BR" sz="1200" dirty="0" err="1">
+                <a:solidFill>
+                  <a:srgbClr val="000000"/>
+                </a:solidFill>
+                <a:latin typeface="Consolas" panose="020B0609020204030204" pitchFamily="49" charset="0"/>
+              </a:rPr>
+              <a:t>RP_vol</a:t>
+            </a:r>
+            <a:r>
+              <a:rPr lang="pt-BR" sz="1200" dirty="0">
+                <a:solidFill>
+                  <a:srgbClr val="000000"/>
+                </a:solidFill>
+                <a:latin typeface="Consolas" panose="020B0609020204030204" pitchFamily="49" charset="0"/>
+              </a:rPr>
+              <a:t> = </a:t>
+            </a:r>
+            <a:r>
+              <a:rPr lang="pt-BR" sz="1200" dirty="0" err="1">
+                <a:solidFill>
+                  <a:srgbClr val="000000"/>
+                </a:solidFill>
+                <a:latin typeface="Consolas" panose="020B0609020204030204" pitchFamily="49" charset="0"/>
+              </a:rPr>
+              <a:t>math.pow</a:t>
+            </a:r>
+            <a:r>
+              <a:rPr lang="pt-BR" sz="1200" dirty="0">
+                <a:solidFill>
+                  <a:srgbClr val="000000"/>
+                </a:solidFill>
+                <a:latin typeface="Consolas" panose="020B0609020204030204" pitchFamily="49" charset="0"/>
+              </a:rPr>
+              <a:t>(</a:t>
+            </a:r>
+            <a:r>
+              <a:rPr lang="pt-BR" sz="1200" dirty="0" err="1">
+                <a:solidFill>
+                  <a:srgbClr val="000000"/>
+                </a:solidFill>
+                <a:latin typeface="Consolas" panose="020B0609020204030204" pitchFamily="49" charset="0"/>
+              </a:rPr>
+              <a:t>RP_variance</a:t>
+            </a:r>
+            <a:r>
+              <a:rPr lang="pt-BR" sz="1200" dirty="0">
+                <a:solidFill>
+                  <a:srgbClr val="000000"/>
+                </a:solidFill>
+                <a:latin typeface="Consolas" panose="020B0609020204030204" pitchFamily="49" charset="0"/>
+              </a:rPr>
+              <a:t>, </a:t>
+            </a:r>
+            <a:r>
+              <a:rPr lang="pt-BR" sz="1200" dirty="0">
+                <a:solidFill>
+                  <a:srgbClr val="098658"/>
+                </a:solidFill>
+                <a:latin typeface="Consolas" panose="020B0609020204030204" pitchFamily="49" charset="0"/>
+              </a:rPr>
+              <a:t>0.5</a:t>
+            </a:r>
+            <a:r>
+              <a:rPr lang="pt-BR" sz="1200" dirty="0">
+                <a:solidFill>
+                  <a:srgbClr val="000000"/>
+                </a:solidFill>
+                <a:latin typeface="Consolas" panose="020B0609020204030204" pitchFamily="49" charset="0"/>
+              </a:rPr>
+              <a:t>)</a:t>
+            </a:r>
+          </a:p>
+          <a:p>
+            <a:r>
+              <a:rPr lang="pt-BR" sz="1200" dirty="0">
+                <a:solidFill>
+                  <a:srgbClr val="000000"/>
+                </a:solidFill>
+                <a:latin typeface="Consolas" panose="020B0609020204030204" pitchFamily="49" charset="0"/>
+              </a:rPr>
+              <a:t>            </a:t>
+            </a:r>
+            <a:r>
+              <a:rPr lang="pt-BR" sz="1200" dirty="0" err="1">
+                <a:solidFill>
+                  <a:srgbClr val="000000"/>
+                </a:solidFill>
+                <a:latin typeface="Consolas" panose="020B0609020204030204" pitchFamily="49" charset="0"/>
+              </a:rPr>
+              <a:t>RC_target</a:t>
+            </a:r>
+            <a:r>
+              <a:rPr lang="pt-BR" sz="1200" dirty="0">
+                <a:solidFill>
+                  <a:srgbClr val="000000"/>
+                </a:solidFill>
+                <a:latin typeface="Consolas" panose="020B0609020204030204" pitchFamily="49" charset="0"/>
+              </a:rPr>
+              <a:t> = (</a:t>
+            </a:r>
+            <a:r>
+              <a:rPr lang="pt-BR" sz="1200" dirty="0" err="1">
+                <a:solidFill>
+                  <a:srgbClr val="000000"/>
+                </a:solidFill>
+                <a:latin typeface="Consolas" panose="020B0609020204030204" pitchFamily="49" charset="0"/>
+              </a:rPr>
+              <a:t>RP_variance</a:t>
+            </a:r>
+            <a:r>
+              <a:rPr lang="pt-BR" sz="1200" dirty="0">
+                <a:solidFill>
+                  <a:srgbClr val="000000"/>
+                </a:solidFill>
+                <a:latin typeface="Consolas" panose="020B0609020204030204" pitchFamily="49" charset="0"/>
+              </a:rPr>
+              <a:t>)/</a:t>
+            </a:r>
+            <a:r>
+              <a:rPr lang="pt-BR" sz="1200" dirty="0" err="1">
+                <a:solidFill>
+                  <a:srgbClr val="795E26"/>
+                </a:solidFill>
+                <a:latin typeface="Consolas" panose="020B0609020204030204" pitchFamily="49" charset="0"/>
+              </a:rPr>
+              <a:t>len</a:t>
+            </a:r>
+            <a:r>
+              <a:rPr lang="pt-BR" sz="1200" dirty="0">
+                <a:solidFill>
+                  <a:srgbClr val="000000"/>
+                </a:solidFill>
+                <a:latin typeface="Consolas" panose="020B0609020204030204" pitchFamily="49" charset="0"/>
+              </a:rPr>
+              <a:t>(RP_X)</a:t>
+            </a:r>
+          </a:p>
+          <a:p>
+            <a:r>
+              <a:rPr lang="pt-BR" sz="1200" dirty="0">
+                <a:solidFill>
+                  <a:srgbClr val="000000"/>
+                </a:solidFill>
+                <a:latin typeface="Consolas" panose="020B0609020204030204" pitchFamily="49" charset="0"/>
+              </a:rPr>
+              <a:t>            RC_L = ([RP_X[N]*Q[N]@RP_X </a:t>
+            </a:r>
+            <a:r>
+              <a:rPr lang="pt-BR" sz="1200" dirty="0">
+                <a:solidFill>
+                  <a:srgbClr val="AF00DB"/>
+                </a:solidFill>
+                <a:latin typeface="Consolas" panose="020B0609020204030204" pitchFamily="49" charset="0"/>
+              </a:rPr>
+              <a:t>for</a:t>
+            </a:r>
+            <a:r>
+              <a:rPr lang="pt-BR" sz="1200" dirty="0">
+                <a:solidFill>
+                  <a:srgbClr val="000000"/>
+                </a:solidFill>
+                <a:latin typeface="Consolas" panose="020B0609020204030204" pitchFamily="49" charset="0"/>
+              </a:rPr>
+              <a:t> N, i </a:t>
+            </a:r>
+            <a:r>
+              <a:rPr lang="pt-BR" sz="1200" dirty="0">
+                <a:solidFill>
+                  <a:srgbClr val="0000FF"/>
+                </a:solidFill>
+                <a:latin typeface="Consolas" panose="020B0609020204030204" pitchFamily="49" charset="0"/>
+              </a:rPr>
+              <a:t>in</a:t>
+            </a:r>
+            <a:r>
+              <a:rPr lang="pt-BR" sz="1200" dirty="0">
+                <a:solidFill>
+                  <a:srgbClr val="000000"/>
+                </a:solidFill>
+                <a:latin typeface="Consolas" panose="020B0609020204030204" pitchFamily="49" charset="0"/>
+              </a:rPr>
+              <a:t> </a:t>
+            </a:r>
+            <a:r>
+              <a:rPr lang="pt-BR" sz="1200" dirty="0" err="1">
+                <a:solidFill>
+                  <a:srgbClr val="795E26"/>
+                </a:solidFill>
+                <a:latin typeface="Consolas" panose="020B0609020204030204" pitchFamily="49" charset="0"/>
+              </a:rPr>
+              <a:t>enumerate</a:t>
+            </a:r>
+            <a:r>
+              <a:rPr lang="pt-BR" sz="1200" dirty="0">
+                <a:solidFill>
+                  <a:srgbClr val="000000"/>
+                </a:solidFill>
+                <a:latin typeface="Consolas" panose="020B0609020204030204" pitchFamily="49" charset="0"/>
+              </a:rPr>
+              <a:t>(RP_X)])</a:t>
+            </a:r>
+          </a:p>
+          <a:p>
+            <a:r>
+              <a:rPr lang="pt-BR" sz="1200" dirty="0">
+                <a:solidFill>
+                  <a:srgbClr val="000000"/>
+                </a:solidFill>
+                <a:latin typeface="Consolas" panose="020B0609020204030204" pitchFamily="49" charset="0"/>
+              </a:rPr>
+              <a:t>            </a:t>
+            </a:r>
+            <a:r>
+              <a:rPr lang="pt-BR" sz="1200" dirty="0" err="1">
+                <a:solidFill>
+                  <a:srgbClr val="000000"/>
+                </a:solidFill>
+                <a:latin typeface="Consolas" panose="020B0609020204030204" pitchFamily="49" charset="0"/>
+              </a:rPr>
+              <a:t>RC_tolerance</a:t>
+            </a:r>
+            <a:r>
+              <a:rPr lang="pt-BR" sz="1200" dirty="0">
+                <a:solidFill>
+                  <a:srgbClr val="000000"/>
+                </a:solidFill>
+                <a:latin typeface="Consolas" panose="020B0609020204030204" pitchFamily="49" charset="0"/>
+              </a:rPr>
+              <a:t> = </a:t>
+            </a:r>
+            <a:r>
+              <a:rPr lang="pt-BR" sz="1200" dirty="0" err="1">
+                <a:solidFill>
+                  <a:srgbClr val="000000"/>
+                </a:solidFill>
+                <a:latin typeface="Consolas" panose="020B0609020204030204" pitchFamily="49" charset="0"/>
+              </a:rPr>
+              <a:t>math.pow</a:t>
+            </a:r>
+            <a:r>
+              <a:rPr lang="pt-BR" sz="1200" dirty="0">
+                <a:solidFill>
+                  <a:srgbClr val="000000"/>
+                </a:solidFill>
+                <a:latin typeface="Consolas" panose="020B0609020204030204" pitchFamily="49" charset="0"/>
+              </a:rPr>
+              <a:t>(</a:t>
+            </a:r>
+            <a:r>
+              <a:rPr lang="pt-BR" sz="1200" dirty="0">
+                <a:solidFill>
+                  <a:srgbClr val="098658"/>
+                </a:solidFill>
+                <a:latin typeface="Consolas" panose="020B0609020204030204" pitchFamily="49" charset="0"/>
+              </a:rPr>
+              <a:t>10</a:t>
+            </a:r>
+            <a:r>
+              <a:rPr lang="pt-BR" sz="1200" dirty="0">
+                <a:solidFill>
+                  <a:srgbClr val="000000"/>
+                </a:solidFill>
+                <a:latin typeface="Consolas" panose="020B0609020204030204" pitchFamily="49" charset="0"/>
+              </a:rPr>
+              <a:t>, -</a:t>
+            </a:r>
+            <a:r>
+              <a:rPr lang="pt-BR" sz="1200" dirty="0">
+                <a:solidFill>
+                  <a:srgbClr val="098658"/>
+                </a:solidFill>
+                <a:latin typeface="Consolas" panose="020B0609020204030204" pitchFamily="49" charset="0"/>
+              </a:rPr>
+              <a:t>5</a:t>
+            </a:r>
+            <a:r>
+              <a:rPr lang="pt-BR" sz="1200" dirty="0">
+                <a:solidFill>
+                  <a:srgbClr val="000000"/>
+                </a:solidFill>
+                <a:latin typeface="Consolas" panose="020B0609020204030204" pitchFamily="49" charset="0"/>
+              </a:rPr>
+              <a:t>)</a:t>
+            </a:r>
+          </a:p>
+          <a:p>
+            <a:r>
+              <a:rPr lang="pt-BR" sz="1200" dirty="0">
+                <a:solidFill>
+                  <a:srgbClr val="000000"/>
+                </a:solidFill>
+                <a:latin typeface="Consolas" panose="020B0609020204030204" pitchFamily="49" charset="0"/>
+              </a:rPr>
+              <a:t>            </a:t>
+            </a:r>
+            <a:r>
+              <a:rPr lang="pt-BR" sz="1200" dirty="0" err="1">
+                <a:solidFill>
+                  <a:srgbClr val="000000"/>
+                </a:solidFill>
+                <a:latin typeface="Consolas" panose="020B0609020204030204" pitchFamily="49" charset="0"/>
+              </a:rPr>
+              <a:t>RC_test</a:t>
+            </a:r>
+            <a:r>
+              <a:rPr lang="pt-BR" sz="1200" dirty="0">
+                <a:solidFill>
+                  <a:srgbClr val="000000"/>
+                </a:solidFill>
+                <a:latin typeface="Consolas" panose="020B0609020204030204" pitchFamily="49" charset="0"/>
+              </a:rPr>
+              <a:t> = [</a:t>
+            </a:r>
+            <a:r>
+              <a:rPr lang="pt-BR" sz="1200" dirty="0" err="1">
+                <a:solidFill>
+                  <a:srgbClr val="795E26"/>
+                </a:solidFill>
+                <a:latin typeface="Consolas" panose="020B0609020204030204" pitchFamily="49" charset="0"/>
+              </a:rPr>
+              <a:t>abs</a:t>
+            </a:r>
+            <a:r>
+              <a:rPr lang="pt-BR" sz="1200" dirty="0">
+                <a:solidFill>
+                  <a:srgbClr val="000000"/>
+                </a:solidFill>
+                <a:latin typeface="Consolas" panose="020B0609020204030204" pitchFamily="49" charset="0"/>
+              </a:rPr>
+              <a:t>(</a:t>
+            </a:r>
+            <a:r>
+              <a:rPr lang="pt-BR" sz="1200" dirty="0" err="1">
+                <a:solidFill>
+                  <a:srgbClr val="000000"/>
+                </a:solidFill>
+                <a:latin typeface="Consolas" panose="020B0609020204030204" pitchFamily="49" charset="0"/>
+              </a:rPr>
+              <a:t>RC_i</a:t>
+            </a:r>
+            <a:r>
+              <a:rPr lang="pt-BR" sz="1200" dirty="0">
+                <a:solidFill>
+                  <a:srgbClr val="000000"/>
+                </a:solidFill>
+                <a:latin typeface="Consolas" panose="020B0609020204030204" pitchFamily="49" charset="0"/>
+              </a:rPr>
+              <a:t> - </a:t>
+            </a:r>
+            <a:r>
+              <a:rPr lang="pt-BR" sz="1200" dirty="0" err="1">
+                <a:solidFill>
+                  <a:srgbClr val="000000"/>
+                </a:solidFill>
+                <a:latin typeface="Consolas" panose="020B0609020204030204" pitchFamily="49" charset="0"/>
+              </a:rPr>
+              <a:t>RC_target</a:t>
+            </a:r>
+            <a:r>
+              <a:rPr lang="pt-BR" sz="1200" dirty="0">
+                <a:solidFill>
+                  <a:srgbClr val="000000"/>
+                </a:solidFill>
+                <a:latin typeface="Consolas" panose="020B0609020204030204" pitchFamily="49" charset="0"/>
+              </a:rPr>
+              <a:t>) </a:t>
+            </a:r>
+            <a:r>
+              <a:rPr lang="pt-BR" sz="1200" dirty="0">
+                <a:solidFill>
+                  <a:srgbClr val="AF00DB"/>
+                </a:solidFill>
+                <a:latin typeface="Consolas" panose="020B0609020204030204" pitchFamily="49" charset="0"/>
+              </a:rPr>
+              <a:t>for</a:t>
+            </a:r>
+            <a:r>
+              <a:rPr lang="pt-BR" sz="1200" dirty="0">
+                <a:solidFill>
+                  <a:srgbClr val="000000"/>
+                </a:solidFill>
+                <a:latin typeface="Consolas" panose="020B0609020204030204" pitchFamily="49" charset="0"/>
+              </a:rPr>
+              <a:t> </a:t>
+            </a:r>
+            <a:r>
+              <a:rPr lang="pt-BR" sz="1200" dirty="0" err="1">
+                <a:solidFill>
+                  <a:srgbClr val="000000"/>
+                </a:solidFill>
+                <a:latin typeface="Consolas" panose="020B0609020204030204" pitchFamily="49" charset="0"/>
+              </a:rPr>
+              <a:t>RC_i</a:t>
+            </a:r>
+            <a:r>
+              <a:rPr lang="pt-BR" sz="1200" dirty="0">
+                <a:solidFill>
+                  <a:srgbClr val="000000"/>
+                </a:solidFill>
+                <a:latin typeface="Consolas" panose="020B0609020204030204" pitchFamily="49" charset="0"/>
+              </a:rPr>
+              <a:t> </a:t>
+            </a:r>
+            <a:r>
+              <a:rPr lang="pt-BR" sz="1200" dirty="0">
+                <a:solidFill>
+                  <a:srgbClr val="0000FF"/>
+                </a:solidFill>
+                <a:latin typeface="Consolas" panose="020B0609020204030204" pitchFamily="49" charset="0"/>
+              </a:rPr>
+              <a:t>in</a:t>
+            </a:r>
+            <a:r>
+              <a:rPr lang="pt-BR" sz="1200" dirty="0">
+                <a:solidFill>
+                  <a:srgbClr val="000000"/>
+                </a:solidFill>
+                <a:latin typeface="Consolas" panose="020B0609020204030204" pitchFamily="49" charset="0"/>
+              </a:rPr>
+              <a:t> RC_L]</a:t>
+            </a:r>
+          </a:p>
+          <a:p>
+            <a:br>
+              <a:rPr lang="pt-BR" sz="1200" dirty="0">
+                <a:solidFill>
+                  <a:srgbClr val="000000"/>
+                </a:solidFill>
+                <a:latin typeface="Consolas" panose="020B0609020204030204" pitchFamily="49" charset="0"/>
+              </a:rPr>
+            </a:br>
+            <a:r>
+              <a:rPr lang="pt-BR" sz="1200" dirty="0">
+                <a:solidFill>
+                  <a:srgbClr val="000000"/>
+                </a:solidFill>
+                <a:latin typeface="Consolas" panose="020B0609020204030204" pitchFamily="49" charset="0"/>
+              </a:rPr>
+              <a:t>            </a:t>
+            </a:r>
+            <a:r>
+              <a:rPr lang="pt-BR" sz="1200" dirty="0" err="1">
+                <a:solidFill>
+                  <a:srgbClr val="AF00DB"/>
+                </a:solidFill>
+                <a:latin typeface="Consolas" panose="020B0609020204030204" pitchFamily="49" charset="0"/>
+              </a:rPr>
+              <a:t>if</a:t>
+            </a:r>
+            <a:r>
+              <a:rPr lang="pt-BR" sz="1200" dirty="0">
+                <a:solidFill>
+                  <a:srgbClr val="000000"/>
+                </a:solidFill>
+                <a:latin typeface="Consolas" panose="020B0609020204030204" pitchFamily="49" charset="0"/>
+              </a:rPr>
+              <a:t> ((</a:t>
+            </a:r>
+            <a:r>
+              <a:rPr lang="pt-BR" sz="1200" dirty="0" err="1">
+                <a:solidFill>
+                  <a:srgbClr val="795E26"/>
+                </a:solidFill>
+                <a:latin typeface="Consolas" panose="020B0609020204030204" pitchFamily="49" charset="0"/>
+              </a:rPr>
+              <a:t>all</a:t>
+            </a:r>
+            <a:r>
+              <a:rPr lang="pt-BR" sz="1200" dirty="0">
+                <a:solidFill>
+                  <a:srgbClr val="000000"/>
+                </a:solidFill>
+                <a:latin typeface="Consolas" panose="020B0609020204030204" pitchFamily="49" charset="0"/>
+              </a:rPr>
+              <a:t>(i &lt;= </a:t>
+            </a:r>
+            <a:r>
+              <a:rPr lang="pt-BR" sz="1200" dirty="0" err="1">
+                <a:solidFill>
+                  <a:srgbClr val="000000"/>
+                </a:solidFill>
+                <a:latin typeface="Consolas" panose="020B0609020204030204" pitchFamily="49" charset="0"/>
+              </a:rPr>
+              <a:t>RC_tolerance</a:t>
+            </a:r>
+            <a:r>
+              <a:rPr lang="pt-BR" sz="1200" dirty="0">
+                <a:solidFill>
+                  <a:srgbClr val="000000"/>
+                </a:solidFill>
+                <a:latin typeface="Consolas" panose="020B0609020204030204" pitchFamily="49" charset="0"/>
+              </a:rPr>
+              <a:t> </a:t>
+            </a:r>
+            <a:r>
+              <a:rPr lang="pt-BR" sz="1200" dirty="0">
+                <a:solidFill>
+                  <a:srgbClr val="AF00DB"/>
+                </a:solidFill>
+                <a:latin typeface="Consolas" panose="020B0609020204030204" pitchFamily="49" charset="0"/>
+              </a:rPr>
+              <a:t>for</a:t>
+            </a:r>
+            <a:r>
+              <a:rPr lang="pt-BR" sz="1200" dirty="0">
+                <a:solidFill>
+                  <a:srgbClr val="000000"/>
+                </a:solidFill>
+                <a:latin typeface="Consolas" panose="020B0609020204030204" pitchFamily="49" charset="0"/>
+              </a:rPr>
+              <a:t> i </a:t>
+            </a:r>
+            <a:r>
+              <a:rPr lang="pt-BR" sz="1200" dirty="0">
+                <a:solidFill>
+                  <a:srgbClr val="0000FF"/>
+                </a:solidFill>
+                <a:latin typeface="Consolas" panose="020B0609020204030204" pitchFamily="49" charset="0"/>
+              </a:rPr>
+              <a:t>in</a:t>
+            </a:r>
+            <a:r>
+              <a:rPr lang="pt-BR" sz="1200" dirty="0">
+                <a:solidFill>
+                  <a:srgbClr val="000000"/>
+                </a:solidFill>
+                <a:latin typeface="Consolas" panose="020B0609020204030204" pitchFamily="49" charset="0"/>
+              </a:rPr>
+              <a:t> </a:t>
+            </a:r>
+            <a:r>
+              <a:rPr lang="pt-BR" sz="1200" dirty="0" err="1">
+                <a:solidFill>
+                  <a:srgbClr val="000000"/>
+                </a:solidFill>
+                <a:latin typeface="Consolas" panose="020B0609020204030204" pitchFamily="49" charset="0"/>
+              </a:rPr>
+              <a:t>RC_test</a:t>
+            </a:r>
+            <a:r>
+              <a:rPr lang="pt-BR" sz="1200" dirty="0">
+                <a:solidFill>
+                  <a:srgbClr val="000000"/>
+                </a:solidFill>
+                <a:latin typeface="Consolas" panose="020B0609020204030204" pitchFamily="49" charset="0"/>
+              </a:rPr>
+              <a:t>)) == </a:t>
+            </a:r>
+            <a:r>
+              <a:rPr lang="pt-BR" sz="1200" dirty="0" err="1">
+                <a:solidFill>
+                  <a:srgbClr val="0000FF"/>
+                </a:solidFill>
+                <a:latin typeface="Consolas" panose="020B0609020204030204" pitchFamily="49" charset="0"/>
+              </a:rPr>
+              <a:t>True</a:t>
+            </a:r>
+            <a:r>
+              <a:rPr lang="pt-BR" sz="1200" dirty="0">
+                <a:solidFill>
+                  <a:srgbClr val="000000"/>
+                </a:solidFill>
+                <a:latin typeface="Consolas" panose="020B0609020204030204" pitchFamily="49" charset="0"/>
+              </a:rPr>
+              <a:t>):</a:t>
+            </a:r>
+          </a:p>
+          <a:p>
+            <a:r>
+              <a:rPr lang="pt-BR" sz="1200" dirty="0">
+                <a:solidFill>
+                  <a:srgbClr val="000000"/>
+                </a:solidFill>
+                <a:latin typeface="Consolas" panose="020B0609020204030204" pitchFamily="49" charset="0"/>
+              </a:rPr>
+              <a:t>                </a:t>
+            </a:r>
+            <a:r>
+              <a:rPr lang="pt-BR" sz="1200" dirty="0" err="1">
+                <a:solidFill>
+                  <a:srgbClr val="000000"/>
+                </a:solidFill>
+                <a:latin typeface="Consolas" panose="020B0609020204030204" pitchFamily="49" charset="0"/>
+              </a:rPr>
+              <a:t>RP_solutions.append</a:t>
+            </a:r>
+            <a:r>
+              <a:rPr lang="pt-BR" sz="1200" dirty="0">
+                <a:solidFill>
+                  <a:srgbClr val="000000"/>
+                </a:solidFill>
+                <a:latin typeface="Consolas" panose="020B0609020204030204" pitchFamily="49" charset="0"/>
+              </a:rPr>
+              <a:t>(</a:t>
+            </a:r>
+            <a:r>
+              <a:rPr lang="pt-BR" sz="1200" dirty="0" err="1">
+                <a:solidFill>
+                  <a:srgbClr val="267F99"/>
+                </a:solidFill>
+                <a:latin typeface="Consolas" panose="020B0609020204030204" pitchFamily="49" charset="0"/>
+              </a:rPr>
+              <a:t>tuple</a:t>
+            </a:r>
+            <a:r>
+              <a:rPr lang="pt-BR" sz="1200" dirty="0">
+                <a:solidFill>
+                  <a:srgbClr val="000000"/>
+                </a:solidFill>
+                <a:latin typeface="Consolas" panose="020B0609020204030204" pitchFamily="49" charset="0"/>
+              </a:rPr>
+              <a:t>((RP_X, </a:t>
+            </a:r>
+            <a:r>
+              <a:rPr lang="pt-BR" sz="1200" dirty="0" err="1">
+                <a:solidFill>
+                  <a:srgbClr val="000000"/>
+                </a:solidFill>
+                <a:latin typeface="Consolas" panose="020B0609020204030204" pitchFamily="49" charset="0"/>
+              </a:rPr>
+              <a:t>RP_vol</a:t>
+            </a:r>
+            <a:r>
+              <a:rPr lang="pt-BR" sz="1200" dirty="0">
+                <a:solidFill>
+                  <a:srgbClr val="000000"/>
+                </a:solidFill>
+                <a:latin typeface="Consolas" panose="020B0609020204030204" pitchFamily="49" charset="0"/>
+              </a:rPr>
+              <a:t>)))</a:t>
+            </a:r>
+          </a:p>
+          <a:p>
+            <a:br>
+              <a:rPr lang="pt-BR" sz="1200" dirty="0">
+                <a:solidFill>
+                  <a:srgbClr val="000000"/>
+                </a:solidFill>
+                <a:latin typeface="Consolas" panose="020B0609020204030204" pitchFamily="49" charset="0"/>
+              </a:rPr>
+            </a:br>
+            <a:r>
+              <a:rPr lang="pt-BR" sz="1200" dirty="0">
+                <a:solidFill>
+                  <a:srgbClr val="000000"/>
+                </a:solidFill>
+                <a:latin typeface="Consolas" panose="020B0609020204030204" pitchFamily="49" charset="0"/>
+              </a:rPr>
+              <a:t>    </a:t>
+            </a:r>
+            <a:r>
+              <a:rPr lang="pt-BR" sz="1200" dirty="0" err="1">
+                <a:solidFill>
+                  <a:srgbClr val="000000"/>
+                </a:solidFill>
+                <a:latin typeface="Consolas" panose="020B0609020204030204" pitchFamily="49" charset="0"/>
+              </a:rPr>
+              <a:t>RP_X_sorted</a:t>
+            </a:r>
+            <a:r>
+              <a:rPr lang="pt-BR" sz="1200" dirty="0">
+                <a:solidFill>
+                  <a:srgbClr val="000000"/>
+                </a:solidFill>
+                <a:latin typeface="Consolas" panose="020B0609020204030204" pitchFamily="49" charset="0"/>
+              </a:rPr>
+              <a:t> = </a:t>
+            </a:r>
+            <a:r>
+              <a:rPr lang="pt-BR" sz="1200" dirty="0" err="1">
+                <a:solidFill>
+                  <a:srgbClr val="795E26"/>
+                </a:solidFill>
+                <a:latin typeface="Consolas" panose="020B0609020204030204" pitchFamily="49" charset="0"/>
+              </a:rPr>
+              <a:t>sorted</a:t>
+            </a:r>
+            <a:r>
+              <a:rPr lang="pt-BR" sz="1200" dirty="0">
+                <a:solidFill>
+                  <a:srgbClr val="000000"/>
+                </a:solidFill>
+                <a:latin typeface="Consolas" panose="020B0609020204030204" pitchFamily="49" charset="0"/>
+              </a:rPr>
+              <a:t>(</a:t>
+            </a:r>
+            <a:r>
+              <a:rPr lang="pt-BR" sz="1200" dirty="0" err="1">
+                <a:solidFill>
+                  <a:srgbClr val="000000"/>
+                </a:solidFill>
+                <a:latin typeface="Consolas" panose="020B0609020204030204" pitchFamily="49" charset="0"/>
+              </a:rPr>
+              <a:t>RP_solutions</a:t>
+            </a:r>
+            <a:r>
+              <a:rPr lang="pt-BR" sz="1200" dirty="0">
+                <a:solidFill>
+                  <a:srgbClr val="000000"/>
+                </a:solidFill>
+                <a:latin typeface="Consolas" panose="020B0609020204030204" pitchFamily="49" charset="0"/>
+              </a:rPr>
+              <a:t>, </a:t>
+            </a:r>
+            <a:r>
+              <a:rPr lang="pt-BR" sz="1200" dirty="0" err="1">
+                <a:solidFill>
+                  <a:srgbClr val="001080"/>
+                </a:solidFill>
+                <a:latin typeface="Consolas" panose="020B0609020204030204" pitchFamily="49" charset="0"/>
+              </a:rPr>
+              <a:t>key</a:t>
+            </a:r>
+            <a:r>
+              <a:rPr lang="pt-BR" sz="1200" dirty="0">
+                <a:solidFill>
+                  <a:srgbClr val="000000"/>
+                </a:solidFill>
+                <a:latin typeface="Consolas" panose="020B0609020204030204" pitchFamily="49" charset="0"/>
+              </a:rPr>
+              <a:t>= </a:t>
+            </a:r>
+            <a:r>
+              <a:rPr lang="pt-BR" sz="1200" dirty="0">
+                <a:solidFill>
+                  <a:srgbClr val="0000FF"/>
+                </a:solidFill>
+                <a:latin typeface="Consolas" panose="020B0609020204030204" pitchFamily="49" charset="0"/>
+              </a:rPr>
+              <a:t>lambda</a:t>
+            </a:r>
+            <a:r>
+              <a:rPr lang="pt-BR" sz="1200" dirty="0">
+                <a:solidFill>
+                  <a:srgbClr val="000000"/>
+                </a:solidFill>
+                <a:latin typeface="Consolas" panose="020B0609020204030204" pitchFamily="49" charset="0"/>
+              </a:rPr>
+              <a:t> </a:t>
+            </a:r>
+            <a:r>
+              <a:rPr lang="pt-BR" sz="1200" dirty="0">
+                <a:solidFill>
+                  <a:srgbClr val="001080"/>
+                </a:solidFill>
+                <a:latin typeface="Consolas" panose="020B0609020204030204" pitchFamily="49" charset="0"/>
+              </a:rPr>
+              <a:t>x</a:t>
+            </a:r>
+            <a:r>
+              <a:rPr lang="pt-BR" sz="1200" dirty="0">
+                <a:solidFill>
+                  <a:srgbClr val="000000"/>
+                </a:solidFill>
+                <a:latin typeface="Consolas" panose="020B0609020204030204" pitchFamily="49" charset="0"/>
+              </a:rPr>
+              <a:t>: x[</a:t>
+            </a:r>
+            <a:r>
+              <a:rPr lang="pt-BR" sz="1200" dirty="0">
+                <a:solidFill>
+                  <a:srgbClr val="098658"/>
+                </a:solidFill>
+                <a:latin typeface="Consolas" panose="020B0609020204030204" pitchFamily="49" charset="0"/>
+              </a:rPr>
+              <a:t>1</a:t>
+            </a:r>
+            <a:r>
+              <a:rPr lang="pt-BR" sz="1200" dirty="0">
+                <a:solidFill>
+                  <a:srgbClr val="000000"/>
+                </a:solidFill>
+                <a:latin typeface="Consolas" panose="020B0609020204030204" pitchFamily="49" charset="0"/>
+              </a:rPr>
+              <a:t>])</a:t>
+            </a:r>
+          </a:p>
+          <a:p>
+            <a:r>
+              <a:rPr lang="pt-BR" sz="1200" dirty="0">
+                <a:solidFill>
+                  <a:srgbClr val="000000"/>
+                </a:solidFill>
+                <a:latin typeface="Consolas" panose="020B0609020204030204" pitchFamily="49" charset="0"/>
+              </a:rPr>
+              <a:t>    RP_X = </a:t>
+            </a:r>
+            <a:r>
+              <a:rPr lang="pt-BR" sz="1200" dirty="0" err="1">
+                <a:solidFill>
+                  <a:srgbClr val="000000"/>
+                </a:solidFill>
+                <a:latin typeface="Consolas" panose="020B0609020204030204" pitchFamily="49" charset="0"/>
+              </a:rPr>
+              <a:t>RP_X_sorted</a:t>
+            </a:r>
+            <a:r>
+              <a:rPr lang="pt-BR" sz="1200" dirty="0">
+                <a:solidFill>
+                  <a:srgbClr val="000000"/>
+                </a:solidFill>
+                <a:latin typeface="Consolas" panose="020B0609020204030204" pitchFamily="49" charset="0"/>
+              </a:rPr>
+              <a:t>[</a:t>
+            </a:r>
+            <a:r>
+              <a:rPr lang="pt-BR" sz="1200" dirty="0">
+                <a:solidFill>
+                  <a:srgbClr val="098658"/>
+                </a:solidFill>
+                <a:latin typeface="Consolas" panose="020B0609020204030204" pitchFamily="49" charset="0"/>
+              </a:rPr>
+              <a:t>0</a:t>
+            </a:r>
+            <a:r>
+              <a:rPr lang="pt-BR" sz="1200" dirty="0">
+                <a:solidFill>
+                  <a:srgbClr val="000000"/>
+                </a:solidFill>
+                <a:latin typeface="Consolas" panose="020B0609020204030204" pitchFamily="49" charset="0"/>
+              </a:rPr>
+              <a:t>]</a:t>
+            </a:r>
+            <a:endParaRPr lang="pt-BR" sz="1200" b="0" dirty="0">
+              <a:solidFill>
+                <a:srgbClr val="000000"/>
+              </a:solidFill>
+              <a:effectLst/>
+              <a:latin typeface="Consolas" panose="020B0609020204030204" pitchFamily="49" charset="0"/>
+            </a:endParaRPr>
           </a:p>
         </p:txBody>
       </p:sp>
+      <p:pic>
+        <p:nvPicPr>
+          <p:cNvPr id="5" name="Imagem 4">
+            <a:extLst>
+              <a:ext uri="{FF2B5EF4-FFF2-40B4-BE49-F238E27FC236}">
+                <a16:creationId xmlns:a16="http://schemas.microsoft.com/office/drawing/2014/main" id="{E3CDE260-0B13-4657-8BAA-9B9213BD01C9}"/>
+              </a:ext>
+            </a:extLst>
+          </p:cNvPr>
+          <p:cNvPicPr>
+            <a:picLocks noChangeAspect="1"/>
+          </p:cNvPicPr>
+          <p:nvPr/>
+        </p:nvPicPr>
+        <p:blipFill>
+          <a:blip r:embed="rId2"/>
+          <a:stretch>
+            <a:fillRect/>
+          </a:stretch>
+        </p:blipFill>
+        <p:spPr>
+          <a:xfrm>
+            <a:off x="81849" y="1141754"/>
+            <a:ext cx="3421309" cy="857375"/>
+          </a:xfrm>
+          <a:prstGeom prst="rect">
+            <a:avLst/>
+          </a:prstGeom>
+        </p:spPr>
+      </p:pic>
     </p:spTree>
     <p:extLst>
       <p:ext uri="{BB962C8B-B14F-4D97-AF65-F5344CB8AC3E}">
-        <p14:creationId xmlns:p14="http://schemas.microsoft.com/office/powerpoint/2010/main" val="2695809144"/>
+        <p14:creationId xmlns:p14="http://schemas.microsoft.com/office/powerpoint/2010/main" val="384433601"/>
       </p:ext>
     </p:extLst>
   </p:cSld>
